--- a/UCSB_Progress_Log_2025.pptx
+++ b/UCSB_Progress_Log_2025.pptx
@@ -5,11 +5,12 @@
     <p:sldMasterId id="2147483660" r:id="rId1"/>
   </p:sldMasterIdLst>
   <p:notesMasterIdLst>
-    <p:notesMasterId r:id="rId4"/>
+    <p:notesMasterId r:id="rId5"/>
   </p:notesMasterIdLst>
   <p:sldIdLst>
     <p:sldId id="1924" r:id="rId2"/>
     <p:sldId id="1925" r:id="rId3"/>
+    <p:sldId id="1926" r:id="rId4"/>
   </p:sldIdLst>
   <p:sldSz cx="12192000" cy="6858000"/>
   <p:notesSz cx="6858000" cy="9144000"/>
@@ -198,7 +199,7 @@
           <a:p>
             <a:fld id="{B4EB7CA5-3446-40C9-846F-7DC913B6519C}" type="datetimeFigureOut">
               <a:rPr lang="en-US" smtClean="0"/>
-              <a:t>1/25/2025</a:t>
+              <a:t>2/14/2025</a:t>
             </a:fld>
             <a:endParaRPr lang="en-US"/>
           </a:p>
@@ -612,7 +613,7 @@
           <a:p>
             <a:fld id="{C643AF8B-4969-4940-80FA-CA1C00EC0409}" type="datetimeFigureOut">
               <a:rPr lang="en-US" smtClean="0"/>
-              <a:t>1/25/2025</a:t>
+              <a:t>2/14/2025</a:t>
             </a:fld>
             <a:endParaRPr lang="en-US"/>
           </a:p>
@@ -810,7 +811,7 @@
           <a:p>
             <a:fld id="{C643AF8B-4969-4940-80FA-CA1C00EC0409}" type="datetimeFigureOut">
               <a:rPr lang="en-US" smtClean="0"/>
-              <a:t>1/25/2025</a:t>
+              <a:t>2/14/2025</a:t>
             </a:fld>
             <a:endParaRPr lang="en-US"/>
           </a:p>
@@ -1018,7 +1019,7 @@
           <a:p>
             <a:fld id="{C643AF8B-4969-4940-80FA-CA1C00EC0409}" type="datetimeFigureOut">
               <a:rPr lang="en-US" smtClean="0"/>
-              <a:t>1/25/2025</a:t>
+              <a:t>2/14/2025</a:t>
             </a:fld>
             <a:endParaRPr lang="en-US"/>
           </a:p>
@@ -1226,7 +1227,7 @@
           <a:p>
             <a:fld id="{C643AF8B-4969-4940-80FA-CA1C00EC0409}" type="datetimeFigureOut">
               <a:rPr lang="en-US" smtClean="0"/>
-              <a:t>1/25/2025</a:t>
+              <a:t>2/14/2025</a:t>
             </a:fld>
             <a:endParaRPr lang="en-US"/>
           </a:p>
@@ -1506,7 +1507,7 @@
           <a:p>
             <a:fld id="{C643AF8B-4969-4940-80FA-CA1C00EC0409}" type="datetimeFigureOut">
               <a:rPr lang="en-US" smtClean="0"/>
-              <a:t>1/25/2025</a:t>
+              <a:t>2/14/2025</a:t>
             </a:fld>
             <a:endParaRPr lang="en-US"/>
           </a:p>
@@ -1771,7 +1772,7 @@
           <a:p>
             <a:fld id="{C643AF8B-4969-4940-80FA-CA1C00EC0409}" type="datetimeFigureOut">
               <a:rPr lang="en-US" smtClean="0"/>
-              <a:t>1/25/2025</a:t>
+              <a:t>2/14/2025</a:t>
             </a:fld>
             <a:endParaRPr lang="en-US"/>
           </a:p>
@@ -2183,7 +2184,7 @@
           <a:p>
             <a:fld id="{C643AF8B-4969-4940-80FA-CA1C00EC0409}" type="datetimeFigureOut">
               <a:rPr lang="en-US" smtClean="0"/>
-              <a:t>1/25/2025</a:t>
+              <a:t>2/14/2025</a:t>
             </a:fld>
             <a:endParaRPr lang="en-US"/>
           </a:p>
@@ -2324,7 +2325,7 @@
           <a:p>
             <a:fld id="{C643AF8B-4969-4940-80FA-CA1C00EC0409}" type="datetimeFigureOut">
               <a:rPr lang="en-US" smtClean="0"/>
-              <a:t>1/25/2025</a:t>
+              <a:t>2/14/2025</a:t>
             </a:fld>
             <a:endParaRPr lang="en-US"/>
           </a:p>
@@ -2437,7 +2438,7 @@
           <a:p>
             <a:fld id="{C643AF8B-4969-4940-80FA-CA1C00EC0409}" type="datetimeFigureOut">
               <a:rPr lang="en-US" smtClean="0"/>
-              <a:t>1/25/2025</a:t>
+              <a:t>2/14/2025</a:t>
             </a:fld>
             <a:endParaRPr lang="en-US"/>
           </a:p>
@@ -2748,7 +2749,7 @@
           <a:p>
             <a:fld id="{C643AF8B-4969-4940-80FA-CA1C00EC0409}" type="datetimeFigureOut">
               <a:rPr lang="en-US" smtClean="0"/>
-              <a:t>1/25/2025</a:t>
+              <a:t>2/14/2025</a:t>
             </a:fld>
             <a:endParaRPr lang="en-US"/>
           </a:p>
@@ -3039,7 +3040,7 @@
           <a:p>
             <a:fld id="{C643AF8B-4969-4940-80FA-CA1C00EC0409}" type="datetimeFigureOut">
               <a:rPr lang="en-US" smtClean="0"/>
-              <a:t>1/25/2025</a:t>
+              <a:t>2/14/2025</a:t>
             </a:fld>
             <a:endParaRPr lang="en-US"/>
           </a:p>
@@ -3280,7 +3281,7 @@
           <a:p>
             <a:fld id="{C643AF8B-4969-4940-80FA-CA1C00EC0409}" type="datetimeFigureOut">
               <a:rPr lang="en-US" smtClean="0"/>
-              <a:t>1/25/2025</a:t>
+              <a:t>2/14/2025</a:t>
             </a:fld>
             <a:endParaRPr lang="en-US"/>
           </a:p>
@@ -4174,6 +4175,170 @@
     <p:extLst>
       <p:ext uri="{BB962C8B-B14F-4D97-AF65-F5344CB8AC3E}">
         <p14:creationId xmlns:p14="http://schemas.microsoft.com/office/powerpoint/2010/main" val="1652114698"/>
+      </p:ext>
+    </p:extLst>
+  </p:cSld>
+  <p:clrMapOvr>
+    <a:masterClrMapping/>
+  </p:clrMapOvr>
+</p:sld>
+</file>
+
+<file path=ppt/slides/slide3.xml><?xml version="1.0" encoding="utf-8"?>
+<p:sld xmlns:a="http://schemas.openxmlformats.org/drawingml/2006/main" xmlns:r="http://schemas.openxmlformats.org/officeDocument/2006/relationships" xmlns:p="http://schemas.openxmlformats.org/presentationml/2006/main">
+  <p:cSld>
+    <p:spTree>
+      <p:nvGrpSpPr>
+        <p:cNvPr id="1" name=""/>
+        <p:cNvGrpSpPr/>
+        <p:nvPr/>
+      </p:nvGrpSpPr>
+      <p:grpSpPr>
+        <a:xfrm>
+          <a:off x="0" y="0"/>
+          <a:ext cx="0" cy="0"/>
+          <a:chOff x="0" y="0"/>
+          <a:chExt cx="0" cy="0"/>
+        </a:xfrm>
+      </p:grpSpPr>
+      <p:sp>
+        <p:nvSpPr>
+          <p:cNvPr id="2" name="Title 1">
+            <a:extLst>
+              <a:ext uri="{FF2B5EF4-FFF2-40B4-BE49-F238E27FC236}">
+                <a16:creationId xmlns:a16="http://schemas.microsoft.com/office/drawing/2014/main" id="{DE3CE8D5-7BCB-A1FB-295E-06FF1FEFA65D}"/>
+              </a:ext>
+            </a:extLst>
+          </p:cNvPr>
+          <p:cNvSpPr>
+            <a:spLocks noGrp="1"/>
+          </p:cNvSpPr>
+          <p:nvPr>
+            <p:ph type="title"/>
+          </p:nvPr>
+        </p:nvSpPr>
+        <p:spPr/>
+        <p:txBody>
+          <a:bodyPr>
+            <a:normAutofit fontScale="90000"/>
+          </a:bodyPr>
+          <a:lstStyle/>
+          <a:p>
+            <a:r>
+              <a:rPr lang="en-US" dirty="0"/>
+              <a:t>2025/2/14</a:t>
+            </a:r>
+          </a:p>
+        </p:txBody>
+      </p:sp>
+      <p:sp>
+        <p:nvSpPr>
+          <p:cNvPr id="3" name="Content Placeholder 2">
+            <a:extLst>
+              <a:ext uri="{FF2B5EF4-FFF2-40B4-BE49-F238E27FC236}">
+                <a16:creationId xmlns:a16="http://schemas.microsoft.com/office/drawing/2014/main" id="{D56AD92E-B652-DBDB-D07A-5537A1FF7B13}"/>
+              </a:ext>
+            </a:extLst>
+          </p:cNvPr>
+          <p:cNvSpPr>
+            <a:spLocks noGrp="1"/>
+          </p:cNvSpPr>
+          <p:nvPr>
+            <p:ph idx="1"/>
+          </p:nvPr>
+        </p:nvSpPr>
+        <p:spPr>
+          <a:xfrm>
+            <a:off x="147048" y="681037"/>
+            <a:ext cx="3369875" cy="1232169"/>
+          </a:xfrm>
+        </p:spPr>
+        <p:txBody>
+          <a:bodyPr/>
+          <a:lstStyle/>
+          <a:p>
+            <a:r>
+              <a:rPr lang="en-US" dirty="0"/>
+              <a:t>Find a width that </a:t>
+            </a:r>
+          </a:p>
+          <a:p>
+            <a:r>
+              <a:rPr lang="en-US" dirty="0"/>
+              <a:t>ng(1064) = ng(532)</a:t>
+            </a:r>
+          </a:p>
+        </p:txBody>
+      </p:sp>
+      <p:pic>
+        <p:nvPicPr>
+          <p:cNvPr id="9" name="Picture 8">
+            <a:extLst>
+              <a:ext uri="{FF2B5EF4-FFF2-40B4-BE49-F238E27FC236}">
+                <a16:creationId xmlns:a16="http://schemas.microsoft.com/office/drawing/2014/main" id="{6960A185-B991-F16A-23BF-87B6D1B16BC2}"/>
+              </a:ext>
+            </a:extLst>
+          </p:cNvPr>
+          <p:cNvPicPr>
+            <a:picLocks noChangeAspect="1"/>
+          </p:cNvPicPr>
+          <p:nvPr/>
+        </p:nvPicPr>
+        <p:blipFill>
+          <a:blip r:embed="rId2"/>
+          <a:stretch>
+            <a:fillRect/>
+          </a:stretch>
+        </p:blipFill>
+        <p:spPr>
+          <a:xfrm>
+            <a:off x="67377" y="2121466"/>
+            <a:ext cx="3946624" cy="1137983"/>
+          </a:xfrm>
+          <a:prstGeom prst="rect">
+            <a:avLst/>
+          </a:prstGeom>
+        </p:spPr>
+      </p:pic>
+      <p:pic>
+        <p:nvPicPr>
+          <p:cNvPr id="21" name="Picture 20" descr="A graph of a graph showing the height of a wave&#10;&#10;AI-generated content may be incorrect.">
+            <a:extLst>
+              <a:ext uri="{FF2B5EF4-FFF2-40B4-BE49-F238E27FC236}">
+                <a16:creationId xmlns:a16="http://schemas.microsoft.com/office/drawing/2014/main" id="{8A0F0BEF-1852-8383-258C-BD7169A909EE}"/>
+              </a:ext>
+            </a:extLst>
+          </p:cNvPr>
+          <p:cNvPicPr>
+            <a:picLocks noChangeAspect="1"/>
+          </p:cNvPicPr>
+          <p:nvPr/>
+        </p:nvPicPr>
+        <p:blipFill>
+          <a:blip r:embed="rId3">
+            <a:extLst>
+              <a:ext uri="{28A0092B-C50C-407E-A947-70E740481C1C}">
+                <a14:useLocalDpi xmlns:a14="http://schemas.microsoft.com/office/drawing/2010/main" val="0"/>
+              </a:ext>
+            </a:extLst>
+          </a:blip>
+          <a:srcRect l="5573" t="1921" r="6870" b="2275"/>
+          <a:stretch/>
+        </p:blipFill>
+        <p:spPr>
+          <a:xfrm>
+            <a:off x="4103318" y="505202"/>
+            <a:ext cx="7906089" cy="5508493"/>
+          </a:xfrm>
+          <a:prstGeom prst="rect">
+            <a:avLst/>
+          </a:prstGeom>
+        </p:spPr>
+      </p:pic>
+    </p:spTree>
+    <p:extLst>
+      <p:ext uri="{BB962C8B-B14F-4D97-AF65-F5344CB8AC3E}">
+        <p14:creationId xmlns:p14="http://schemas.microsoft.com/office/powerpoint/2010/main" val="460890430"/>
       </p:ext>
     </p:extLst>
   </p:cSld>

--- a/UCSB_Progress_Log_2025.pptx
+++ b/UCSB_Progress_Log_2025.pptx
@@ -5,12 +5,21 @@
     <p:sldMasterId id="2147483660" r:id="rId1"/>
   </p:sldMasterIdLst>
   <p:notesMasterIdLst>
-    <p:notesMasterId r:id="rId5"/>
+    <p:notesMasterId r:id="rId14"/>
   </p:notesMasterIdLst>
   <p:sldIdLst>
     <p:sldId id="1924" r:id="rId2"/>
     <p:sldId id="1925" r:id="rId3"/>
     <p:sldId id="1926" r:id="rId4"/>
+    <p:sldId id="1927" r:id="rId5"/>
+    <p:sldId id="1928" r:id="rId6"/>
+    <p:sldId id="1929" r:id="rId7"/>
+    <p:sldId id="1930" r:id="rId8"/>
+    <p:sldId id="1931" r:id="rId9"/>
+    <p:sldId id="1932" r:id="rId10"/>
+    <p:sldId id="1933" r:id="rId11"/>
+    <p:sldId id="1934" r:id="rId12"/>
+    <p:sldId id="1936" r:id="rId13"/>
   </p:sldIdLst>
   <p:sldSz cx="12192000" cy="6858000"/>
   <p:notesSz cx="6858000" cy="9144000"/>
@@ -117,6 +126,34 @@
 </p:presentation>
 </file>
 
+<file path=ppt/ink/ink1.xml><?xml version="1.0" encoding="utf-8"?>
+<inkml:ink xmlns:inkml="http://www.w3.org/2003/InkML">
+  <inkml:definitions>
+    <inkml:context xml:id="ctx0">
+      <inkml:inkSource xml:id="inkSrc0">
+        <inkml:traceFormat>
+          <inkml:channel name="X" type="integer" min="-2.14748E9" max="2.14748E9" units="cm"/>
+          <inkml:channel name="Y" type="integer" min="-2.14748E9" max="2.14748E9" units="cm"/>
+          <inkml:channel name="F" type="integer" max="32767" units="dev"/>
+        </inkml:traceFormat>
+        <inkml:channelProperties>
+          <inkml:channelProperty channel="X" name="resolution" value="1000" units="1/cm"/>
+          <inkml:channelProperty channel="Y" name="resolution" value="1000" units="1/cm"/>
+          <inkml:channelProperty channel="F" name="resolution" value="0" units="1/dev"/>
+        </inkml:channelProperties>
+      </inkml:inkSource>
+      <inkml:timestamp xml:id="ts0" timeString="2025-03-09T23:20:39.241"/>
+    </inkml:context>
+    <inkml:brush xml:id="br0">
+      <inkml:brushProperty name="width" value="0.1" units="cm"/>
+      <inkml:brushProperty name="height" value="0.1" units="cm"/>
+      <inkml:brushProperty name="color" value="#E71224"/>
+    </inkml:brush>
+  </inkml:definitions>
+  <inkml:trace contextRef="#ctx0" brushRef="#br0">1 0 24575,'20'54'0,"-14"-5"0,-2 1 0,-3 0 0,-4 52 0,0 1 0,3-68 0,0-27 0,0-24 0,-1-46-4769,-1 25 1466,5-61 1,-2 89 3480,0-1 1,1 1-1,0-1 0,1 1 1,0-1-1,0 1 1,1 0-1,0 1 0,1-1 1,0 1-1,7-10 1,-11 16-114,14-16-252,0 1 0,25-22 0,-35 35 355,1-1 1,0 1-1,0 0 1,0 1-1,1-1 0,-1 1 1,1 1-1,0-1 1,-1 1-1,1 0 0,1 1 1,6-2-1,-11 3-193,0 0-1,0 0 1,0 0 0,-1 0-1,1 0 1,0 1-1,0-1 1,-1 1-1,1-1 1,0 1 0,-1 0-1,1 0 1,-1 1-1,1-1 1,-1 0 0,0 1-1,1 0 1,-1-1-1,0 1 1,0 0 0,0 0-1,0 0 1,-1 0-1,1 0 1,0 1-1,-1-1 1,0 1 0,1-1-1,-1 1 1,0-1-1,0 1 1,0-1 0,-1 1-1,2 5 1,0 10-504,0 0 0,-1-1 0,0 1 0,-4 26 0,1-16 283,1 203 1050,1-232-804,-1-34-201,2-1 0,2 0 0,9-48 0,-8 66 1144,0 1 0,1-1 1,1 1-1,1 0 0,12-24 1,-17 38-795,0 0 0,-1 0 0,1 1 0,0-1 0,1 0 0,-1 1 0,0 0 0,1 0-1,0-1 1,-1 1 0,1 1 0,0-1 0,0 0 0,0 1 0,0-1 0,0 1 0,0 0 0,1 0 0,-1 0 0,0 1 0,0-1 0,1 1 0,-1 0 0,0-1 0,1 2 0,-1-1 0,0 0 0,1 1 0,-1-1 0,0 1 0,1 0-1,-1 0 1,0 0 0,0 1 0,0-1 0,0 1 0,5 3 0,-3-2-149,-1 0 0,1 1 0,-1-1 0,1 1 0,-1 0 0,-1 0 0,1 1 0,0-1 0,-1 1 0,0 0 0,0 0 0,0 0 0,-1 0 0,0 0 0,0 0 0,2 8 0,2 11 0,-2 0 0,3 41 0,6 23 0,-8-61 0,-1 0 0,-1 0 0,-1 0 0,-3 46 0,3 35 0,7-67-1365,-4-24-5461</inkml:trace>
+</inkml:ink>
+</file>
+
 <file path=ppt/notesMasters/notesMaster1.xml><?xml version="1.0" encoding="utf-8"?>
 <p:notesMaster xmlns:a="http://schemas.openxmlformats.org/drawingml/2006/main" xmlns:r="http://schemas.openxmlformats.org/officeDocument/2006/relationships" xmlns:p="http://schemas.openxmlformats.org/presentationml/2006/main">
   <p:cSld>
@@ -199,7 +236,7 @@
           <a:p>
             <a:fld id="{B4EB7CA5-3446-40C9-846F-7DC913B6519C}" type="datetimeFigureOut">
               <a:rPr lang="en-US" smtClean="0"/>
-              <a:t>2/14/2025</a:t>
+              <a:t>4/20/2025</a:t>
             </a:fld>
             <a:endParaRPr lang="en-US"/>
           </a:p>
@@ -613,7 +650,7 @@
           <a:p>
             <a:fld id="{C643AF8B-4969-4940-80FA-CA1C00EC0409}" type="datetimeFigureOut">
               <a:rPr lang="en-US" smtClean="0"/>
-              <a:t>2/14/2025</a:t>
+              <a:t>4/20/2025</a:t>
             </a:fld>
             <a:endParaRPr lang="en-US"/>
           </a:p>
@@ -811,7 +848,7 @@
           <a:p>
             <a:fld id="{C643AF8B-4969-4940-80FA-CA1C00EC0409}" type="datetimeFigureOut">
               <a:rPr lang="en-US" smtClean="0"/>
-              <a:t>2/14/2025</a:t>
+              <a:t>4/20/2025</a:t>
             </a:fld>
             <a:endParaRPr lang="en-US"/>
           </a:p>
@@ -1019,7 +1056,7 @@
           <a:p>
             <a:fld id="{C643AF8B-4969-4940-80FA-CA1C00EC0409}" type="datetimeFigureOut">
               <a:rPr lang="en-US" smtClean="0"/>
-              <a:t>2/14/2025</a:t>
+              <a:t>4/20/2025</a:t>
             </a:fld>
             <a:endParaRPr lang="en-US"/>
           </a:p>
@@ -1227,7 +1264,7 @@
           <a:p>
             <a:fld id="{C643AF8B-4969-4940-80FA-CA1C00EC0409}" type="datetimeFigureOut">
               <a:rPr lang="en-US" smtClean="0"/>
-              <a:t>2/14/2025</a:t>
+              <a:t>4/20/2025</a:t>
             </a:fld>
             <a:endParaRPr lang="en-US"/>
           </a:p>
@@ -1507,7 +1544,7 @@
           <a:p>
             <a:fld id="{C643AF8B-4969-4940-80FA-CA1C00EC0409}" type="datetimeFigureOut">
               <a:rPr lang="en-US" smtClean="0"/>
-              <a:t>2/14/2025</a:t>
+              <a:t>4/20/2025</a:t>
             </a:fld>
             <a:endParaRPr lang="en-US"/>
           </a:p>
@@ -1772,7 +1809,7 @@
           <a:p>
             <a:fld id="{C643AF8B-4969-4940-80FA-CA1C00EC0409}" type="datetimeFigureOut">
               <a:rPr lang="en-US" smtClean="0"/>
-              <a:t>2/14/2025</a:t>
+              <a:t>4/20/2025</a:t>
             </a:fld>
             <a:endParaRPr lang="en-US"/>
           </a:p>
@@ -2184,7 +2221,7 @@
           <a:p>
             <a:fld id="{C643AF8B-4969-4940-80FA-CA1C00EC0409}" type="datetimeFigureOut">
               <a:rPr lang="en-US" smtClean="0"/>
-              <a:t>2/14/2025</a:t>
+              <a:t>4/20/2025</a:t>
             </a:fld>
             <a:endParaRPr lang="en-US"/>
           </a:p>
@@ -2325,7 +2362,7 @@
           <a:p>
             <a:fld id="{C643AF8B-4969-4940-80FA-CA1C00EC0409}" type="datetimeFigureOut">
               <a:rPr lang="en-US" smtClean="0"/>
-              <a:t>2/14/2025</a:t>
+              <a:t>4/20/2025</a:t>
             </a:fld>
             <a:endParaRPr lang="en-US"/>
           </a:p>
@@ -2438,7 +2475,7 @@
           <a:p>
             <a:fld id="{C643AF8B-4969-4940-80FA-CA1C00EC0409}" type="datetimeFigureOut">
               <a:rPr lang="en-US" smtClean="0"/>
-              <a:t>2/14/2025</a:t>
+              <a:t>4/20/2025</a:t>
             </a:fld>
             <a:endParaRPr lang="en-US"/>
           </a:p>
@@ -2749,7 +2786,7 @@
           <a:p>
             <a:fld id="{C643AF8B-4969-4940-80FA-CA1C00EC0409}" type="datetimeFigureOut">
               <a:rPr lang="en-US" smtClean="0"/>
-              <a:t>2/14/2025</a:t>
+              <a:t>4/20/2025</a:t>
             </a:fld>
             <a:endParaRPr lang="en-US"/>
           </a:p>
@@ -3040,7 +3077,7 @@
           <a:p>
             <a:fld id="{C643AF8B-4969-4940-80FA-CA1C00EC0409}" type="datetimeFigureOut">
               <a:rPr lang="en-US" smtClean="0"/>
-              <a:t>2/14/2025</a:t>
+              <a:t>4/20/2025</a:t>
             </a:fld>
             <a:endParaRPr lang="en-US"/>
           </a:p>
@@ -3281,7 +3318,7 @@
           <a:p>
             <a:fld id="{C643AF8B-4969-4940-80FA-CA1C00EC0409}" type="datetimeFigureOut">
               <a:rPr lang="en-US" smtClean="0"/>
-              <a:t>2/14/2025</a:t>
+              <a:t>4/20/2025</a:t>
             </a:fld>
             <a:endParaRPr lang="en-US"/>
           </a:p>
@@ -3984,6 +4021,4282 @@
 </p:sld>
 </file>
 
+<file path=ppt/slides/slide10.xml><?xml version="1.0" encoding="utf-8"?>
+<p:sld xmlns:a="http://schemas.openxmlformats.org/drawingml/2006/main" xmlns:r="http://schemas.openxmlformats.org/officeDocument/2006/relationships" xmlns:p="http://schemas.openxmlformats.org/presentationml/2006/main">
+  <p:cSld>
+    <p:spTree>
+      <p:nvGrpSpPr>
+        <p:cNvPr id="1" name=""/>
+        <p:cNvGrpSpPr/>
+        <p:nvPr/>
+      </p:nvGrpSpPr>
+      <p:grpSpPr>
+        <a:xfrm>
+          <a:off x="0" y="0"/>
+          <a:ext cx="0" cy="0"/>
+          <a:chOff x="0" y="0"/>
+          <a:chExt cx="0" cy="0"/>
+        </a:xfrm>
+      </p:grpSpPr>
+      <p:graphicFrame>
+        <p:nvGraphicFramePr>
+          <p:cNvPr id="21" name="Table 20">
+            <a:extLst>
+              <a:ext uri="{FF2B5EF4-FFF2-40B4-BE49-F238E27FC236}">
+                <a16:creationId xmlns:a16="http://schemas.microsoft.com/office/drawing/2014/main" id="{566BE892-65FA-5C1B-9B26-15E0A190CEAD}"/>
+              </a:ext>
+            </a:extLst>
+          </p:cNvPr>
+          <p:cNvGraphicFramePr>
+            <a:graphicFrameLocks noGrp="1"/>
+          </p:cNvGraphicFramePr>
+          <p:nvPr>
+            <p:extLst>
+              <p:ext uri="{D42A27DB-BD31-4B8C-83A1-F6EECF244321}">
+                <p14:modId xmlns:p14="http://schemas.microsoft.com/office/powerpoint/2010/main" val="3202208572"/>
+              </p:ext>
+            </p:extLst>
+          </p:nvPr>
+        </p:nvGraphicFramePr>
+        <p:xfrm>
+          <a:off x="41797" y="201168"/>
+          <a:ext cx="7648307" cy="6200977"/>
+        </p:xfrm>
+        <a:graphic>
+          <a:graphicData uri="http://schemas.openxmlformats.org/drawingml/2006/table">
+            <a:tbl>
+              <a:tblPr firstRow="1" firstCol="1">
+                <a:tableStyleId>{775DCB02-9BB8-47FD-8907-85C794F793BA}</a:tableStyleId>
+              </a:tblPr>
+              <a:tblGrid>
+                <a:gridCol w="3185253">
+                  <a:extLst>
+                    <a:ext uri="{9D8B030D-6E8A-4147-A177-3AD203B41FA5}">
+                      <a16:colId xmlns:a16="http://schemas.microsoft.com/office/drawing/2014/main" val="64617259"/>
+                    </a:ext>
+                  </a:extLst>
+                </a:gridCol>
+                <a:gridCol w="1796333">
+                  <a:extLst>
+                    <a:ext uri="{9D8B030D-6E8A-4147-A177-3AD203B41FA5}">
+                      <a16:colId xmlns:a16="http://schemas.microsoft.com/office/drawing/2014/main" val="3333605850"/>
+                    </a:ext>
+                  </a:extLst>
+                </a:gridCol>
+                <a:gridCol w="888907">
+                  <a:extLst>
+                    <a:ext uri="{9D8B030D-6E8A-4147-A177-3AD203B41FA5}">
+                      <a16:colId xmlns:a16="http://schemas.microsoft.com/office/drawing/2014/main" val="3009216577"/>
+                    </a:ext>
+                  </a:extLst>
+                </a:gridCol>
+                <a:gridCol w="888907">
+                  <a:extLst>
+                    <a:ext uri="{9D8B030D-6E8A-4147-A177-3AD203B41FA5}">
+                      <a16:colId xmlns:a16="http://schemas.microsoft.com/office/drawing/2014/main" val="2916412242"/>
+                    </a:ext>
+                  </a:extLst>
+                </a:gridCol>
+                <a:gridCol w="888907">
+                  <a:extLst>
+                    <a:ext uri="{9D8B030D-6E8A-4147-A177-3AD203B41FA5}">
+                      <a16:colId xmlns:a16="http://schemas.microsoft.com/office/drawing/2014/main" val="3190929805"/>
+                    </a:ext>
+                  </a:extLst>
+                </a:gridCol>
+              </a:tblGrid>
+              <a:tr h="405985">
+                <a:tc>
+                  <a:txBody>
+                    <a:bodyPr/>
+                    <a:lstStyle/>
+                    <a:p>
+                      <a:pPr algn="l" fontAlgn="b"/>
+                      <a:endParaRPr lang="en-US" sz="1200" b="0" i="0" u="none" strike="noStrike" dirty="0">
+                        <a:solidFill>
+                          <a:srgbClr val="000000"/>
+                        </a:solidFill>
+                        <a:effectLst/>
+                        <a:latin typeface="Aptos Narrow" panose="020B0004020202020204" pitchFamily="34" charset="0"/>
+                      </a:endParaRPr>
+                    </a:p>
+                  </a:txBody>
+                  <a:tcPr marL="7298" marR="7298" marT="7298" marB="0" anchor="b"/>
+                </a:tc>
+                <a:tc>
+                  <a:txBody>
+                    <a:bodyPr/>
+                    <a:lstStyle/>
+                    <a:p>
+                      <a:pPr algn="l" fontAlgn="b"/>
+                      <a:r>
+                        <a:rPr lang="en-US" sz="1200" b="0" u="none" strike="noStrike" dirty="0" err="1">
+                          <a:solidFill>
+                            <a:srgbClr val="000000"/>
+                          </a:solidFill>
+                          <a:effectLst/>
+                        </a:rPr>
+                        <a:t>Aeff</a:t>
+                      </a:r>
+                      <a:r>
+                        <a:rPr lang="en-US" sz="1200" b="0" u="none" strike="noStrike" dirty="0">
+                          <a:solidFill>
+                            <a:srgbClr val="000000"/>
+                          </a:solidFill>
+                          <a:effectLst/>
+                        </a:rPr>
+                        <a:t>(um^2)</a:t>
+                      </a:r>
+                      <a:endParaRPr lang="en-US" sz="1200" b="0" i="0" u="none" strike="noStrike" dirty="0">
+                        <a:solidFill>
+                          <a:srgbClr val="000000"/>
+                        </a:solidFill>
+                        <a:effectLst/>
+                        <a:latin typeface="Aptos Narrow" panose="020B0004020202020204" pitchFamily="34" charset="0"/>
+                      </a:endParaRPr>
+                    </a:p>
+                  </a:txBody>
+                  <a:tcPr marL="7298" marR="7298" marT="7298" marB="0" anchor="b"/>
+                </a:tc>
+                <a:tc>
+                  <a:txBody>
+                    <a:bodyPr/>
+                    <a:lstStyle/>
+                    <a:p>
+                      <a:pPr algn="l" fontAlgn="b"/>
+                      <a:r>
+                        <a:rPr lang="en-US" sz="1200" b="0" u="none" strike="noStrike" dirty="0">
+                          <a:solidFill>
+                            <a:srgbClr val="000000"/>
+                          </a:solidFill>
+                          <a:effectLst/>
+                        </a:rPr>
+                        <a:t>P_leak/</a:t>
+                      </a:r>
+                      <a:r>
+                        <a:rPr lang="en-US" sz="1200" b="0" u="none" strike="noStrike" dirty="0" err="1">
+                          <a:solidFill>
+                            <a:srgbClr val="000000"/>
+                          </a:solidFill>
+                          <a:effectLst/>
+                        </a:rPr>
+                        <a:t>P_tot</a:t>
+                      </a:r>
+                      <a:endParaRPr lang="en-US" sz="1200" b="0" i="0" u="none" strike="noStrike" dirty="0">
+                        <a:solidFill>
+                          <a:srgbClr val="000000"/>
+                        </a:solidFill>
+                        <a:effectLst/>
+                        <a:latin typeface="Aptos Narrow" panose="020B0004020202020204" pitchFamily="34" charset="0"/>
+                      </a:endParaRPr>
+                    </a:p>
+                  </a:txBody>
+                  <a:tcPr marL="7298" marR="7298" marT="7298" marB="0" anchor="b"/>
+                </a:tc>
+                <a:tc>
+                  <a:txBody>
+                    <a:bodyPr/>
+                    <a:lstStyle/>
+                    <a:p>
+                      <a:pPr algn="l" fontAlgn="b"/>
+                      <a:r>
+                        <a:rPr lang="en-US" sz="1200" b="0" u="none" strike="noStrike">
+                          <a:solidFill>
+                            <a:srgbClr val="000000"/>
+                          </a:solidFill>
+                          <a:effectLst/>
+                        </a:rPr>
+                        <a:t>Q_rad(M)</a:t>
+                      </a:r>
+                      <a:endParaRPr lang="en-US" sz="1200" b="0" i="0" u="none" strike="noStrike">
+                        <a:solidFill>
+                          <a:srgbClr val="000000"/>
+                        </a:solidFill>
+                        <a:effectLst/>
+                        <a:latin typeface="Aptos Narrow" panose="020B0004020202020204" pitchFamily="34" charset="0"/>
+                      </a:endParaRPr>
+                    </a:p>
+                  </a:txBody>
+                  <a:tcPr marL="7298" marR="7298" marT="7298" marB="0" anchor="b"/>
+                </a:tc>
+                <a:tc>
+                  <a:txBody>
+                    <a:bodyPr/>
+                    <a:lstStyle/>
+                    <a:p>
+                      <a:pPr algn="l" fontAlgn="b"/>
+                      <a:r>
+                        <a:rPr lang="en-US" sz="1200" b="0" u="none" strike="noStrike">
+                          <a:solidFill>
+                            <a:srgbClr val="000000"/>
+                          </a:solidFill>
+                          <a:effectLst/>
+                        </a:rPr>
+                        <a:t>Note</a:t>
+                      </a:r>
+                      <a:endParaRPr lang="en-US" sz="1200" b="0" i="0" u="none" strike="noStrike">
+                        <a:solidFill>
+                          <a:srgbClr val="000000"/>
+                        </a:solidFill>
+                        <a:effectLst/>
+                        <a:latin typeface="Aptos Narrow" panose="020B0004020202020204" pitchFamily="34" charset="0"/>
+                      </a:endParaRPr>
+                    </a:p>
+                  </a:txBody>
+                  <a:tcPr marL="7298" marR="7298" marT="7298" marB="0" anchor="b"/>
+                </a:tc>
+                <a:extLst>
+                  <a:ext uri="{0D108BD9-81ED-4DB2-BD59-A6C34878D82A}">
+                    <a16:rowId xmlns:a16="http://schemas.microsoft.com/office/drawing/2014/main" val="1126588891"/>
+                  </a:ext>
+                </a:extLst>
+              </a:tr>
+              <a:tr h="206964">
+                <a:tc>
+                  <a:txBody>
+                    <a:bodyPr/>
+                    <a:lstStyle/>
+                    <a:p>
+                      <a:pPr algn="l" fontAlgn="b"/>
+                      <a:r>
+                        <a:rPr lang="en-US" sz="1200" b="0" u="none" strike="noStrike" dirty="0">
+                          <a:solidFill>
+                            <a:srgbClr val="FF0000"/>
+                          </a:solidFill>
+                          <a:effectLst/>
+                        </a:rPr>
+                        <a:t>Large Size</a:t>
+                      </a:r>
+                      <a:endParaRPr lang="en-US" sz="1200" b="0" i="0" u="none" strike="noStrike" dirty="0">
+                        <a:solidFill>
+                          <a:srgbClr val="FF0000"/>
+                        </a:solidFill>
+                        <a:effectLst/>
+                        <a:latin typeface="Aptos Narrow" panose="020B0004020202020204" pitchFamily="34" charset="0"/>
+                      </a:endParaRPr>
+                    </a:p>
+                  </a:txBody>
+                  <a:tcPr marL="7298" marR="7298" marT="7298" marB="0" anchor="b"/>
+                </a:tc>
+                <a:tc>
+                  <a:txBody>
+                    <a:bodyPr/>
+                    <a:lstStyle/>
+                    <a:p>
+                      <a:pPr algn="l" fontAlgn="b"/>
+                      <a:endParaRPr lang="en-US" sz="1200" b="0" i="0" u="none" strike="noStrike">
+                        <a:solidFill>
+                          <a:srgbClr val="000000"/>
+                        </a:solidFill>
+                        <a:effectLst/>
+                        <a:latin typeface="Aptos Narrow" panose="020B0004020202020204" pitchFamily="34" charset="0"/>
+                      </a:endParaRPr>
+                    </a:p>
+                  </a:txBody>
+                  <a:tcPr marL="7298" marR="7298" marT="7298" marB="0" anchor="b"/>
+                </a:tc>
+                <a:tc>
+                  <a:txBody>
+                    <a:bodyPr/>
+                    <a:lstStyle/>
+                    <a:p>
+                      <a:pPr algn="l" fontAlgn="b"/>
+                      <a:endParaRPr lang="en-US" sz="1200" b="0" i="0" u="none" strike="noStrike">
+                        <a:solidFill>
+                          <a:srgbClr val="000000"/>
+                        </a:solidFill>
+                        <a:effectLst/>
+                        <a:latin typeface="Aptos Narrow" panose="020B0004020202020204" pitchFamily="34" charset="0"/>
+                      </a:endParaRPr>
+                    </a:p>
+                  </a:txBody>
+                  <a:tcPr marL="7298" marR="7298" marT="7298" marB="0" anchor="b"/>
+                </a:tc>
+                <a:tc>
+                  <a:txBody>
+                    <a:bodyPr/>
+                    <a:lstStyle/>
+                    <a:p>
+                      <a:pPr algn="l" fontAlgn="b"/>
+                      <a:endParaRPr lang="en-US" sz="1200" b="0" i="0" u="none" strike="noStrike">
+                        <a:solidFill>
+                          <a:srgbClr val="000000"/>
+                        </a:solidFill>
+                        <a:effectLst/>
+                        <a:latin typeface="Aptos Narrow" panose="020B0004020202020204" pitchFamily="34" charset="0"/>
+                      </a:endParaRPr>
+                    </a:p>
+                  </a:txBody>
+                  <a:tcPr marL="7298" marR="7298" marT="7298" marB="0" anchor="b"/>
+                </a:tc>
+                <a:tc>
+                  <a:txBody>
+                    <a:bodyPr/>
+                    <a:lstStyle/>
+                    <a:p>
+                      <a:pPr algn="l" fontAlgn="b"/>
+                      <a:endParaRPr lang="en-US" sz="1200" b="0" i="0" u="none" strike="noStrike">
+                        <a:solidFill>
+                          <a:srgbClr val="000000"/>
+                        </a:solidFill>
+                        <a:effectLst/>
+                        <a:latin typeface="Aptos Narrow" panose="020B0004020202020204" pitchFamily="34" charset="0"/>
+                      </a:endParaRPr>
+                    </a:p>
+                  </a:txBody>
+                  <a:tcPr marL="7298" marR="7298" marT="7298" marB="0" anchor="b"/>
+                </a:tc>
+                <a:extLst>
+                  <a:ext uri="{0D108BD9-81ED-4DB2-BD59-A6C34878D82A}">
+                    <a16:rowId xmlns:a16="http://schemas.microsoft.com/office/drawing/2014/main" val="3224376370"/>
+                  </a:ext>
+                </a:extLst>
+              </a:tr>
+              <a:tr h="206964">
+                <a:tc>
+                  <a:txBody>
+                    <a:bodyPr/>
+                    <a:lstStyle/>
+                    <a:p>
+                      <a:pPr algn="l" fontAlgn="b"/>
+                      <a:r>
+                        <a:rPr lang="pt-BR" sz="1200" b="0" u="none" strike="noStrike">
+                          <a:solidFill>
+                            <a:srgbClr val="000000"/>
+                          </a:solidFill>
+                          <a:effectLst/>
+                        </a:rPr>
+                        <a:t>ida=450nm r=3um radius=10um</a:t>
+                      </a:r>
+                      <a:endParaRPr lang="pt-BR" sz="1200" b="0" i="0" u="none" strike="noStrike">
+                        <a:solidFill>
+                          <a:srgbClr val="000000"/>
+                        </a:solidFill>
+                        <a:effectLst/>
+                        <a:latin typeface="Aptos Narrow" panose="020B0004020202020204" pitchFamily="34" charset="0"/>
+                      </a:endParaRPr>
+                    </a:p>
+                  </a:txBody>
+                  <a:tcPr marL="7298" marR="7298" marT="7298" marB="0" anchor="b"/>
+                </a:tc>
+                <a:tc>
+                  <a:txBody>
+                    <a:bodyPr/>
+                    <a:lstStyle/>
+                    <a:p>
+                      <a:pPr algn="r" fontAlgn="b"/>
+                      <a:r>
+                        <a:rPr lang="en-US" sz="1200" b="0" u="none" strike="noStrike" dirty="0">
+                          <a:solidFill>
+                            <a:srgbClr val="000000"/>
+                          </a:solidFill>
+                          <a:effectLst/>
+                        </a:rPr>
+                        <a:t>0.104277921</a:t>
+                      </a:r>
+                      <a:endParaRPr lang="en-US" sz="1200" b="0" i="0" u="none" strike="noStrike" dirty="0">
+                        <a:solidFill>
+                          <a:srgbClr val="000000"/>
+                        </a:solidFill>
+                        <a:effectLst/>
+                        <a:latin typeface="Aptos Narrow" panose="020B0004020202020204" pitchFamily="34" charset="0"/>
+                      </a:endParaRPr>
+                    </a:p>
+                  </a:txBody>
+                  <a:tcPr marL="7298" marR="7298" marT="7298" marB="0" anchor="b"/>
+                </a:tc>
+                <a:tc>
+                  <a:txBody>
+                    <a:bodyPr/>
+                    <a:lstStyle/>
+                    <a:p>
+                      <a:pPr algn="r" fontAlgn="b"/>
+                      <a:r>
+                        <a:rPr lang="en-US" sz="1200" b="0" u="none" strike="noStrike">
+                          <a:solidFill>
+                            <a:srgbClr val="000000"/>
+                          </a:solidFill>
+                          <a:effectLst/>
+                        </a:rPr>
+                        <a:t>0.014691</a:t>
+                      </a:r>
+                      <a:endParaRPr lang="en-US" sz="1200" b="0" i="0" u="none" strike="noStrike">
+                        <a:solidFill>
+                          <a:srgbClr val="000000"/>
+                        </a:solidFill>
+                        <a:effectLst/>
+                        <a:latin typeface="Aptos Narrow" panose="020B0004020202020204" pitchFamily="34" charset="0"/>
+                      </a:endParaRPr>
+                    </a:p>
+                  </a:txBody>
+                  <a:tcPr marL="7298" marR="7298" marT="7298" marB="0" anchor="b"/>
+                </a:tc>
+                <a:tc>
+                  <a:txBody>
+                    <a:bodyPr/>
+                    <a:lstStyle/>
+                    <a:p>
+                      <a:pPr algn="r" fontAlgn="b"/>
+                      <a:r>
+                        <a:rPr lang="en-US" sz="1200" b="0" u="none" strike="noStrike">
+                          <a:solidFill>
+                            <a:srgbClr val="000000"/>
+                          </a:solidFill>
+                          <a:effectLst/>
+                        </a:rPr>
+                        <a:t>8.06E+10</a:t>
+                      </a:r>
+                      <a:endParaRPr lang="en-US" sz="1200" b="0" i="0" u="none" strike="noStrike">
+                        <a:solidFill>
+                          <a:srgbClr val="000000"/>
+                        </a:solidFill>
+                        <a:effectLst/>
+                        <a:latin typeface="Aptos Narrow" panose="020B0004020202020204" pitchFamily="34" charset="0"/>
+                      </a:endParaRPr>
+                    </a:p>
+                  </a:txBody>
+                  <a:tcPr marL="7298" marR="7298" marT="7298" marB="0" anchor="b"/>
+                </a:tc>
+                <a:tc>
+                  <a:txBody>
+                    <a:bodyPr/>
+                    <a:lstStyle/>
+                    <a:p>
+                      <a:pPr algn="l" fontAlgn="b"/>
+                      <a:endParaRPr lang="en-US" sz="1200" b="0" i="0" u="none" strike="noStrike">
+                        <a:solidFill>
+                          <a:srgbClr val="000000"/>
+                        </a:solidFill>
+                        <a:effectLst/>
+                        <a:latin typeface="Aptos Narrow" panose="020B0004020202020204" pitchFamily="34" charset="0"/>
+                      </a:endParaRPr>
+                    </a:p>
+                  </a:txBody>
+                  <a:tcPr marL="7298" marR="7298" marT="7298" marB="0" anchor="b"/>
+                </a:tc>
+                <a:extLst>
+                  <a:ext uri="{0D108BD9-81ED-4DB2-BD59-A6C34878D82A}">
+                    <a16:rowId xmlns:a16="http://schemas.microsoft.com/office/drawing/2014/main" val="4261117473"/>
+                  </a:ext>
+                </a:extLst>
+              </a:tr>
+              <a:tr h="206964">
+                <a:tc>
+                  <a:txBody>
+                    <a:bodyPr/>
+                    <a:lstStyle/>
+                    <a:p>
+                      <a:pPr algn="l" fontAlgn="b"/>
+                      <a:r>
+                        <a:rPr lang="pt-BR" sz="1200" b="0" u="none" strike="noStrike" dirty="0">
+                          <a:solidFill>
+                            <a:srgbClr val="000000"/>
+                          </a:solidFill>
+                          <a:effectLst/>
+                        </a:rPr>
+                        <a:t>ida=450nm r=3um radius=15um</a:t>
+                      </a:r>
+                      <a:endParaRPr lang="pt-BR" sz="1200" b="0" i="0" u="none" strike="noStrike" dirty="0">
+                        <a:solidFill>
+                          <a:srgbClr val="000000"/>
+                        </a:solidFill>
+                        <a:effectLst/>
+                        <a:latin typeface="Aptos Narrow" panose="020B0004020202020204" pitchFamily="34" charset="0"/>
+                      </a:endParaRPr>
+                    </a:p>
+                  </a:txBody>
+                  <a:tcPr marL="7298" marR="7298" marT="7298" marB="0" anchor="b"/>
+                </a:tc>
+                <a:tc>
+                  <a:txBody>
+                    <a:bodyPr/>
+                    <a:lstStyle/>
+                    <a:p>
+                      <a:pPr algn="r" fontAlgn="b"/>
+                      <a:r>
+                        <a:rPr lang="en-US" sz="1200" b="0" u="none" strike="noStrike">
+                          <a:solidFill>
+                            <a:srgbClr val="000000"/>
+                          </a:solidFill>
+                          <a:effectLst/>
+                        </a:rPr>
+                        <a:t>0.112012335</a:t>
+                      </a:r>
+                      <a:endParaRPr lang="en-US" sz="1200" b="0" i="0" u="none" strike="noStrike">
+                        <a:solidFill>
+                          <a:srgbClr val="000000"/>
+                        </a:solidFill>
+                        <a:effectLst/>
+                        <a:latin typeface="Aptos Narrow" panose="020B0004020202020204" pitchFamily="34" charset="0"/>
+                      </a:endParaRPr>
+                    </a:p>
+                  </a:txBody>
+                  <a:tcPr marL="7298" marR="7298" marT="7298" marB="0" anchor="b"/>
+                </a:tc>
+                <a:tc>
+                  <a:txBody>
+                    <a:bodyPr/>
+                    <a:lstStyle/>
+                    <a:p>
+                      <a:pPr algn="r" fontAlgn="b"/>
+                      <a:r>
+                        <a:rPr lang="en-US" sz="1200" b="0" u="none" strike="noStrike">
+                          <a:solidFill>
+                            <a:srgbClr val="000000"/>
+                          </a:solidFill>
+                          <a:effectLst/>
+                        </a:rPr>
+                        <a:t>0.010489</a:t>
+                      </a:r>
+                      <a:endParaRPr lang="en-US" sz="1200" b="0" i="0" u="none" strike="noStrike">
+                        <a:solidFill>
+                          <a:srgbClr val="000000"/>
+                        </a:solidFill>
+                        <a:effectLst/>
+                        <a:latin typeface="Aptos Narrow" panose="020B0004020202020204" pitchFamily="34" charset="0"/>
+                      </a:endParaRPr>
+                    </a:p>
+                  </a:txBody>
+                  <a:tcPr marL="7298" marR="7298" marT="7298" marB="0" anchor="b"/>
+                </a:tc>
+                <a:tc>
+                  <a:txBody>
+                    <a:bodyPr/>
+                    <a:lstStyle/>
+                    <a:p>
+                      <a:pPr algn="r" fontAlgn="b"/>
+                      <a:r>
+                        <a:rPr lang="en-US" sz="1200" b="0" u="none" strike="noStrike">
+                          <a:solidFill>
+                            <a:srgbClr val="000000"/>
+                          </a:solidFill>
+                          <a:effectLst/>
+                        </a:rPr>
+                        <a:t>6.36E+11</a:t>
+                      </a:r>
+                      <a:endParaRPr lang="en-US" sz="1200" b="0" i="0" u="none" strike="noStrike">
+                        <a:solidFill>
+                          <a:srgbClr val="000000"/>
+                        </a:solidFill>
+                        <a:effectLst/>
+                        <a:latin typeface="Aptos Narrow" panose="020B0004020202020204" pitchFamily="34" charset="0"/>
+                      </a:endParaRPr>
+                    </a:p>
+                  </a:txBody>
+                  <a:tcPr marL="7298" marR="7298" marT="7298" marB="0" anchor="b"/>
+                </a:tc>
+                <a:tc>
+                  <a:txBody>
+                    <a:bodyPr/>
+                    <a:lstStyle/>
+                    <a:p>
+                      <a:pPr algn="l" fontAlgn="b"/>
+                      <a:endParaRPr lang="en-US" sz="1200" b="0" i="0" u="none" strike="noStrike">
+                        <a:solidFill>
+                          <a:srgbClr val="000000"/>
+                        </a:solidFill>
+                        <a:effectLst/>
+                        <a:latin typeface="Aptos Narrow" panose="020B0004020202020204" pitchFamily="34" charset="0"/>
+                      </a:endParaRPr>
+                    </a:p>
+                  </a:txBody>
+                  <a:tcPr marL="7298" marR="7298" marT="7298" marB="0" anchor="b"/>
+                </a:tc>
+                <a:extLst>
+                  <a:ext uri="{0D108BD9-81ED-4DB2-BD59-A6C34878D82A}">
+                    <a16:rowId xmlns:a16="http://schemas.microsoft.com/office/drawing/2014/main" val="3805971540"/>
+                  </a:ext>
+                </a:extLst>
+              </a:tr>
+              <a:tr h="206964">
+                <a:tc>
+                  <a:txBody>
+                    <a:bodyPr/>
+                    <a:lstStyle/>
+                    <a:p>
+                      <a:pPr algn="l" fontAlgn="b"/>
+                      <a:r>
+                        <a:rPr lang="pt-BR" sz="1200" b="0" u="none" strike="noStrike">
+                          <a:solidFill>
+                            <a:srgbClr val="000000"/>
+                          </a:solidFill>
+                          <a:effectLst/>
+                        </a:rPr>
+                        <a:t>ida=450nm r=3um radius=20um</a:t>
+                      </a:r>
+                      <a:endParaRPr lang="pt-BR" sz="1200" b="0" i="0" u="none" strike="noStrike">
+                        <a:solidFill>
+                          <a:srgbClr val="000000"/>
+                        </a:solidFill>
+                        <a:effectLst/>
+                        <a:latin typeface="Aptos Narrow" panose="020B0004020202020204" pitchFamily="34" charset="0"/>
+                      </a:endParaRPr>
+                    </a:p>
+                  </a:txBody>
+                  <a:tcPr marL="7298" marR="7298" marT="7298" marB="0" anchor="b"/>
+                </a:tc>
+                <a:tc>
+                  <a:txBody>
+                    <a:bodyPr/>
+                    <a:lstStyle/>
+                    <a:p>
+                      <a:pPr algn="r" fontAlgn="b"/>
+                      <a:r>
+                        <a:rPr lang="en-US" sz="1200" b="0" u="none" strike="noStrike">
+                          <a:solidFill>
+                            <a:srgbClr val="000000"/>
+                          </a:solidFill>
+                          <a:effectLst/>
+                        </a:rPr>
+                        <a:t>0.118598213</a:t>
+                      </a:r>
+                      <a:endParaRPr lang="en-US" sz="1200" b="0" i="0" u="none" strike="noStrike">
+                        <a:solidFill>
+                          <a:srgbClr val="000000"/>
+                        </a:solidFill>
+                        <a:effectLst/>
+                        <a:latin typeface="Aptos Narrow" panose="020B0004020202020204" pitchFamily="34" charset="0"/>
+                      </a:endParaRPr>
+                    </a:p>
+                  </a:txBody>
+                  <a:tcPr marL="7298" marR="7298" marT="7298" marB="0" anchor="b"/>
+                </a:tc>
+                <a:tc>
+                  <a:txBody>
+                    <a:bodyPr/>
+                    <a:lstStyle/>
+                    <a:p>
+                      <a:pPr algn="r" fontAlgn="b"/>
+                      <a:r>
+                        <a:rPr lang="en-US" sz="1200" b="0" u="none" strike="noStrike">
+                          <a:solidFill>
+                            <a:srgbClr val="000000"/>
+                          </a:solidFill>
+                          <a:effectLst/>
+                        </a:rPr>
+                        <a:t>0.008152</a:t>
+                      </a:r>
+                      <a:endParaRPr lang="en-US" sz="1200" b="0" i="0" u="none" strike="noStrike">
+                        <a:solidFill>
+                          <a:srgbClr val="000000"/>
+                        </a:solidFill>
+                        <a:effectLst/>
+                        <a:latin typeface="Aptos Narrow" panose="020B0004020202020204" pitchFamily="34" charset="0"/>
+                      </a:endParaRPr>
+                    </a:p>
+                  </a:txBody>
+                  <a:tcPr marL="7298" marR="7298" marT="7298" marB="0" anchor="b"/>
+                </a:tc>
+                <a:tc>
+                  <a:txBody>
+                    <a:bodyPr/>
+                    <a:lstStyle/>
+                    <a:p>
+                      <a:pPr algn="r" fontAlgn="b"/>
+                      <a:r>
+                        <a:rPr lang="en-US" sz="1200" b="0" u="none" strike="noStrike">
+                          <a:solidFill>
+                            <a:srgbClr val="000000"/>
+                          </a:solidFill>
+                          <a:effectLst/>
+                        </a:rPr>
+                        <a:t>9.34E+09</a:t>
+                      </a:r>
+                      <a:endParaRPr lang="en-US" sz="1200" b="0" i="0" u="none" strike="noStrike">
+                        <a:solidFill>
+                          <a:srgbClr val="000000"/>
+                        </a:solidFill>
+                        <a:effectLst/>
+                        <a:latin typeface="Aptos Narrow" panose="020B0004020202020204" pitchFamily="34" charset="0"/>
+                      </a:endParaRPr>
+                    </a:p>
+                  </a:txBody>
+                  <a:tcPr marL="7298" marR="7298" marT="7298" marB="0" anchor="b"/>
+                </a:tc>
+                <a:tc>
+                  <a:txBody>
+                    <a:bodyPr/>
+                    <a:lstStyle/>
+                    <a:p>
+                      <a:pPr algn="l" fontAlgn="b"/>
+                      <a:endParaRPr lang="en-US" sz="1200" b="0" i="0" u="none" strike="noStrike">
+                        <a:solidFill>
+                          <a:srgbClr val="000000"/>
+                        </a:solidFill>
+                        <a:effectLst/>
+                        <a:latin typeface="Aptos Narrow" panose="020B0004020202020204" pitchFamily="34" charset="0"/>
+                      </a:endParaRPr>
+                    </a:p>
+                  </a:txBody>
+                  <a:tcPr marL="7298" marR="7298" marT="7298" marB="0" anchor="b"/>
+                </a:tc>
+                <a:extLst>
+                  <a:ext uri="{0D108BD9-81ED-4DB2-BD59-A6C34878D82A}">
+                    <a16:rowId xmlns:a16="http://schemas.microsoft.com/office/drawing/2014/main" val="3119559709"/>
+                  </a:ext>
+                </a:extLst>
+              </a:tr>
+              <a:tr h="206964">
+                <a:tc>
+                  <a:txBody>
+                    <a:bodyPr/>
+                    <a:lstStyle/>
+                    <a:p>
+                      <a:pPr algn="l" fontAlgn="b"/>
+                      <a:r>
+                        <a:rPr lang="pt-BR" sz="1200" b="0" u="none" strike="noStrike">
+                          <a:solidFill>
+                            <a:srgbClr val="000000"/>
+                          </a:solidFill>
+                          <a:effectLst/>
+                        </a:rPr>
+                        <a:t>ida=450nm r=3um radius=30um</a:t>
+                      </a:r>
+                      <a:endParaRPr lang="pt-BR" sz="1200" b="0" i="0" u="none" strike="noStrike">
+                        <a:solidFill>
+                          <a:srgbClr val="000000"/>
+                        </a:solidFill>
+                        <a:effectLst/>
+                        <a:latin typeface="Aptos Narrow" panose="020B0004020202020204" pitchFamily="34" charset="0"/>
+                      </a:endParaRPr>
+                    </a:p>
+                  </a:txBody>
+                  <a:tcPr marL="7298" marR="7298" marT="7298" marB="0" anchor="b"/>
+                </a:tc>
+                <a:tc>
+                  <a:txBody>
+                    <a:bodyPr/>
+                    <a:lstStyle/>
+                    <a:p>
+                      <a:pPr algn="r" fontAlgn="b"/>
+                      <a:r>
+                        <a:rPr lang="en-US" sz="1200" b="0" u="none" strike="noStrike">
+                          <a:solidFill>
+                            <a:srgbClr val="000000"/>
+                          </a:solidFill>
+                          <a:effectLst/>
+                        </a:rPr>
+                        <a:t>0.129572988</a:t>
+                      </a:r>
+                      <a:endParaRPr lang="en-US" sz="1200" b="0" i="0" u="none" strike="noStrike">
+                        <a:solidFill>
+                          <a:srgbClr val="000000"/>
+                        </a:solidFill>
+                        <a:effectLst/>
+                        <a:latin typeface="Aptos Narrow" panose="020B0004020202020204" pitchFamily="34" charset="0"/>
+                      </a:endParaRPr>
+                    </a:p>
+                  </a:txBody>
+                  <a:tcPr marL="7298" marR="7298" marT="7298" marB="0" anchor="b"/>
+                </a:tc>
+                <a:tc>
+                  <a:txBody>
+                    <a:bodyPr/>
+                    <a:lstStyle/>
+                    <a:p>
+                      <a:pPr algn="r" fontAlgn="b"/>
+                      <a:r>
+                        <a:rPr lang="en-US" sz="1200" b="0" u="none" strike="noStrike">
+                          <a:solidFill>
+                            <a:srgbClr val="000000"/>
+                          </a:solidFill>
+                          <a:effectLst/>
+                        </a:rPr>
+                        <a:t>0.005638</a:t>
+                      </a:r>
+                      <a:endParaRPr lang="en-US" sz="1200" b="0" i="0" u="none" strike="noStrike">
+                        <a:solidFill>
+                          <a:srgbClr val="000000"/>
+                        </a:solidFill>
+                        <a:effectLst/>
+                        <a:latin typeface="Aptos Narrow" panose="020B0004020202020204" pitchFamily="34" charset="0"/>
+                      </a:endParaRPr>
+                    </a:p>
+                  </a:txBody>
+                  <a:tcPr marL="7298" marR="7298" marT="7298" marB="0" anchor="b"/>
+                </a:tc>
+                <a:tc>
+                  <a:txBody>
+                    <a:bodyPr/>
+                    <a:lstStyle/>
+                    <a:p>
+                      <a:pPr algn="r" fontAlgn="b"/>
+                      <a:r>
+                        <a:rPr lang="en-US" sz="1200" b="0" u="none" strike="noStrike">
+                          <a:solidFill>
+                            <a:srgbClr val="000000"/>
+                          </a:solidFill>
+                          <a:effectLst/>
+                        </a:rPr>
+                        <a:t>8.97E+11</a:t>
+                      </a:r>
+                      <a:endParaRPr lang="en-US" sz="1200" b="0" i="0" u="none" strike="noStrike">
+                        <a:solidFill>
+                          <a:srgbClr val="000000"/>
+                        </a:solidFill>
+                        <a:effectLst/>
+                        <a:latin typeface="Aptos Narrow" panose="020B0004020202020204" pitchFamily="34" charset="0"/>
+                      </a:endParaRPr>
+                    </a:p>
+                  </a:txBody>
+                  <a:tcPr marL="7298" marR="7298" marT="7298" marB="0" anchor="b"/>
+                </a:tc>
+                <a:tc>
+                  <a:txBody>
+                    <a:bodyPr/>
+                    <a:lstStyle/>
+                    <a:p>
+                      <a:pPr algn="l" fontAlgn="b"/>
+                      <a:endParaRPr lang="en-US" sz="1200" b="0" i="0" u="none" strike="noStrike">
+                        <a:solidFill>
+                          <a:srgbClr val="000000"/>
+                        </a:solidFill>
+                        <a:effectLst/>
+                        <a:latin typeface="Aptos Narrow" panose="020B0004020202020204" pitchFamily="34" charset="0"/>
+                      </a:endParaRPr>
+                    </a:p>
+                  </a:txBody>
+                  <a:tcPr marL="7298" marR="7298" marT="7298" marB="0" anchor="b"/>
+                </a:tc>
+                <a:extLst>
+                  <a:ext uri="{0D108BD9-81ED-4DB2-BD59-A6C34878D82A}">
+                    <a16:rowId xmlns:a16="http://schemas.microsoft.com/office/drawing/2014/main" val="1839545944"/>
+                  </a:ext>
+                </a:extLst>
+              </a:tr>
+              <a:tr h="206964">
+                <a:tc>
+                  <a:txBody>
+                    <a:bodyPr/>
+                    <a:lstStyle/>
+                    <a:p>
+                      <a:pPr algn="l" fontAlgn="b"/>
+                      <a:r>
+                        <a:rPr lang="pt-BR" sz="1200" b="0" u="none" strike="noStrike">
+                          <a:solidFill>
+                            <a:srgbClr val="000000"/>
+                          </a:solidFill>
+                          <a:effectLst/>
+                        </a:rPr>
+                        <a:t>ida=450nm r=3um radius=6um</a:t>
+                      </a:r>
+                      <a:endParaRPr lang="pt-BR" sz="1200" b="0" i="0" u="none" strike="noStrike">
+                        <a:solidFill>
+                          <a:srgbClr val="000000"/>
+                        </a:solidFill>
+                        <a:effectLst/>
+                        <a:latin typeface="Aptos Narrow" panose="020B0004020202020204" pitchFamily="34" charset="0"/>
+                      </a:endParaRPr>
+                    </a:p>
+                  </a:txBody>
+                  <a:tcPr marL="7298" marR="7298" marT="7298" marB="0" anchor="b"/>
+                </a:tc>
+                <a:tc>
+                  <a:txBody>
+                    <a:bodyPr/>
+                    <a:lstStyle/>
+                    <a:p>
+                      <a:pPr algn="r" fontAlgn="b"/>
+                      <a:r>
+                        <a:rPr lang="en-US" sz="1200" b="0" u="none" strike="noStrike">
+                          <a:solidFill>
+                            <a:srgbClr val="000000"/>
+                          </a:solidFill>
+                          <a:effectLst/>
+                        </a:rPr>
+                        <a:t>0.097639998</a:t>
+                      </a:r>
+                      <a:endParaRPr lang="en-US" sz="1200" b="0" i="0" u="none" strike="noStrike">
+                        <a:solidFill>
+                          <a:srgbClr val="000000"/>
+                        </a:solidFill>
+                        <a:effectLst/>
+                        <a:latin typeface="Aptos Narrow" panose="020B0004020202020204" pitchFamily="34" charset="0"/>
+                      </a:endParaRPr>
+                    </a:p>
+                  </a:txBody>
+                  <a:tcPr marL="7298" marR="7298" marT="7298" marB="0" anchor="b"/>
+                </a:tc>
+                <a:tc>
+                  <a:txBody>
+                    <a:bodyPr/>
+                    <a:lstStyle/>
+                    <a:p>
+                      <a:pPr algn="r" fontAlgn="b"/>
+                      <a:r>
+                        <a:rPr lang="en-US" sz="1200" b="0" u="none" strike="noStrike">
+                          <a:solidFill>
+                            <a:srgbClr val="000000"/>
+                          </a:solidFill>
+                          <a:effectLst/>
+                        </a:rPr>
+                        <a:t>0.013852</a:t>
+                      </a:r>
+                      <a:endParaRPr lang="en-US" sz="1200" b="0" i="0" u="none" strike="noStrike">
+                        <a:solidFill>
+                          <a:srgbClr val="000000"/>
+                        </a:solidFill>
+                        <a:effectLst/>
+                        <a:latin typeface="Aptos Narrow" panose="020B0004020202020204" pitchFamily="34" charset="0"/>
+                      </a:endParaRPr>
+                    </a:p>
+                  </a:txBody>
+                  <a:tcPr marL="7298" marR="7298" marT="7298" marB="0" anchor="b"/>
+                </a:tc>
+                <a:tc>
+                  <a:txBody>
+                    <a:bodyPr/>
+                    <a:lstStyle/>
+                    <a:p>
+                      <a:pPr algn="r" fontAlgn="b"/>
+                      <a:r>
+                        <a:rPr lang="en-US" sz="1200" b="0" u="none" strike="noStrike">
+                          <a:solidFill>
+                            <a:srgbClr val="000000"/>
+                          </a:solidFill>
+                          <a:effectLst/>
+                        </a:rPr>
+                        <a:t>8.24E+13</a:t>
+                      </a:r>
+                      <a:endParaRPr lang="en-US" sz="1200" b="0" i="0" u="none" strike="noStrike">
+                        <a:solidFill>
+                          <a:srgbClr val="000000"/>
+                        </a:solidFill>
+                        <a:effectLst/>
+                        <a:latin typeface="Aptos Narrow" panose="020B0004020202020204" pitchFamily="34" charset="0"/>
+                      </a:endParaRPr>
+                    </a:p>
+                  </a:txBody>
+                  <a:tcPr marL="7298" marR="7298" marT="7298" marB="0" anchor="b"/>
+                </a:tc>
+                <a:tc>
+                  <a:txBody>
+                    <a:bodyPr/>
+                    <a:lstStyle/>
+                    <a:p>
+                      <a:pPr algn="l" fontAlgn="b"/>
+                      <a:r>
+                        <a:rPr lang="en-US" sz="1200" b="0" u="none" strike="noStrike">
+                          <a:solidFill>
+                            <a:srgbClr val="000000"/>
+                          </a:solidFill>
+                          <a:effectLst/>
+                        </a:rPr>
+                        <a:t>TM</a:t>
+                      </a:r>
+                      <a:endParaRPr lang="en-US" sz="1200" b="0" i="0" u="none" strike="noStrike">
+                        <a:solidFill>
+                          <a:srgbClr val="000000"/>
+                        </a:solidFill>
+                        <a:effectLst/>
+                        <a:latin typeface="Aptos Narrow" panose="020B0004020202020204" pitchFamily="34" charset="0"/>
+                      </a:endParaRPr>
+                    </a:p>
+                  </a:txBody>
+                  <a:tcPr marL="7298" marR="7298" marT="7298" marB="0" anchor="b"/>
+                </a:tc>
+                <a:extLst>
+                  <a:ext uri="{0D108BD9-81ED-4DB2-BD59-A6C34878D82A}">
+                    <a16:rowId xmlns:a16="http://schemas.microsoft.com/office/drawing/2014/main" val="2683222352"/>
+                  </a:ext>
+                </a:extLst>
+              </a:tr>
+              <a:tr h="206964">
+                <a:tc>
+                  <a:txBody>
+                    <a:bodyPr/>
+                    <a:lstStyle/>
+                    <a:p>
+                      <a:pPr algn="l" fontAlgn="b"/>
+                      <a:r>
+                        <a:rPr lang="pt-BR" sz="1200" b="0" u="none" strike="noStrike">
+                          <a:solidFill>
+                            <a:srgbClr val="000000"/>
+                          </a:solidFill>
+                          <a:effectLst/>
+                        </a:rPr>
+                        <a:t>ida=450nm r=4um radius=10um</a:t>
+                      </a:r>
+                      <a:endParaRPr lang="pt-BR" sz="1200" b="0" i="0" u="none" strike="noStrike">
+                        <a:solidFill>
+                          <a:srgbClr val="000000"/>
+                        </a:solidFill>
+                        <a:effectLst/>
+                        <a:latin typeface="Aptos Narrow" panose="020B0004020202020204" pitchFamily="34" charset="0"/>
+                      </a:endParaRPr>
+                    </a:p>
+                  </a:txBody>
+                  <a:tcPr marL="7298" marR="7298" marT="7298" marB="0" anchor="b"/>
+                </a:tc>
+                <a:tc>
+                  <a:txBody>
+                    <a:bodyPr/>
+                    <a:lstStyle/>
+                    <a:p>
+                      <a:pPr algn="r" fontAlgn="b"/>
+                      <a:r>
+                        <a:rPr lang="en-US" sz="1200" b="0" u="none" strike="noStrike" dirty="0">
+                          <a:solidFill>
+                            <a:srgbClr val="000000"/>
+                          </a:solidFill>
+                          <a:effectLst/>
+                        </a:rPr>
+                        <a:t>0.112597492</a:t>
+                      </a:r>
+                      <a:endParaRPr lang="en-US" sz="1200" b="0" i="0" u="none" strike="noStrike" dirty="0">
+                        <a:solidFill>
+                          <a:srgbClr val="000000"/>
+                        </a:solidFill>
+                        <a:effectLst/>
+                        <a:latin typeface="Aptos Narrow" panose="020B0004020202020204" pitchFamily="34" charset="0"/>
+                      </a:endParaRPr>
+                    </a:p>
+                  </a:txBody>
+                  <a:tcPr marL="7298" marR="7298" marT="7298" marB="0" anchor="b"/>
+                </a:tc>
+                <a:tc>
+                  <a:txBody>
+                    <a:bodyPr/>
+                    <a:lstStyle/>
+                    <a:p>
+                      <a:pPr algn="r" fontAlgn="b"/>
+                      <a:r>
+                        <a:rPr lang="en-US" sz="1200" b="0" u="none" strike="noStrike">
+                          <a:solidFill>
+                            <a:srgbClr val="000000"/>
+                          </a:solidFill>
+                          <a:effectLst/>
+                        </a:rPr>
+                        <a:t>0.013588</a:t>
+                      </a:r>
+                      <a:endParaRPr lang="en-US" sz="1200" b="0" i="0" u="none" strike="noStrike">
+                        <a:solidFill>
+                          <a:srgbClr val="000000"/>
+                        </a:solidFill>
+                        <a:effectLst/>
+                        <a:latin typeface="Aptos Narrow" panose="020B0004020202020204" pitchFamily="34" charset="0"/>
+                      </a:endParaRPr>
+                    </a:p>
+                  </a:txBody>
+                  <a:tcPr marL="7298" marR="7298" marT="7298" marB="0" anchor="b"/>
+                </a:tc>
+                <a:tc>
+                  <a:txBody>
+                    <a:bodyPr/>
+                    <a:lstStyle/>
+                    <a:p>
+                      <a:pPr algn="r" fontAlgn="b"/>
+                      <a:r>
+                        <a:rPr lang="en-US" sz="1200" b="0" u="none" strike="noStrike">
+                          <a:solidFill>
+                            <a:srgbClr val="000000"/>
+                          </a:solidFill>
+                          <a:effectLst/>
+                        </a:rPr>
+                        <a:t>1.86E+12</a:t>
+                      </a:r>
+                      <a:endParaRPr lang="en-US" sz="1200" b="0" i="0" u="none" strike="noStrike">
+                        <a:solidFill>
+                          <a:srgbClr val="000000"/>
+                        </a:solidFill>
+                        <a:effectLst/>
+                        <a:latin typeface="Aptos Narrow" panose="020B0004020202020204" pitchFamily="34" charset="0"/>
+                      </a:endParaRPr>
+                    </a:p>
+                  </a:txBody>
+                  <a:tcPr marL="7298" marR="7298" marT="7298" marB="0" anchor="b"/>
+                </a:tc>
+                <a:tc>
+                  <a:txBody>
+                    <a:bodyPr/>
+                    <a:lstStyle/>
+                    <a:p>
+                      <a:pPr algn="l" fontAlgn="b"/>
+                      <a:endParaRPr lang="en-US" sz="1200" b="0" i="0" u="none" strike="noStrike">
+                        <a:solidFill>
+                          <a:srgbClr val="000000"/>
+                        </a:solidFill>
+                        <a:effectLst/>
+                        <a:latin typeface="Aptos Narrow" panose="020B0004020202020204" pitchFamily="34" charset="0"/>
+                      </a:endParaRPr>
+                    </a:p>
+                  </a:txBody>
+                  <a:tcPr marL="7298" marR="7298" marT="7298" marB="0" anchor="b"/>
+                </a:tc>
+                <a:extLst>
+                  <a:ext uri="{0D108BD9-81ED-4DB2-BD59-A6C34878D82A}">
+                    <a16:rowId xmlns:a16="http://schemas.microsoft.com/office/drawing/2014/main" val="2868687744"/>
+                  </a:ext>
+                </a:extLst>
+              </a:tr>
+              <a:tr h="206964">
+                <a:tc>
+                  <a:txBody>
+                    <a:bodyPr/>
+                    <a:lstStyle/>
+                    <a:p>
+                      <a:pPr algn="l" fontAlgn="b"/>
+                      <a:r>
+                        <a:rPr lang="pt-BR" sz="1200" b="0" u="none" strike="noStrike">
+                          <a:solidFill>
+                            <a:srgbClr val="000000"/>
+                          </a:solidFill>
+                          <a:effectLst/>
+                        </a:rPr>
+                        <a:t>ida=450nm r=4um radius=15um</a:t>
+                      </a:r>
+                      <a:endParaRPr lang="pt-BR" sz="1200" b="0" i="0" u="none" strike="noStrike">
+                        <a:solidFill>
+                          <a:srgbClr val="000000"/>
+                        </a:solidFill>
+                        <a:effectLst/>
+                        <a:latin typeface="Aptos Narrow" panose="020B0004020202020204" pitchFamily="34" charset="0"/>
+                      </a:endParaRPr>
+                    </a:p>
+                  </a:txBody>
+                  <a:tcPr marL="7298" marR="7298" marT="7298" marB="0" anchor="b"/>
+                </a:tc>
+                <a:tc>
+                  <a:txBody>
+                    <a:bodyPr/>
+                    <a:lstStyle/>
+                    <a:p>
+                      <a:pPr algn="r" fontAlgn="b"/>
+                      <a:r>
+                        <a:rPr lang="en-US" sz="1200" b="0" u="none" strike="noStrike">
+                          <a:solidFill>
+                            <a:srgbClr val="000000"/>
+                          </a:solidFill>
+                          <a:effectLst/>
+                        </a:rPr>
+                        <a:t>0.120337058</a:t>
+                      </a:r>
+                      <a:endParaRPr lang="en-US" sz="1200" b="0" i="0" u="none" strike="noStrike">
+                        <a:solidFill>
+                          <a:srgbClr val="000000"/>
+                        </a:solidFill>
+                        <a:effectLst/>
+                        <a:latin typeface="Aptos Narrow" panose="020B0004020202020204" pitchFamily="34" charset="0"/>
+                      </a:endParaRPr>
+                    </a:p>
+                  </a:txBody>
+                  <a:tcPr marL="7298" marR="7298" marT="7298" marB="0" anchor="b"/>
+                </a:tc>
+                <a:tc>
+                  <a:txBody>
+                    <a:bodyPr/>
+                    <a:lstStyle/>
+                    <a:p>
+                      <a:pPr algn="r" fontAlgn="b"/>
+                      <a:r>
+                        <a:rPr lang="en-US" sz="1200" b="0" u="none" strike="noStrike">
+                          <a:solidFill>
+                            <a:srgbClr val="000000"/>
+                          </a:solidFill>
+                          <a:effectLst/>
+                        </a:rPr>
+                        <a:t>0.009907</a:t>
+                      </a:r>
+                      <a:endParaRPr lang="en-US" sz="1200" b="0" i="0" u="none" strike="noStrike">
+                        <a:solidFill>
+                          <a:srgbClr val="000000"/>
+                        </a:solidFill>
+                        <a:effectLst/>
+                        <a:latin typeface="Aptos Narrow" panose="020B0004020202020204" pitchFamily="34" charset="0"/>
+                      </a:endParaRPr>
+                    </a:p>
+                  </a:txBody>
+                  <a:tcPr marL="7298" marR="7298" marT="7298" marB="0" anchor="b"/>
+                </a:tc>
+                <a:tc>
+                  <a:txBody>
+                    <a:bodyPr/>
+                    <a:lstStyle/>
+                    <a:p>
+                      <a:pPr algn="r" fontAlgn="b"/>
+                      <a:r>
+                        <a:rPr lang="en-US" sz="1200" b="0" u="none" strike="noStrike">
+                          <a:solidFill>
+                            <a:srgbClr val="000000"/>
+                          </a:solidFill>
+                          <a:effectLst/>
+                        </a:rPr>
+                        <a:t>9.21E+10</a:t>
+                      </a:r>
+                      <a:endParaRPr lang="en-US" sz="1200" b="0" i="0" u="none" strike="noStrike">
+                        <a:solidFill>
+                          <a:srgbClr val="000000"/>
+                        </a:solidFill>
+                        <a:effectLst/>
+                        <a:latin typeface="Aptos Narrow" panose="020B0004020202020204" pitchFamily="34" charset="0"/>
+                      </a:endParaRPr>
+                    </a:p>
+                  </a:txBody>
+                  <a:tcPr marL="7298" marR="7298" marT="7298" marB="0" anchor="b"/>
+                </a:tc>
+                <a:tc>
+                  <a:txBody>
+                    <a:bodyPr/>
+                    <a:lstStyle/>
+                    <a:p>
+                      <a:pPr algn="l" fontAlgn="b"/>
+                      <a:endParaRPr lang="en-US" sz="1200" b="0" i="0" u="none" strike="noStrike">
+                        <a:solidFill>
+                          <a:srgbClr val="000000"/>
+                        </a:solidFill>
+                        <a:effectLst/>
+                        <a:latin typeface="Aptos Narrow" panose="020B0004020202020204" pitchFamily="34" charset="0"/>
+                      </a:endParaRPr>
+                    </a:p>
+                  </a:txBody>
+                  <a:tcPr marL="7298" marR="7298" marT="7298" marB="0" anchor="b"/>
+                </a:tc>
+                <a:extLst>
+                  <a:ext uri="{0D108BD9-81ED-4DB2-BD59-A6C34878D82A}">
+                    <a16:rowId xmlns:a16="http://schemas.microsoft.com/office/drawing/2014/main" val="1009390486"/>
+                  </a:ext>
+                </a:extLst>
+              </a:tr>
+              <a:tr h="206964">
+                <a:tc>
+                  <a:txBody>
+                    <a:bodyPr/>
+                    <a:lstStyle/>
+                    <a:p>
+                      <a:pPr algn="l" fontAlgn="b"/>
+                      <a:r>
+                        <a:rPr lang="pt-BR" sz="1200" b="0" u="none" strike="noStrike">
+                          <a:solidFill>
+                            <a:srgbClr val="000000"/>
+                          </a:solidFill>
+                          <a:effectLst/>
+                        </a:rPr>
+                        <a:t>ida=450nm r=4um radius=20um</a:t>
+                      </a:r>
+                      <a:endParaRPr lang="pt-BR" sz="1200" b="0" i="0" u="none" strike="noStrike">
+                        <a:solidFill>
+                          <a:srgbClr val="000000"/>
+                        </a:solidFill>
+                        <a:effectLst/>
+                        <a:latin typeface="Aptos Narrow" panose="020B0004020202020204" pitchFamily="34" charset="0"/>
+                      </a:endParaRPr>
+                    </a:p>
+                  </a:txBody>
+                  <a:tcPr marL="7298" marR="7298" marT="7298" marB="0" anchor="b"/>
+                </a:tc>
+                <a:tc>
+                  <a:txBody>
+                    <a:bodyPr/>
+                    <a:lstStyle/>
+                    <a:p>
+                      <a:pPr algn="r" fontAlgn="b"/>
+                      <a:r>
+                        <a:rPr lang="en-US" sz="1200" b="0" u="none" strike="noStrike" dirty="0">
+                          <a:solidFill>
+                            <a:srgbClr val="000000"/>
+                          </a:solidFill>
+                          <a:effectLst/>
+                        </a:rPr>
+                        <a:t>0.126948975</a:t>
+                      </a:r>
+                      <a:endParaRPr lang="en-US" sz="1200" b="0" i="0" u="none" strike="noStrike" dirty="0">
+                        <a:solidFill>
+                          <a:srgbClr val="000000"/>
+                        </a:solidFill>
+                        <a:effectLst/>
+                        <a:latin typeface="Aptos Narrow" panose="020B0004020202020204" pitchFamily="34" charset="0"/>
+                      </a:endParaRPr>
+                    </a:p>
+                  </a:txBody>
+                  <a:tcPr marL="7298" marR="7298" marT="7298" marB="0" anchor="b"/>
+                </a:tc>
+                <a:tc>
+                  <a:txBody>
+                    <a:bodyPr/>
+                    <a:lstStyle/>
+                    <a:p>
+                      <a:pPr algn="r" fontAlgn="b"/>
+                      <a:r>
+                        <a:rPr lang="en-US" sz="1200" b="0" u="none" strike="noStrike">
+                          <a:solidFill>
+                            <a:srgbClr val="000000"/>
+                          </a:solidFill>
+                          <a:effectLst/>
+                        </a:rPr>
+                        <a:t>0.007792</a:t>
+                      </a:r>
+                      <a:endParaRPr lang="en-US" sz="1200" b="0" i="0" u="none" strike="noStrike">
+                        <a:solidFill>
+                          <a:srgbClr val="000000"/>
+                        </a:solidFill>
+                        <a:effectLst/>
+                        <a:latin typeface="Aptos Narrow" panose="020B0004020202020204" pitchFamily="34" charset="0"/>
+                      </a:endParaRPr>
+                    </a:p>
+                  </a:txBody>
+                  <a:tcPr marL="7298" marR="7298" marT="7298" marB="0" anchor="b"/>
+                </a:tc>
+                <a:tc>
+                  <a:txBody>
+                    <a:bodyPr/>
+                    <a:lstStyle/>
+                    <a:p>
+                      <a:pPr algn="r" fontAlgn="b"/>
+                      <a:r>
+                        <a:rPr lang="en-US" sz="1200" b="0" u="none" strike="noStrike">
+                          <a:solidFill>
+                            <a:srgbClr val="000000"/>
+                          </a:solidFill>
+                          <a:effectLst/>
+                        </a:rPr>
+                        <a:t>4.39E+11</a:t>
+                      </a:r>
+                      <a:endParaRPr lang="en-US" sz="1200" b="0" i="0" u="none" strike="noStrike">
+                        <a:solidFill>
+                          <a:srgbClr val="000000"/>
+                        </a:solidFill>
+                        <a:effectLst/>
+                        <a:latin typeface="Aptos Narrow" panose="020B0004020202020204" pitchFamily="34" charset="0"/>
+                      </a:endParaRPr>
+                    </a:p>
+                  </a:txBody>
+                  <a:tcPr marL="7298" marR="7298" marT="7298" marB="0" anchor="b"/>
+                </a:tc>
+                <a:tc>
+                  <a:txBody>
+                    <a:bodyPr/>
+                    <a:lstStyle/>
+                    <a:p>
+                      <a:pPr algn="l" fontAlgn="b"/>
+                      <a:endParaRPr lang="en-US" sz="1200" b="0" i="0" u="none" strike="noStrike">
+                        <a:solidFill>
+                          <a:srgbClr val="000000"/>
+                        </a:solidFill>
+                        <a:effectLst/>
+                        <a:latin typeface="Aptos Narrow" panose="020B0004020202020204" pitchFamily="34" charset="0"/>
+                      </a:endParaRPr>
+                    </a:p>
+                  </a:txBody>
+                  <a:tcPr marL="7298" marR="7298" marT="7298" marB="0" anchor="b"/>
+                </a:tc>
+                <a:extLst>
+                  <a:ext uri="{0D108BD9-81ED-4DB2-BD59-A6C34878D82A}">
+                    <a16:rowId xmlns:a16="http://schemas.microsoft.com/office/drawing/2014/main" val="3164604693"/>
+                  </a:ext>
+                </a:extLst>
+              </a:tr>
+              <a:tr h="206964">
+                <a:tc>
+                  <a:txBody>
+                    <a:bodyPr/>
+                    <a:lstStyle/>
+                    <a:p>
+                      <a:pPr algn="l" fontAlgn="b"/>
+                      <a:r>
+                        <a:rPr lang="pt-BR" sz="1200" b="0" u="none" strike="noStrike">
+                          <a:solidFill>
+                            <a:srgbClr val="000000"/>
+                          </a:solidFill>
+                          <a:effectLst/>
+                        </a:rPr>
+                        <a:t>ida=450nm r=4um radius=30um</a:t>
+                      </a:r>
+                      <a:endParaRPr lang="pt-BR" sz="1200" b="0" i="0" u="none" strike="noStrike">
+                        <a:solidFill>
+                          <a:srgbClr val="000000"/>
+                        </a:solidFill>
+                        <a:effectLst/>
+                        <a:latin typeface="Aptos Narrow" panose="020B0004020202020204" pitchFamily="34" charset="0"/>
+                      </a:endParaRPr>
+                    </a:p>
+                  </a:txBody>
+                  <a:tcPr marL="7298" marR="7298" marT="7298" marB="0" anchor="b"/>
+                </a:tc>
+                <a:tc>
+                  <a:txBody>
+                    <a:bodyPr/>
+                    <a:lstStyle/>
+                    <a:p>
+                      <a:pPr algn="r" fontAlgn="b"/>
+                      <a:r>
+                        <a:rPr lang="en-US" sz="1200" b="0" u="none" strike="noStrike" dirty="0">
+                          <a:solidFill>
+                            <a:srgbClr val="000000"/>
+                          </a:solidFill>
+                          <a:effectLst/>
+                        </a:rPr>
+                        <a:t>0.137974963</a:t>
+                      </a:r>
+                      <a:endParaRPr lang="en-US" sz="1200" b="0" i="0" u="none" strike="noStrike" dirty="0">
+                        <a:solidFill>
+                          <a:srgbClr val="000000"/>
+                        </a:solidFill>
+                        <a:effectLst/>
+                        <a:latin typeface="Aptos Narrow" panose="020B0004020202020204" pitchFamily="34" charset="0"/>
+                      </a:endParaRPr>
+                    </a:p>
+                  </a:txBody>
+                  <a:tcPr marL="7298" marR="7298" marT="7298" marB="0" anchor="b"/>
+                </a:tc>
+                <a:tc>
+                  <a:txBody>
+                    <a:bodyPr/>
+                    <a:lstStyle/>
+                    <a:p>
+                      <a:pPr algn="r" fontAlgn="b"/>
+                      <a:r>
+                        <a:rPr lang="en-US" sz="1200" b="0" u="none" strike="noStrike">
+                          <a:solidFill>
+                            <a:srgbClr val="000000"/>
+                          </a:solidFill>
+                          <a:effectLst/>
+                        </a:rPr>
+                        <a:t>0.005458</a:t>
+                      </a:r>
+                      <a:endParaRPr lang="en-US" sz="1200" b="0" i="0" u="none" strike="noStrike">
+                        <a:solidFill>
+                          <a:srgbClr val="000000"/>
+                        </a:solidFill>
+                        <a:effectLst/>
+                        <a:latin typeface="Aptos Narrow" panose="020B0004020202020204" pitchFamily="34" charset="0"/>
+                      </a:endParaRPr>
+                    </a:p>
+                  </a:txBody>
+                  <a:tcPr marL="7298" marR="7298" marT="7298" marB="0" anchor="b"/>
+                </a:tc>
+                <a:tc>
+                  <a:txBody>
+                    <a:bodyPr/>
+                    <a:lstStyle/>
+                    <a:p>
+                      <a:pPr algn="r" fontAlgn="b"/>
+                      <a:r>
+                        <a:rPr lang="en-US" sz="1200" b="0" u="none" strike="noStrike">
+                          <a:solidFill>
+                            <a:srgbClr val="000000"/>
+                          </a:solidFill>
+                          <a:effectLst/>
+                        </a:rPr>
+                        <a:t>2.48E+10</a:t>
+                      </a:r>
+                      <a:endParaRPr lang="en-US" sz="1200" b="0" i="0" u="none" strike="noStrike">
+                        <a:solidFill>
+                          <a:srgbClr val="000000"/>
+                        </a:solidFill>
+                        <a:effectLst/>
+                        <a:latin typeface="Aptos Narrow" panose="020B0004020202020204" pitchFamily="34" charset="0"/>
+                      </a:endParaRPr>
+                    </a:p>
+                  </a:txBody>
+                  <a:tcPr marL="7298" marR="7298" marT="7298" marB="0" anchor="b"/>
+                </a:tc>
+                <a:tc>
+                  <a:txBody>
+                    <a:bodyPr/>
+                    <a:lstStyle/>
+                    <a:p>
+                      <a:pPr algn="l" fontAlgn="b"/>
+                      <a:endParaRPr lang="en-US" sz="1200" b="0" i="0" u="none" strike="noStrike">
+                        <a:solidFill>
+                          <a:srgbClr val="000000"/>
+                        </a:solidFill>
+                        <a:effectLst/>
+                        <a:latin typeface="Aptos Narrow" panose="020B0004020202020204" pitchFamily="34" charset="0"/>
+                      </a:endParaRPr>
+                    </a:p>
+                  </a:txBody>
+                  <a:tcPr marL="7298" marR="7298" marT="7298" marB="0" anchor="b"/>
+                </a:tc>
+                <a:extLst>
+                  <a:ext uri="{0D108BD9-81ED-4DB2-BD59-A6C34878D82A}">
+                    <a16:rowId xmlns:a16="http://schemas.microsoft.com/office/drawing/2014/main" val="3026691531"/>
+                  </a:ext>
+                </a:extLst>
+              </a:tr>
+              <a:tr h="206964">
+                <a:tc>
+                  <a:txBody>
+                    <a:bodyPr/>
+                    <a:lstStyle/>
+                    <a:p>
+                      <a:pPr algn="l" fontAlgn="b"/>
+                      <a:r>
+                        <a:rPr lang="pt-BR" sz="1200" b="0" u="none" strike="noStrike">
+                          <a:solidFill>
+                            <a:srgbClr val="000000"/>
+                          </a:solidFill>
+                          <a:effectLst/>
+                        </a:rPr>
+                        <a:t>ida=450nm r=4um radius=6um</a:t>
+                      </a:r>
+                      <a:endParaRPr lang="pt-BR" sz="1200" b="0" i="0" u="none" strike="noStrike">
+                        <a:solidFill>
+                          <a:srgbClr val="000000"/>
+                        </a:solidFill>
+                        <a:effectLst/>
+                        <a:latin typeface="Aptos Narrow" panose="020B0004020202020204" pitchFamily="34" charset="0"/>
+                      </a:endParaRPr>
+                    </a:p>
+                  </a:txBody>
+                  <a:tcPr marL="7298" marR="7298" marT="7298" marB="0" anchor="b"/>
+                </a:tc>
+                <a:tc>
+                  <a:txBody>
+                    <a:bodyPr/>
+                    <a:lstStyle/>
+                    <a:p>
+                      <a:pPr algn="r" fontAlgn="b"/>
+                      <a:r>
+                        <a:rPr lang="en-US" sz="1200" b="0" u="none" strike="noStrike">
+                          <a:solidFill>
+                            <a:srgbClr val="000000"/>
+                          </a:solidFill>
+                          <a:effectLst/>
+                        </a:rPr>
+                        <a:t>0.104540469</a:t>
+                      </a:r>
+                      <a:endParaRPr lang="en-US" sz="1200" b="0" i="0" u="none" strike="noStrike">
+                        <a:solidFill>
+                          <a:srgbClr val="000000"/>
+                        </a:solidFill>
+                        <a:effectLst/>
+                        <a:latin typeface="Aptos Narrow" panose="020B0004020202020204" pitchFamily="34" charset="0"/>
+                      </a:endParaRPr>
+                    </a:p>
+                  </a:txBody>
+                  <a:tcPr marL="7298" marR="7298" marT="7298" marB="0" anchor="b"/>
+                </a:tc>
+                <a:tc>
+                  <a:txBody>
+                    <a:bodyPr/>
+                    <a:lstStyle/>
+                    <a:p>
+                      <a:pPr algn="r" fontAlgn="b"/>
+                      <a:r>
+                        <a:rPr lang="en-US" sz="1200" b="0" u="none" strike="noStrike">
+                          <a:solidFill>
+                            <a:srgbClr val="000000"/>
+                          </a:solidFill>
+                          <a:effectLst/>
+                        </a:rPr>
+                        <a:t>0.012366</a:t>
+                      </a:r>
+                      <a:endParaRPr lang="en-US" sz="1200" b="0" i="0" u="none" strike="noStrike">
+                        <a:solidFill>
+                          <a:srgbClr val="000000"/>
+                        </a:solidFill>
+                        <a:effectLst/>
+                        <a:latin typeface="Aptos Narrow" panose="020B0004020202020204" pitchFamily="34" charset="0"/>
+                      </a:endParaRPr>
+                    </a:p>
+                  </a:txBody>
+                  <a:tcPr marL="7298" marR="7298" marT="7298" marB="0" anchor="b"/>
+                </a:tc>
+                <a:tc>
+                  <a:txBody>
+                    <a:bodyPr/>
+                    <a:lstStyle/>
+                    <a:p>
+                      <a:pPr algn="r" fontAlgn="b"/>
+                      <a:r>
+                        <a:rPr lang="en-US" sz="1200" b="0" u="none" strike="noStrike">
+                          <a:solidFill>
+                            <a:srgbClr val="000000"/>
+                          </a:solidFill>
+                          <a:effectLst/>
+                        </a:rPr>
+                        <a:t>8.86E+13</a:t>
+                      </a:r>
+                      <a:endParaRPr lang="en-US" sz="1200" b="0" i="0" u="none" strike="noStrike">
+                        <a:solidFill>
+                          <a:srgbClr val="000000"/>
+                        </a:solidFill>
+                        <a:effectLst/>
+                        <a:latin typeface="Aptos Narrow" panose="020B0004020202020204" pitchFamily="34" charset="0"/>
+                      </a:endParaRPr>
+                    </a:p>
+                  </a:txBody>
+                  <a:tcPr marL="7298" marR="7298" marT="7298" marB="0" anchor="b"/>
+                </a:tc>
+                <a:tc>
+                  <a:txBody>
+                    <a:bodyPr/>
+                    <a:lstStyle/>
+                    <a:p>
+                      <a:pPr algn="l" fontAlgn="b"/>
+                      <a:r>
+                        <a:rPr lang="en-US" sz="1200" b="0" u="none" strike="noStrike">
+                          <a:solidFill>
+                            <a:srgbClr val="000000"/>
+                          </a:solidFill>
+                          <a:effectLst/>
+                        </a:rPr>
+                        <a:t>TM</a:t>
+                      </a:r>
+                      <a:endParaRPr lang="en-US" sz="1200" b="0" i="0" u="none" strike="noStrike">
+                        <a:solidFill>
+                          <a:srgbClr val="000000"/>
+                        </a:solidFill>
+                        <a:effectLst/>
+                        <a:latin typeface="Aptos Narrow" panose="020B0004020202020204" pitchFamily="34" charset="0"/>
+                      </a:endParaRPr>
+                    </a:p>
+                  </a:txBody>
+                  <a:tcPr marL="7298" marR="7298" marT="7298" marB="0" anchor="b"/>
+                </a:tc>
+                <a:extLst>
+                  <a:ext uri="{0D108BD9-81ED-4DB2-BD59-A6C34878D82A}">
+                    <a16:rowId xmlns:a16="http://schemas.microsoft.com/office/drawing/2014/main" val="3639765163"/>
+                  </a:ext>
+                </a:extLst>
+              </a:tr>
+              <a:tr h="206964">
+                <a:tc>
+                  <a:txBody>
+                    <a:bodyPr/>
+                    <a:lstStyle/>
+                    <a:p>
+                      <a:pPr algn="l" fontAlgn="b"/>
+                      <a:r>
+                        <a:rPr lang="pt-BR" sz="1200" b="0" u="none" strike="noStrike">
+                          <a:solidFill>
+                            <a:srgbClr val="000000"/>
+                          </a:solidFill>
+                          <a:effectLst/>
+                        </a:rPr>
+                        <a:t>ida=450nm r=5um radius=10um</a:t>
+                      </a:r>
+                      <a:endParaRPr lang="pt-BR" sz="1200" b="0" i="0" u="none" strike="noStrike">
+                        <a:solidFill>
+                          <a:srgbClr val="000000"/>
+                        </a:solidFill>
+                        <a:effectLst/>
+                        <a:latin typeface="Aptos Narrow" panose="020B0004020202020204" pitchFamily="34" charset="0"/>
+                      </a:endParaRPr>
+                    </a:p>
+                  </a:txBody>
+                  <a:tcPr marL="7298" marR="7298" marT="7298" marB="0" anchor="b"/>
+                </a:tc>
+                <a:tc>
+                  <a:txBody>
+                    <a:bodyPr/>
+                    <a:lstStyle/>
+                    <a:p>
+                      <a:pPr algn="r" fontAlgn="b"/>
+                      <a:r>
+                        <a:rPr lang="en-US" sz="1200" b="0" u="none" strike="noStrike">
+                          <a:solidFill>
+                            <a:srgbClr val="000000"/>
+                          </a:solidFill>
+                          <a:effectLst/>
+                        </a:rPr>
+                        <a:t>0.11943393</a:t>
+                      </a:r>
+                      <a:endParaRPr lang="en-US" sz="1200" b="0" i="0" u="none" strike="noStrike">
+                        <a:solidFill>
+                          <a:srgbClr val="000000"/>
+                        </a:solidFill>
+                        <a:effectLst/>
+                        <a:latin typeface="Aptos Narrow" panose="020B0004020202020204" pitchFamily="34" charset="0"/>
+                      </a:endParaRPr>
+                    </a:p>
+                  </a:txBody>
+                  <a:tcPr marL="7298" marR="7298" marT="7298" marB="0" anchor="b"/>
+                </a:tc>
+                <a:tc>
+                  <a:txBody>
+                    <a:bodyPr/>
+                    <a:lstStyle/>
+                    <a:p>
+                      <a:pPr algn="r" fontAlgn="b"/>
+                      <a:r>
+                        <a:rPr lang="en-US" sz="1200" b="0" u="none" strike="noStrike">
+                          <a:solidFill>
+                            <a:srgbClr val="000000"/>
+                          </a:solidFill>
+                          <a:effectLst/>
+                        </a:rPr>
+                        <a:t>0.012643</a:t>
+                      </a:r>
+                      <a:endParaRPr lang="en-US" sz="1200" b="0" i="0" u="none" strike="noStrike">
+                        <a:solidFill>
+                          <a:srgbClr val="000000"/>
+                        </a:solidFill>
+                        <a:effectLst/>
+                        <a:latin typeface="Aptos Narrow" panose="020B0004020202020204" pitchFamily="34" charset="0"/>
+                      </a:endParaRPr>
+                    </a:p>
+                  </a:txBody>
+                  <a:tcPr marL="7298" marR="7298" marT="7298" marB="0" anchor="b"/>
+                </a:tc>
+                <a:tc>
+                  <a:txBody>
+                    <a:bodyPr/>
+                    <a:lstStyle/>
+                    <a:p>
+                      <a:pPr algn="r" fontAlgn="b"/>
+                      <a:r>
+                        <a:rPr lang="en-US" sz="1200" b="0" u="none" strike="noStrike">
+                          <a:solidFill>
+                            <a:srgbClr val="000000"/>
+                          </a:solidFill>
+                          <a:effectLst/>
+                        </a:rPr>
+                        <a:t>9.08E+10</a:t>
+                      </a:r>
+                      <a:endParaRPr lang="en-US" sz="1200" b="0" i="0" u="none" strike="noStrike">
+                        <a:solidFill>
+                          <a:srgbClr val="000000"/>
+                        </a:solidFill>
+                        <a:effectLst/>
+                        <a:latin typeface="Aptos Narrow" panose="020B0004020202020204" pitchFamily="34" charset="0"/>
+                      </a:endParaRPr>
+                    </a:p>
+                  </a:txBody>
+                  <a:tcPr marL="7298" marR="7298" marT="7298" marB="0" anchor="b"/>
+                </a:tc>
+                <a:tc>
+                  <a:txBody>
+                    <a:bodyPr/>
+                    <a:lstStyle/>
+                    <a:p>
+                      <a:pPr algn="l" fontAlgn="b"/>
+                      <a:endParaRPr lang="en-US" sz="1200" b="0" i="0" u="none" strike="noStrike">
+                        <a:solidFill>
+                          <a:srgbClr val="000000"/>
+                        </a:solidFill>
+                        <a:effectLst/>
+                        <a:latin typeface="Aptos Narrow" panose="020B0004020202020204" pitchFamily="34" charset="0"/>
+                      </a:endParaRPr>
+                    </a:p>
+                  </a:txBody>
+                  <a:tcPr marL="7298" marR="7298" marT="7298" marB="0" anchor="b"/>
+                </a:tc>
+                <a:extLst>
+                  <a:ext uri="{0D108BD9-81ED-4DB2-BD59-A6C34878D82A}">
+                    <a16:rowId xmlns:a16="http://schemas.microsoft.com/office/drawing/2014/main" val="3102081720"/>
+                  </a:ext>
+                </a:extLst>
+              </a:tr>
+              <a:tr h="206964">
+                <a:tc>
+                  <a:txBody>
+                    <a:bodyPr/>
+                    <a:lstStyle/>
+                    <a:p>
+                      <a:pPr algn="l" fontAlgn="b"/>
+                      <a:r>
+                        <a:rPr lang="pt-BR" sz="1200" b="0" u="none" strike="noStrike">
+                          <a:solidFill>
+                            <a:srgbClr val="000000"/>
+                          </a:solidFill>
+                          <a:effectLst/>
+                        </a:rPr>
+                        <a:t>ida=450nm r=5um radius=15um</a:t>
+                      </a:r>
+                      <a:endParaRPr lang="pt-BR" sz="1200" b="0" i="0" u="none" strike="noStrike">
+                        <a:solidFill>
+                          <a:srgbClr val="000000"/>
+                        </a:solidFill>
+                        <a:effectLst/>
+                        <a:latin typeface="Aptos Narrow" panose="020B0004020202020204" pitchFamily="34" charset="0"/>
+                      </a:endParaRPr>
+                    </a:p>
+                  </a:txBody>
+                  <a:tcPr marL="7298" marR="7298" marT="7298" marB="0" anchor="b"/>
+                </a:tc>
+                <a:tc>
+                  <a:txBody>
+                    <a:bodyPr/>
+                    <a:lstStyle/>
+                    <a:p>
+                      <a:pPr algn="r" fontAlgn="b"/>
+                      <a:r>
+                        <a:rPr lang="en-US" sz="1200" b="0" u="none" strike="noStrike">
+                          <a:solidFill>
+                            <a:srgbClr val="000000"/>
+                          </a:solidFill>
+                          <a:effectLst/>
+                        </a:rPr>
+                        <a:t>0.127113669</a:t>
+                      </a:r>
+                      <a:endParaRPr lang="en-US" sz="1200" b="0" i="0" u="none" strike="noStrike">
+                        <a:solidFill>
+                          <a:srgbClr val="000000"/>
+                        </a:solidFill>
+                        <a:effectLst/>
+                        <a:latin typeface="Aptos Narrow" panose="020B0004020202020204" pitchFamily="34" charset="0"/>
+                      </a:endParaRPr>
+                    </a:p>
+                  </a:txBody>
+                  <a:tcPr marL="7298" marR="7298" marT="7298" marB="0" anchor="b"/>
+                </a:tc>
+                <a:tc>
+                  <a:txBody>
+                    <a:bodyPr/>
+                    <a:lstStyle/>
+                    <a:p>
+                      <a:pPr algn="r" fontAlgn="b"/>
+                      <a:r>
+                        <a:rPr lang="en-US" sz="1200" b="0" u="none" strike="noStrike">
+                          <a:solidFill>
+                            <a:srgbClr val="000000"/>
+                          </a:solidFill>
+                          <a:effectLst/>
+                        </a:rPr>
+                        <a:t>0.009391</a:t>
+                      </a:r>
+                      <a:endParaRPr lang="en-US" sz="1200" b="0" i="0" u="none" strike="noStrike">
+                        <a:solidFill>
+                          <a:srgbClr val="000000"/>
+                        </a:solidFill>
+                        <a:effectLst/>
+                        <a:latin typeface="Aptos Narrow" panose="020B0004020202020204" pitchFamily="34" charset="0"/>
+                      </a:endParaRPr>
+                    </a:p>
+                  </a:txBody>
+                  <a:tcPr marL="7298" marR="7298" marT="7298" marB="0" anchor="b"/>
+                </a:tc>
+                <a:tc>
+                  <a:txBody>
+                    <a:bodyPr/>
+                    <a:lstStyle/>
+                    <a:p>
+                      <a:pPr algn="r" fontAlgn="b"/>
+                      <a:r>
+                        <a:rPr lang="en-US" sz="1200" b="0" u="none" strike="noStrike">
+                          <a:solidFill>
+                            <a:srgbClr val="000000"/>
+                          </a:solidFill>
+                          <a:effectLst/>
+                        </a:rPr>
+                        <a:t>1.72E+11</a:t>
+                      </a:r>
+                      <a:endParaRPr lang="en-US" sz="1200" b="0" i="0" u="none" strike="noStrike">
+                        <a:solidFill>
+                          <a:srgbClr val="000000"/>
+                        </a:solidFill>
+                        <a:effectLst/>
+                        <a:latin typeface="Aptos Narrow" panose="020B0004020202020204" pitchFamily="34" charset="0"/>
+                      </a:endParaRPr>
+                    </a:p>
+                  </a:txBody>
+                  <a:tcPr marL="7298" marR="7298" marT="7298" marB="0" anchor="b"/>
+                </a:tc>
+                <a:tc>
+                  <a:txBody>
+                    <a:bodyPr/>
+                    <a:lstStyle/>
+                    <a:p>
+                      <a:pPr algn="l" fontAlgn="b"/>
+                      <a:endParaRPr lang="en-US" sz="1200" b="0" i="0" u="none" strike="noStrike">
+                        <a:solidFill>
+                          <a:srgbClr val="000000"/>
+                        </a:solidFill>
+                        <a:effectLst/>
+                        <a:latin typeface="Aptos Narrow" panose="020B0004020202020204" pitchFamily="34" charset="0"/>
+                      </a:endParaRPr>
+                    </a:p>
+                  </a:txBody>
+                  <a:tcPr marL="7298" marR="7298" marT="7298" marB="0" anchor="b"/>
+                </a:tc>
+                <a:extLst>
+                  <a:ext uri="{0D108BD9-81ED-4DB2-BD59-A6C34878D82A}">
+                    <a16:rowId xmlns:a16="http://schemas.microsoft.com/office/drawing/2014/main" val="57400459"/>
+                  </a:ext>
+                </a:extLst>
+              </a:tr>
+              <a:tr h="206964">
+                <a:tc>
+                  <a:txBody>
+                    <a:bodyPr/>
+                    <a:lstStyle/>
+                    <a:p>
+                      <a:pPr algn="l" fontAlgn="b"/>
+                      <a:r>
+                        <a:rPr lang="pt-BR" sz="1200" b="0" u="none" strike="noStrike">
+                          <a:solidFill>
+                            <a:srgbClr val="000000"/>
+                          </a:solidFill>
+                          <a:effectLst/>
+                        </a:rPr>
+                        <a:t>ida=450nm r=5um radius=20um</a:t>
+                      </a:r>
+                      <a:endParaRPr lang="pt-BR" sz="1200" b="0" i="0" u="none" strike="noStrike">
+                        <a:solidFill>
+                          <a:srgbClr val="000000"/>
+                        </a:solidFill>
+                        <a:effectLst/>
+                        <a:latin typeface="Aptos Narrow" panose="020B0004020202020204" pitchFamily="34" charset="0"/>
+                      </a:endParaRPr>
+                    </a:p>
+                  </a:txBody>
+                  <a:tcPr marL="7298" marR="7298" marT="7298" marB="0" anchor="b"/>
+                </a:tc>
+                <a:tc>
+                  <a:txBody>
+                    <a:bodyPr/>
+                    <a:lstStyle/>
+                    <a:p>
+                      <a:pPr algn="r" fontAlgn="b"/>
+                      <a:r>
+                        <a:rPr lang="en-US" sz="1200" b="0" u="none" strike="noStrike">
+                          <a:solidFill>
+                            <a:srgbClr val="000000"/>
+                          </a:solidFill>
+                          <a:effectLst/>
+                        </a:rPr>
+                        <a:t>0.133707475</a:t>
+                      </a:r>
+                      <a:endParaRPr lang="en-US" sz="1200" b="0" i="0" u="none" strike="noStrike">
+                        <a:solidFill>
+                          <a:srgbClr val="000000"/>
+                        </a:solidFill>
+                        <a:effectLst/>
+                        <a:latin typeface="Aptos Narrow" panose="020B0004020202020204" pitchFamily="34" charset="0"/>
+                      </a:endParaRPr>
+                    </a:p>
+                  </a:txBody>
+                  <a:tcPr marL="7298" marR="7298" marT="7298" marB="0" anchor="b"/>
+                </a:tc>
+                <a:tc>
+                  <a:txBody>
+                    <a:bodyPr/>
+                    <a:lstStyle/>
+                    <a:p>
+                      <a:pPr algn="r" fontAlgn="b"/>
+                      <a:r>
+                        <a:rPr lang="en-US" sz="1200" b="0" u="none" strike="noStrike" dirty="0">
+                          <a:solidFill>
+                            <a:srgbClr val="000000"/>
+                          </a:solidFill>
+                          <a:effectLst/>
+                        </a:rPr>
+                        <a:t>0.007467</a:t>
+                      </a:r>
+                      <a:endParaRPr lang="en-US" sz="1200" b="0" i="0" u="none" strike="noStrike" dirty="0">
+                        <a:solidFill>
+                          <a:srgbClr val="000000"/>
+                        </a:solidFill>
+                        <a:effectLst/>
+                        <a:latin typeface="Aptos Narrow" panose="020B0004020202020204" pitchFamily="34" charset="0"/>
+                      </a:endParaRPr>
+                    </a:p>
+                  </a:txBody>
+                  <a:tcPr marL="7298" marR="7298" marT="7298" marB="0" anchor="b"/>
+                </a:tc>
+                <a:tc>
+                  <a:txBody>
+                    <a:bodyPr/>
+                    <a:lstStyle/>
+                    <a:p>
+                      <a:pPr algn="r" fontAlgn="b"/>
+                      <a:r>
+                        <a:rPr lang="en-US" sz="1200" b="0" u="none" strike="noStrike">
+                          <a:solidFill>
+                            <a:srgbClr val="000000"/>
+                          </a:solidFill>
+                          <a:effectLst/>
+                        </a:rPr>
+                        <a:t>1.46E+11</a:t>
+                      </a:r>
+                      <a:endParaRPr lang="en-US" sz="1200" b="0" i="0" u="none" strike="noStrike">
+                        <a:solidFill>
+                          <a:srgbClr val="000000"/>
+                        </a:solidFill>
+                        <a:effectLst/>
+                        <a:latin typeface="Aptos Narrow" panose="020B0004020202020204" pitchFamily="34" charset="0"/>
+                      </a:endParaRPr>
+                    </a:p>
+                  </a:txBody>
+                  <a:tcPr marL="7298" marR="7298" marT="7298" marB="0" anchor="b"/>
+                </a:tc>
+                <a:tc>
+                  <a:txBody>
+                    <a:bodyPr/>
+                    <a:lstStyle/>
+                    <a:p>
+                      <a:pPr algn="l" fontAlgn="b"/>
+                      <a:endParaRPr lang="en-US" sz="1200" b="0" i="0" u="none" strike="noStrike">
+                        <a:solidFill>
+                          <a:srgbClr val="000000"/>
+                        </a:solidFill>
+                        <a:effectLst/>
+                        <a:latin typeface="Aptos Narrow" panose="020B0004020202020204" pitchFamily="34" charset="0"/>
+                      </a:endParaRPr>
+                    </a:p>
+                  </a:txBody>
+                  <a:tcPr marL="7298" marR="7298" marT="7298" marB="0" anchor="b"/>
+                </a:tc>
+                <a:extLst>
+                  <a:ext uri="{0D108BD9-81ED-4DB2-BD59-A6C34878D82A}">
+                    <a16:rowId xmlns:a16="http://schemas.microsoft.com/office/drawing/2014/main" val="3636397304"/>
+                  </a:ext>
+                </a:extLst>
+              </a:tr>
+              <a:tr h="206964">
+                <a:tc>
+                  <a:txBody>
+                    <a:bodyPr/>
+                    <a:lstStyle/>
+                    <a:p>
+                      <a:pPr algn="l" fontAlgn="b"/>
+                      <a:r>
+                        <a:rPr lang="pt-BR" sz="1200" b="0" u="none" strike="noStrike">
+                          <a:solidFill>
+                            <a:srgbClr val="000000"/>
+                          </a:solidFill>
+                          <a:effectLst/>
+                        </a:rPr>
+                        <a:t>ida=450nm r=5um radius=30um</a:t>
+                      </a:r>
+                      <a:endParaRPr lang="pt-BR" sz="1200" b="0" i="0" u="none" strike="noStrike">
+                        <a:solidFill>
+                          <a:srgbClr val="000000"/>
+                        </a:solidFill>
+                        <a:effectLst/>
+                        <a:latin typeface="Aptos Narrow" panose="020B0004020202020204" pitchFamily="34" charset="0"/>
+                      </a:endParaRPr>
+                    </a:p>
+                  </a:txBody>
+                  <a:tcPr marL="7298" marR="7298" marT="7298" marB="0" anchor="b"/>
+                </a:tc>
+                <a:tc>
+                  <a:txBody>
+                    <a:bodyPr/>
+                    <a:lstStyle/>
+                    <a:p>
+                      <a:pPr algn="r" fontAlgn="b"/>
+                      <a:r>
+                        <a:rPr lang="en-US" sz="1200" b="0" u="none" strike="noStrike">
+                          <a:solidFill>
+                            <a:srgbClr val="000000"/>
+                          </a:solidFill>
+                          <a:effectLst/>
+                        </a:rPr>
+                        <a:t>0.144745766</a:t>
+                      </a:r>
+                      <a:endParaRPr lang="en-US" sz="1200" b="0" i="0" u="none" strike="noStrike">
+                        <a:solidFill>
+                          <a:srgbClr val="000000"/>
+                        </a:solidFill>
+                        <a:effectLst/>
+                        <a:latin typeface="Aptos Narrow" panose="020B0004020202020204" pitchFamily="34" charset="0"/>
+                      </a:endParaRPr>
+                    </a:p>
+                  </a:txBody>
+                  <a:tcPr marL="7298" marR="7298" marT="7298" marB="0" anchor="b"/>
+                </a:tc>
+                <a:tc>
+                  <a:txBody>
+                    <a:bodyPr/>
+                    <a:lstStyle/>
+                    <a:p>
+                      <a:pPr algn="r" fontAlgn="b"/>
+                      <a:r>
+                        <a:rPr lang="en-US" sz="1200" b="0" u="none" strike="noStrike">
+                          <a:solidFill>
+                            <a:srgbClr val="000000"/>
+                          </a:solidFill>
+                          <a:effectLst/>
+                        </a:rPr>
+                        <a:t>0.005294</a:t>
+                      </a:r>
+                      <a:endParaRPr lang="en-US" sz="1200" b="0" i="0" u="none" strike="noStrike">
+                        <a:solidFill>
+                          <a:srgbClr val="000000"/>
+                        </a:solidFill>
+                        <a:effectLst/>
+                        <a:latin typeface="Aptos Narrow" panose="020B0004020202020204" pitchFamily="34" charset="0"/>
+                      </a:endParaRPr>
+                    </a:p>
+                  </a:txBody>
+                  <a:tcPr marL="7298" marR="7298" marT="7298" marB="0" anchor="b"/>
+                </a:tc>
+                <a:tc>
+                  <a:txBody>
+                    <a:bodyPr/>
+                    <a:lstStyle/>
+                    <a:p>
+                      <a:pPr algn="r" fontAlgn="b"/>
+                      <a:r>
+                        <a:rPr lang="en-US" sz="1200" b="0" u="none" strike="noStrike">
+                          <a:solidFill>
+                            <a:srgbClr val="000000"/>
+                          </a:solidFill>
+                          <a:effectLst/>
+                        </a:rPr>
+                        <a:t>1.67E+11</a:t>
+                      </a:r>
+                      <a:endParaRPr lang="en-US" sz="1200" b="0" i="0" u="none" strike="noStrike">
+                        <a:solidFill>
+                          <a:srgbClr val="000000"/>
+                        </a:solidFill>
+                        <a:effectLst/>
+                        <a:latin typeface="Aptos Narrow" panose="020B0004020202020204" pitchFamily="34" charset="0"/>
+                      </a:endParaRPr>
+                    </a:p>
+                  </a:txBody>
+                  <a:tcPr marL="7298" marR="7298" marT="7298" marB="0" anchor="b"/>
+                </a:tc>
+                <a:tc>
+                  <a:txBody>
+                    <a:bodyPr/>
+                    <a:lstStyle/>
+                    <a:p>
+                      <a:pPr algn="l" fontAlgn="b"/>
+                      <a:endParaRPr lang="en-US" sz="1200" b="0" i="0" u="none" strike="noStrike">
+                        <a:solidFill>
+                          <a:srgbClr val="000000"/>
+                        </a:solidFill>
+                        <a:effectLst/>
+                        <a:latin typeface="Aptos Narrow" panose="020B0004020202020204" pitchFamily="34" charset="0"/>
+                      </a:endParaRPr>
+                    </a:p>
+                  </a:txBody>
+                  <a:tcPr marL="7298" marR="7298" marT="7298" marB="0" anchor="b"/>
+                </a:tc>
+                <a:extLst>
+                  <a:ext uri="{0D108BD9-81ED-4DB2-BD59-A6C34878D82A}">
+                    <a16:rowId xmlns:a16="http://schemas.microsoft.com/office/drawing/2014/main" val="4170252233"/>
+                  </a:ext>
+                </a:extLst>
+              </a:tr>
+              <a:tr h="206964">
+                <a:tc>
+                  <a:txBody>
+                    <a:bodyPr/>
+                    <a:lstStyle/>
+                    <a:p>
+                      <a:pPr algn="l" fontAlgn="b"/>
+                      <a:r>
+                        <a:rPr lang="pt-BR" sz="1200" b="0" u="none" strike="noStrike">
+                          <a:solidFill>
+                            <a:srgbClr val="000000"/>
+                          </a:solidFill>
+                          <a:effectLst/>
+                        </a:rPr>
+                        <a:t>ida=450nm r=5um radius=6um</a:t>
+                      </a:r>
+                      <a:endParaRPr lang="pt-BR" sz="1200" b="0" i="0" u="none" strike="noStrike">
+                        <a:solidFill>
+                          <a:srgbClr val="000000"/>
+                        </a:solidFill>
+                        <a:effectLst/>
+                        <a:latin typeface="Aptos Narrow" panose="020B0004020202020204" pitchFamily="34" charset="0"/>
+                      </a:endParaRPr>
+                    </a:p>
+                  </a:txBody>
+                  <a:tcPr marL="7298" marR="7298" marT="7298" marB="0" anchor="b"/>
+                </a:tc>
+                <a:tc>
+                  <a:txBody>
+                    <a:bodyPr/>
+                    <a:lstStyle/>
+                    <a:p>
+                      <a:pPr algn="r" fontAlgn="b"/>
+                      <a:r>
+                        <a:rPr lang="en-US" sz="1200" b="0" u="none" strike="noStrike">
+                          <a:solidFill>
+                            <a:srgbClr val="000000"/>
+                          </a:solidFill>
+                          <a:effectLst/>
+                        </a:rPr>
+                        <a:t>0.112173723</a:t>
+                      </a:r>
+                      <a:endParaRPr lang="en-US" sz="1200" b="0" i="0" u="none" strike="noStrike">
+                        <a:solidFill>
+                          <a:srgbClr val="000000"/>
+                        </a:solidFill>
+                        <a:effectLst/>
+                        <a:latin typeface="Aptos Narrow" panose="020B0004020202020204" pitchFamily="34" charset="0"/>
+                      </a:endParaRPr>
+                    </a:p>
+                  </a:txBody>
+                  <a:tcPr marL="7298" marR="7298" marT="7298" marB="0" anchor="b"/>
+                </a:tc>
+                <a:tc>
+                  <a:txBody>
+                    <a:bodyPr/>
+                    <a:lstStyle/>
+                    <a:p>
+                      <a:pPr algn="r" fontAlgn="b"/>
+                      <a:r>
+                        <a:rPr lang="en-US" sz="1200" b="0" u="none" strike="noStrike">
+                          <a:solidFill>
+                            <a:srgbClr val="000000"/>
+                          </a:solidFill>
+                          <a:effectLst/>
+                        </a:rPr>
+                        <a:t>0.017467</a:t>
+                      </a:r>
+                      <a:endParaRPr lang="en-US" sz="1200" b="0" i="0" u="none" strike="noStrike">
+                        <a:solidFill>
+                          <a:srgbClr val="000000"/>
+                        </a:solidFill>
+                        <a:effectLst/>
+                        <a:latin typeface="Aptos Narrow" panose="020B0004020202020204" pitchFamily="34" charset="0"/>
+                      </a:endParaRPr>
+                    </a:p>
+                  </a:txBody>
+                  <a:tcPr marL="7298" marR="7298" marT="7298" marB="0" anchor="b"/>
+                </a:tc>
+                <a:tc>
+                  <a:txBody>
+                    <a:bodyPr/>
+                    <a:lstStyle/>
+                    <a:p>
+                      <a:pPr algn="r" fontAlgn="b"/>
+                      <a:r>
+                        <a:rPr lang="en-US" sz="1200" b="0" u="none" strike="noStrike">
+                          <a:solidFill>
+                            <a:srgbClr val="000000"/>
+                          </a:solidFill>
+                          <a:effectLst/>
+                        </a:rPr>
+                        <a:t>3.80E+11</a:t>
+                      </a:r>
+                      <a:endParaRPr lang="en-US" sz="1200" b="0" i="0" u="none" strike="noStrike">
+                        <a:solidFill>
+                          <a:srgbClr val="000000"/>
+                        </a:solidFill>
+                        <a:effectLst/>
+                        <a:latin typeface="Aptos Narrow" panose="020B0004020202020204" pitchFamily="34" charset="0"/>
+                      </a:endParaRPr>
+                    </a:p>
+                  </a:txBody>
+                  <a:tcPr marL="7298" marR="7298" marT="7298" marB="0" anchor="b"/>
+                </a:tc>
+                <a:tc>
+                  <a:txBody>
+                    <a:bodyPr/>
+                    <a:lstStyle/>
+                    <a:p>
+                      <a:pPr algn="l" fontAlgn="b"/>
+                      <a:endParaRPr lang="en-US" sz="1200" b="0" i="0" u="none" strike="noStrike">
+                        <a:solidFill>
+                          <a:srgbClr val="000000"/>
+                        </a:solidFill>
+                        <a:effectLst/>
+                        <a:latin typeface="Aptos Narrow" panose="020B0004020202020204" pitchFamily="34" charset="0"/>
+                      </a:endParaRPr>
+                    </a:p>
+                  </a:txBody>
+                  <a:tcPr marL="7298" marR="7298" marT="7298" marB="0" anchor="b"/>
+                </a:tc>
+                <a:extLst>
+                  <a:ext uri="{0D108BD9-81ED-4DB2-BD59-A6C34878D82A}">
+                    <a16:rowId xmlns:a16="http://schemas.microsoft.com/office/drawing/2014/main" val="645183706"/>
+                  </a:ext>
+                </a:extLst>
+              </a:tr>
+              <a:tr h="206964">
+                <a:tc>
+                  <a:txBody>
+                    <a:bodyPr/>
+                    <a:lstStyle/>
+                    <a:p>
+                      <a:pPr algn="l" fontAlgn="b"/>
+                      <a:r>
+                        <a:rPr lang="pt-BR" sz="1200" b="0" u="none" strike="noStrike">
+                          <a:solidFill>
+                            <a:srgbClr val="000000"/>
+                          </a:solidFill>
+                          <a:effectLst/>
+                        </a:rPr>
+                        <a:t>ida=450nm r=6um radius=10um</a:t>
+                      </a:r>
+                      <a:endParaRPr lang="pt-BR" sz="1200" b="0" i="0" u="none" strike="noStrike">
+                        <a:solidFill>
+                          <a:srgbClr val="000000"/>
+                        </a:solidFill>
+                        <a:effectLst/>
+                        <a:latin typeface="Aptos Narrow" panose="020B0004020202020204" pitchFamily="34" charset="0"/>
+                      </a:endParaRPr>
+                    </a:p>
+                  </a:txBody>
+                  <a:tcPr marL="7298" marR="7298" marT="7298" marB="0" anchor="b"/>
+                </a:tc>
+                <a:tc>
+                  <a:txBody>
+                    <a:bodyPr/>
+                    <a:lstStyle/>
+                    <a:p>
+                      <a:pPr algn="r" fontAlgn="b"/>
+                      <a:r>
+                        <a:rPr lang="en-US" sz="1200" b="0" u="none" strike="noStrike">
+                          <a:solidFill>
+                            <a:srgbClr val="000000"/>
+                          </a:solidFill>
+                          <a:effectLst/>
+                        </a:rPr>
+                        <a:t>0.126087494</a:t>
+                      </a:r>
+                      <a:endParaRPr lang="en-US" sz="1200" b="0" i="0" u="none" strike="noStrike">
+                        <a:solidFill>
+                          <a:srgbClr val="000000"/>
+                        </a:solidFill>
+                        <a:effectLst/>
+                        <a:latin typeface="Aptos Narrow" panose="020B0004020202020204" pitchFamily="34" charset="0"/>
+                      </a:endParaRPr>
+                    </a:p>
+                  </a:txBody>
+                  <a:tcPr marL="7298" marR="7298" marT="7298" marB="0" anchor="b"/>
+                </a:tc>
+                <a:tc>
+                  <a:txBody>
+                    <a:bodyPr/>
+                    <a:lstStyle/>
+                    <a:p>
+                      <a:pPr algn="r" fontAlgn="b"/>
+                      <a:r>
+                        <a:rPr lang="en-US" sz="1200" b="0" u="none" strike="noStrike" dirty="0">
+                          <a:solidFill>
+                            <a:srgbClr val="000000"/>
+                          </a:solidFill>
+                          <a:effectLst/>
+                        </a:rPr>
+                        <a:t>0.011821</a:t>
+                      </a:r>
+                      <a:endParaRPr lang="en-US" sz="1200" b="0" i="0" u="none" strike="noStrike" dirty="0">
+                        <a:solidFill>
+                          <a:srgbClr val="000000"/>
+                        </a:solidFill>
+                        <a:effectLst/>
+                        <a:latin typeface="Aptos Narrow" panose="020B0004020202020204" pitchFamily="34" charset="0"/>
+                      </a:endParaRPr>
+                    </a:p>
+                  </a:txBody>
+                  <a:tcPr marL="7298" marR="7298" marT="7298" marB="0" anchor="b"/>
+                </a:tc>
+                <a:tc>
+                  <a:txBody>
+                    <a:bodyPr/>
+                    <a:lstStyle/>
+                    <a:p>
+                      <a:pPr algn="r" fontAlgn="b"/>
+                      <a:r>
+                        <a:rPr lang="en-US" sz="1200" b="0" u="none" strike="noStrike">
+                          <a:solidFill>
+                            <a:srgbClr val="000000"/>
+                          </a:solidFill>
+                          <a:effectLst/>
+                        </a:rPr>
+                        <a:t>1.39E+12</a:t>
+                      </a:r>
+                      <a:endParaRPr lang="en-US" sz="1200" b="0" i="0" u="none" strike="noStrike">
+                        <a:solidFill>
+                          <a:srgbClr val="000000"/>
+                        </a:solidFill>
+                        <a:effectLst/>
+                        <a:latin typeface="Aptos Narrow" panose="020B0004020202020204" pitchFamily="34" charset="0"/>
+                      </a:endParaRPr>
+                    </a:p>
+                  </a:txBody>
+                  <a:tcPr marL="7298" marR="7298" marT="7298" marB="0" anchor="b"/>
+                </a:tc>
+                <a:tc>
+                  <a:txBody>
+                    <a:bodyPr/>
+                    <a:lstStyle/>
+                    <a:p>
+                      <a:pPr algn="l" fontAlgn="b"/>
+                      <a:endParaRPr lang="en-US" sz="1200" b="0" i="0" u="none" strike="noStrike">
+                        <a:solidFill>
+                          <a:srgbClr val="000000"/>
+                        </a:solidFill>
+                        <a:effectLst/>
+                        <a:latin typeface="Aptos Narrow" panose="020B0004020202020204" pitchFamily="34" charset="0"/>
+                      </a:endParaRPr>
+                    </a:p>
+                  </a:txBody>
+                  <a:tcPr marL="7298" marR="7298" marT="7298" marB="0" anchor="b"/>
+                </a:tc>
+                <a:extLst>
+                  <a:ext uri="{0D108BD9-81ED-4DB2-BD59-A6C34878D82A}">
+                    <a16:rowId xmlns:a16="http://schemas.microsoft.com/office/drawing/2014/main" val="3761843800"/>
+                  </a:ext>
+                </a:extLst>
+              </a:tr>
+              <a:tr h="206964">
+                <a:tc>
+                  <a:txBody>
+                    <a:bodyPr/>
+                    <a:lstStyle/>
+                    <a:p>
+                      <a:pPr algn="l" fontAlgn="b"/>
+                      <a:r>
+                        <a:rPr lang="pt-BR" sz="1200" b="0" u="none" strike="noStrike">
+                          <a:solidFill>
+                            <a:srgbClr val="000000"/>
+                          </a:solidFill>
+                          <a:effectLst/>
+                        </a:rPr>
+                        <a:t>ida=450nm r=6um radius=15um</a:t>
+                      </a:r>
+                      <a:endParaRPr lang="pt-BR" sz="1200" b="0" i="0" u="none" strike="noStrike">
+                        <a:solidFill>
+                          <a:srgbClr val="000000"/>
+                        </a:solidFill>
+                        <a:effectLst/>
+                        <a:latin typeface="Aptos Narrow" panose="020B0004020202020204" pitchFamily="34" charset="0"/>
+                      </a:endParaRPr>
+                    </a:p>
+                  </a:txBody>
+                  <a:tcPr marL="7298" marR="7298" marT="7298" marB="0" anchor="b"/>
+                </a:tc>
+                <a:tc>
+                  <a:txBody>
+                    <a:bodyPr/>
+                    <a:lstStyle/>
+                    <a:p>
+                      <a:pPr algn="r" fontAlgn="b"/>
+                      <a:r>
+                        <a:rPr lang="en-US" sz="1200" b="0" u="none" strike="noStrike">
+                          <a:solidFill>
+                            <a:srgbClr val="000000"/>
+                          </a:solidFill>
+                          <a:effectLst/>
+                        </a:rPr>
+                        <a:t>0.133747007</a:t>
+                      </a:r>
+                      <a:endParaRPr lang="en-US" sz="1200" b="0" i="0" u="none" strike="noStrike">
+                        <a:solidFill>
+                          <a:srgbClr val="000000"/>
+                        </a:solidFill>
+                        <a:effectLst/>
+                        <a:latin typeface="Aptos Narrow" panose="020B0004020202020204" pitchFamily="34" charset="0"/>
+                      </a:endParaRPr>
+                    </a:p>
+                  </a:txBody>
+                  <a:tcPr marL="7298" marR="7298" marT="7298" marB="0" anchor="b"/>
+                </a:tc>
+                <a:tc>
+                  <a:txBody>
+                    <a:bodyPr/>
+                    <a:lstStyle/>
+                    <a:p>
+                      <a:pPr algn="r" fontAlgn="b"/>
+                      <a:r>
+                        <a:rPr lang="en-US" sz="1200" b="0" u="none" strike="noStrike">
+                          <a:solidFill>
+                            <a:srgbClr val="000000"/>
+                          </a:solidFill>
+                          <a:effectLst/>
+                        </a:rPr>
+                        <a:t>0.008928</a:t>
+                      </a:r>
+                      <a:endParaRPr lang="en-US" sz="1200" b="0" i="0" u="none" strike="noStrike">
+                        <a:solidFill>
+                          <a:srgbClr val="000000"/>
+                        </a:solidFill>
+                        <a:effectLst/>
+                        <a:latin typeface="Aptos Narrow" panose="020B0004020202020204" pitchFamily="34" charset="0"/>
+                      </a:endParaRPr>
+                    </a:p>
+                  </a:txBody>
+                  <a:tcPr marL="7298" marR="7298" marT="7298" marB="0" anchor="b"/>
+                </a:tc>
+                <a:tc>
+                  <a:txBody>
+                    <a:bodyPr/>
+                    <a:lstStyle/>
+                    <a:p>
+                      <a:pPr algn="r" fontAlgn="b"/>
+                      <a:r>
+                        <a:rPr lang="en-US" sz="1200" b="0" u="none" strike="noStrike">
+                          <a:solidFill>
+                            <a:srgbClr val="000000"/>
+                          </a:solidFill>
+                          <a:effectLst/>
+                        </a:rPr>
+                        <a:t>4.58E+11</a:t>
+                      </a:r>
+                      <a:endParaRPr lang="en-US" sz="1200" b="0" i="0" u="none" strike="noStrike">
+                        <a:solidFill>
+                          <a:srgbClr val="000000"/>
+                        </a:solidFill>
+                        <a:effectLst/>
+                        <a:latin typeface="Aptos Narrow" panose="020B0004020202020204" pitchFamily="34" charset="0"/>
+                      </a:endParaRPr>
+                    </a:p>
+                  </a:txBody>
+                  <a:tcPr marL="7298" marR="7298" marT="7298" marB="0" anchor="b"/>
+                </a:tc>
+                <a:tc>
+                  <a:txBody>
+                    <a:bodyPr/>
+                    <a:lstStyle/>
+                    <a:p>
+                      <a:pPr algn="l" fontAlgn="b"/>
+                      <a:endParaRPr lang="en-US" sz="1200" b="0" i="0" u="none" strike="noStrike">
+                        <a:solidFill>
+                          <a:srgbClr val="000000"/>
+                        </a:solidFill>
+                        <a:effectLst/>
+                        <a:latin typeface="Aptos Narrow" panose="020B0004020202020204" pitchFamily="34" charset="0"/>
+                      </a:endParaRPr>
+                    </a:p>
+                  </a:txBody>
+                  <a:tcPr marL="7298" marR="7298" marT="7298" marB="0" anchor="b"/>
+                </a:tc>
+                <a:extLst>
+                  <a:ext uri="{0D108BD9-81ED-4DB2-BD59-A6C34878D82A}">
+                    <a16:rowId xmlns:a16="http://schemas.microsoft.com/office/drawing/2014/main" val="3947788636"/>
+                  </a:ext>
+                </a:extLst>
+              </a:tr>
+              <a:tr h="206964">
+                <a:tc>
+                  <a:txBody>
+                    <a:bodyPr/>
+                    <a:lstStyle/>
+                    <a:p>
+                      <a:pPr algn="l" fontAlgn="b"/>
+                      <a:r>
+                        <a:rPr lang="pt-BR" sz="1200" b="0" u="none" strike="noStrike">
+                          <a:solidFill>
+                            <a:srgbClr val="000000"/>
+                          </a:solidFill>
+                          <a:effectLst/>
+                        </a:rPr>
+                        <a:t>ida=450nm r=6um radius=20um</a:t>
+                      </a:r>
+                      <a:endParaRPr lang="pt-BR" sz="1200" b="0" i="0" u="none" strike="noStrike">
+                        <a:solidFill>
+                          <a:srgbClr val="000000"/>
+                        </a:solidFill>
+                        <a:effectLst/>
+                        <a:latin typeface="Aptos Narrow" panose="020B0004020202020204" pitchFamily="34" charset="0"/>
+                      </a:endParaRPr>
+                    </a:p>
+                  </a:txBody>
+                  <a:tcPr marL="7298" marR="7298" marT="7298" marB="0" anchor="b"/>
+                </a:tc>
+                <a:tc>
+                  <a:txBody>
+                    <a:bodyPr/>
+                    <a:lstStyle/>
+                    <a:p>
+                      <a:pPr algn="r" fontAlgn="b"/>
+                      <a:r>
+                        <a:rPr lang="en-US" sz="1200" b="0" u="none" strike="noStrike">
+                          <a:solidFill>
+                            <a:srgbClr val="000000"/>
+                          </a:solidFill>
+                          <a:effectLst/>
+                        </a:rPr>
+                        <a:t>0.140356929</a:t>
+                      </a:r>
+                      <a:endParaRPr lang="en-US" sz="1200" b="0" i="0" u="none" strike="noStrike">
+                        <a:solidFill>
+                          <a:srgbClr val="000000"/>
+                        </a:solidFill>
+                        <a:effectLst/>
+                        <a:latin typeface="Aptos Narrow" panose="020B0004020202020204" pitchFamily="34" charset="0"/>
+                      </a:endParaRPr>
+                    </a:p>
+                  </a:txBody>
+                  <a:tcPr marL="7298" marR="7298" marT="7298" marB="0" anchor="b"/>
+                </a:tc>
+                <a:tc>
+                  <a:txBody>
+                    <a:bodyPr/>
+                    <a:lstStyle/>
+                    <a:p>
+                      <a:pPr algn="r" fontAlgn="b"/>
+                      <a:r>
+                        <a:rPr lang="en-US" sz="1200" b="0" u="none" strike="noStrike" dirty="0">
+                          <a:solidFill>
+                            <a:srgbClr val="000000"/>
+                          </a:solidFill>
+                          <a:effectLst/>
+                        </a:rPr>
+                        <a:t>0.00717</a:t>
+                      </a:r>
+                      <a:endParaRPr lang="en-US" sz="1200" b="0" i="0" u="none" strike="noStrike" dirty="0">
+                        <a:solidFill>
+                          <a:srgbClr val="000000"/>
+                        </a:solidFill>
+                        <a:effectLst/>
+                        <a:latin typeface="Aptos Narrow" panose="020B0004020202020204" pitchFamily="34" charset="0"/>
+                      </a:endParaRPr>
+                    </a:p>
+                  </a:txBody>
+                  <a:tcPr marL="7298" marR="7298" marT="7298" marB="0" anchor="b"/>
+                </a:tc>
+                <a:tc>
+                  <a:txBody>
+                    <a:bodyPr/>
+                    <a:lstStyle/>
+                    <a:p>
+                      <a:pPr algn="r" fontAlgn="b"/>
+                      <a:r>
+                        <a:rPr lang="en-US" sz="1200" b="0" u="none" strike="noStrike">
+                          <a:solidFill>
+                            <a:srgbClr val="000000"/>
+                          </a:solidFill>
+                          <a:effectLst/>
+                        </a:rPr>
+                        <a:t>8.90E+11</a:t>
+                      </a:r>
+                      <a:endParaRPr lang="en-US" sz="1200" b="0" i="0" u="none" strike="noStrike">
+                        <a:solidFill>
+                          <a:srgbClr val="000000"/>
+                        </a:solidFill>
+                        <a:effectLst/>
+                        <a:latin typeface="Aptos Narrow" panose="020B0004020202020204" pitchFamily="34" charset="0"/>
+                      </a:endParaRPr>
+                    </a:p>
+                  </a:txBody>
+                  <a:tcPr marL="7298" marR="7298" marT="7298" marB="0" anchor="b"/>
+                </a:tc>
+                <a:tc>
+                  <a:txBody>
+                    <a:bodyPr/>
+                    <a:lstStyle/>
+                    <a:p>
+                      <a:pPr algn="l" fontAlgn="b"/>
+                      <a:endParaRPr lang="en-US" sz="1200" b="0" i="0" u="none" strike="noStrike">
+                        <a:solidFill>
+                          <a:srgbClr val="000000"/>
+                        </a:solidFill>
+                        <a:effectLst/>
+                        <a:latin typeface="Aptos Narrow" panose="020B0004020202020204" pitchFamily="34" charset="0"/>
+                      </a:endParaRPr>
+                    </a:p>
+                  </a:txBody>
+                  <a:tcPr marL="7298" marR="7298" marT="7298" marB="0" anchor="b"/>
+                </a:tc>
+                <a:extLst>
+                  <a:ext uri="{0D108BD9-81ED-4DB2-BD59-A6C34878D82A}">
+                    <a16:rowId xmlns:a16="http://schemas.microsoft.com/office/drawing/2014/main" val="672391897"/>
+                  </a:ext>
+                </a:extLst>
+              </a:tr>
+              <a:tr h="206964">
+                <a:tc>
+                  <a:txBody>
+                    <a:bodyPr/>
+                    <a:lstStyle/>
+                    <a:p>
+                      <a:pPr algn="l" fontAlgn="b"/>
+                      <a:r>
+                        <a:rPr lang="pt-BR" sz="1200" b="0" u="none" strike="noStrike">
+                          <a:solidFill>
+                            <a:srgbClr val="000000"/>
+                          </a:solidFill>
+                          <a:effectLst/>
+                        </a:rPr>
+                        <a:t>ida=450nm r=6um radius=30um</a:t>
+                      </a:r>
+                      <a:endParaRPr lang="pt-BR" sz="1200" b="0" i="0" u="none" strike="noStrike">
+                        <a:solidFill>
+                          <a:srgbClr val="000000"/>
+                        </a:solidFill>
+                        <a:effectLst/>
+                        <a:latin typeface="Aptos Narrow" panose="020B0004020202020204" pitchFamily="34" charset="0"/>
+                      </a:endParaRPr>
+                    </a:p>
+                  </a:txBody>
+                  <a:tcPr marL="7298" marR="7298" marT="7298" marB="0" anchor="b"/>
+                </a:tc>
+                <a:tc>
+                  <a:txBody>
+                    <a:bodyPr/>
+                    <a:lstStyle/>
+                    <a:p>
+                      <a:pPr algn="r" fontAlgn="b"/>
+                      <a:r>
+                        <a:rPr lang="en-US" sz="1200" b="0" u="none" strike="noStrike">
+                          <a:solidFill>
+                            <a:srgbClr val="000000"/>
+                          </a:solidFill>
+                          <a:effectLst/>
+                        </a:rPr>
+                        <a:t>0.151471417</a:t>
+                      </a:r>
+                      <a:endParaRPr lang="en-US" sz="1200" b="0" i="0" u="none" strike="noStrike">
+                        <a:solidFill>
+                          <a:srgbClr val="000000"/>
+                        </a:solidFill>
+                        <a:effectLst/>
+                        <a:latin typeface="Aptos Narrow" panose="020B0004020202020204" pitchFamily="34" charset="0"/>
+                      </a:endParaRPr>
+                    </a:p>
+                  </a:txBody>
+                  <a:tcPr marL="7298" marR="7298" marT="7298" marB="0" anchor="b"/>
+                </a:tc>
+                <a:tc>
+                  <a:txBody>
+                    <a:bodyPr/>
+                    <a:lstStyle/>
+                    <a:p>
+                      <a:pPr algn="r" fontAlgn="b"/>
+                      <a:r>
+                        <a:rPr lang="en-US" sz="1200" b="0" u="none" strike="noStrike">
+                          <a:solidFill>
+                            <a:srgbClr val="000000"/>
+                          </a:solidFill>
+                          <a:effectLst/>
+                        </a:rPr>
+                        <a:t>0.005141</a:t>
+                      </a:r>
+                      <a:endParaRPr lang="en-US" sz="1200" b="0" i="0" u="none" strike="noStrike">
+                        <a:solidFill>
+                          <a:srgbClr val="000000"/>
+                        </a:solidFill>
+                        <a:effectLst/>
+                        <a:latin typeface="Aptos Narrow" panose="020B0004020202020204" pitchFamily="34" charset="0"/>
+                      </a:endParaRPr>
+                    </a:p>
+                  </a:txBody>
+                  <a:tcPr marL="7298" marR="7298" marT="7298" marB="0" anchor="b"/>
+                </a:tc>
+                <a:tc>
+                  <a:txBody>
+                    <a:bodyPr/>
+                    <a:lstStyle/>
+                    <a:p>
+                      <a:pPr algn="r" fontAlgn="b"/>
+                      <a:r>
+                        <a:rPr lang="en-US" sz="1200" b="0" u="none" strike="noStrike">
+                          <a:solidFill>
+                            <a:srgbClr val="000000"/>
+                          </a:solidFill>
+                          <a:effectLst/>
+                        </a:rPr>
+                        <a:t>4.47E+11</a:t>
+                      </a:r>
+                      <a:endParaRPr lang="en-US" sz="1200" b="0" i="0" u="none" strike="noStrike">
+                        <a:solidFill>
+                          <a:srgbClr val="000000"/>
+                        </a:solidFill>
+                        <a:effectLst/>
+                        <a:latin typeface="Aptos Narrow" panose="020B0004020202020204" pitchFamily="34" charset="0"/>
+                      </a:endParaRPr>
+                    </a:p>
+                  </a:txBody>
+                  <a:tcPr marL="7298" marR="7298" marT="7298" marB="0" anchor="b"/>
+                </a:tc>
+                <a:tc>
+                  <a:txBody>
+                    <a:bodyPr/>
+                    <a:lstStyle/>
+                    <a:p>
+                      <a:pPr algn="l" fontAlgn="b"/>
+                      <a:endParaRPr lang="en-US" sz="1200" b="0" i="0" u="none" strike="noStrike">
+                        <a:solidFill>
+                          <a:srgbClr val="000000"/>
+                        </a:solidFill>
+                        <a:effectLst/>
+                        <a:latin typeface="Aptos Narrow" panose="020B0004020202020204" pitchFamily="34" charset="0"/>
+                      </a:endParaRPr>
+                    </a:p>
+                  </a:txBody>
+                  <a:tcPr marL="7298" marR="7298" marT="7298" marB="0" anchor="b"/>
+                </a:tc>
+                <a:extLst>
+                  <a:ext uri="{0D108BD9-81ED-4DB2-BD59-A6C34878D82A}">
+                    <a16:rowId xmlns:a16="http://schemas.microsoft.com/office/drawing/2014/main" val="3707398123"/>
+                  </a:ext>
+                </a:extLst>
+              </a:tr>
+              <a:tr h="206964">
+                <a:tc>
+                  <a:txBody>
+                    <a:bodyPr/>
+                    <a:lstStyle/>
+                    <a:p>
+                      <a:pPr algn="l" fontAlgn="b"/>
+                      <a:r>
+                        <a:rPr lang="pt-BR" sz="1200" b="0" u="none" strike="noStrike">
+                          <a:solidFill>
+                            <a:srgbClr val="000000"/>
+                          </a:solidFill>
+                          <a:effectLst/>
+                        </a:rPr>
+                        <a:t>ida=450nm r=6um radius=6um</a:t>
+                      </a:r>
+                      <a:endParaRPr lang="pt-BR" sz="1200" b="0" i="0" u="none" strike="noStrike">
+                        <a:solidFill>
+                          <a:srgbClr val="000000"/>
+                        </a:solidFill>
+                        <a:effectLst/>
+                        <a:latin typeface="Aptos Narrow" panose="020B0004020202020204" pitchFamily="34" charset="0"/>
+                      </a:endParaRPr>
+                    </a:p>
+                  </a:txBody>
+                  <a:tcPr marL="7298" marR="7298" marT="7298" marB="0" anchor="b"/>
+                </a:tc>
+                <a:tc>
+                  <a:txBody>
+                    <a:bodyPr/>
+                    <a:lstStyle/>
+                    <a:p>
+                      <a:pPr algn="r" fontAlgn="b"/>
+                      <a:r>
+                        <a:rPr lang="en-US" sz="1200" b="0" u="none" strike="noStrike">
+                          <a:solidFill>
+                            <a:srgbClr val="000000"/>
+                          </a:solidFill>
+                          <a:effectLst/>
+                        </a:rPr>
+                        <a:t>0.118894769</a:t>
+                      </a:r>
+                      <a:endParaRPr lang="en-US" sz="1200" b="0" i="0" u="none" strike="noStrike">
+                        <a:solidFill>
+                          <a:srgbClr val="000000"/>
+                        </a:solidFill>
+                        <a:effectLst/>
+                        <a:latin typeface="Aptos Narrow" panose="020B0004020202020204" pitchFamily="34" charset="0"/>
+                      </a:endParaRPr>
+                    </a:p>
+                  </a:txBody>
+                  <a:tcPr marL="7298" marR="7298" marT="7298" marB="0" anchor="b"/>
+                </a:tc>
+                <a:tc>
+                  <a:txBody>
+                    <a:bodyPr/>
+                    <a:lstStyle/>
+                    <a:p>
+                      <a:pPr algn="r" fontAlgn="b"/>
+                      <a:r>
+                        <a:rPr lang="en-US" sz="1200" b="0" u="none" strike="noStrike">
+                          <a:solidFill>
+                            <a:srgbClr val="000000"/>
+                          </a:solidFill>
+                          <a:effectLst/>
+                        </a:rPr>
+                        <a:t>0.015944</a:t>
+                      </a:r>
+                      <a:endParaRPr lang="en-US" sz="1200" b="0" i="0" u="none" strike="noStrike">
+                        <a:solidFill>
+                          <a:srgbClr val="000000"/>
+                        </a:solidFill>
+                        <a:effectLst/>
+                        <a:latin typeface="Aptos Narrow" panose="020B0004020202020204" pitchFamily="34" charset="0"/>
+                      </a:endParaRPr>
+                    </a:p>
+                  </a:txBody>
+                  <a:tcPr marL="7298" marR="7298" marT="7298" marB="0" anchor="b"/>
+                </a:tc>
+                <a:tc>
+                  <a:txBody>
+                    <a:bodyPr/>
+                    <a:lstStyle/>
+                    <a:p>
+                      <a:pPr algn="r" fontAlgn="b"/>
+                      <a:r>
+                        <a:rPr lang="en-US" sz="1200" b="0" u="none" strike="noStrike">
+                          <a:solidFill>
+                            <a:srgbClr val="000000"/>
+                          </a:solidFill>
+                          <a:effectLst/>
+                        </a:rPr>
+                        <a:t>1.30E+11</a:t>
+                      </a:r>
+                      <a:endParaRPr lang="en-US" sz="1200" b="0" i="0" u="none" strike="noStrike">
+                        <a:solidFill>
+                          <a:srgbClr val="000000"/>
+                        </a:solidFill>
+                        <a:effectLst/>
+                        <a:latin typeface="Aptos Narrow" panose="020B0004020202020204" pitchFamily="34" charset="0"/>
+                      </a:endParaRPr>
+                    </a:p>
+                  </a:txBody>
+                  <a:tcPr marL="7298" marR="7298" marT="7298" marB="0" anchor="b"/>
+                </a:tc>
+                <a:tc>
+                  <a:txBody>
+                    <a:bodyPr/>
+                    <a:lstStyle/>
+                    <a:p>
+                      <a:pPr algn="l" fontAlgn="b"/>
+                      <a:endParaRPr lang="en-US" sz="1200" b="0" i="0" u="none" strike="noStrike">
+                        <a:solidFill>
+                          <a:srgbClr val="000000"/>
+                        </a:solidFill>
+                        <a:effectLst/>
+                        <a:latin typeface="Aptos Narrow" panose="020B0004020202020204" pitchFamily="34" charset="0"/>
+                      </a:endParaRPr>
+                    </a:p>
+                  </a:txBody>
+                  <a:tcPr marL="7298" marR="7298" marT="7298" marB="0" anchor="b"/>
+                </a:tc>
+                <a:extLst>
+                  <a:ext uri="{0D108BD9-81ED-4DB2-BD59-A6C34878D82A}">
+                    <a16:rowId xmlns:a16="http://schemas.microsoft.com/office/drawing/2014/main" val="3319661559"/>
+                  </a:ext>
+                </a:extLst>
+              </a:tr>
+              <a:tr h="206964">
+                <a:tc>
+                  <a:txBody>
+                    <a:bodyPr/>
+                    <a:lstStyle/>
+                    <a:p>
+                      <a:pPr algn="l" fontAlgn="b"/>
+                      <a:r>
+                        <a:rPr lang="en-US" sz="1200" b="0" u="none" strike="noStrike">
+                          <a:solidFill>
+                            <a:srgbClr val="FF0000"/>
+                          </a:solidFill>
+                          <a:effectLst/>
+                        </a:rPr>
+                        <a:t>Small Size</a:t>
+                      </a:r>
+                      <a:endParaRPr lang="en-US" sz="1200" b="0" i="0" u="none" strike="noStrike">
+                        <a:solidFill>
+                          <a:srgbClr val="FF0000"/>
+                        </a:solidFill>
+                        <a:effectLst/>
+                        <a:latin typeface="Aptos Narrow" panose="020B0004020202020204" pitchFamily="34" charset="0"/>
+                      </a:endParaRPr>
+                    </a:p>
+                  </a:txBody>
+                  <a:tcPr marL="7298" marR="7298" marT="7298" marB="0" anchor="b"/>
+                </a:tc>
+                <a:tc>
+                  <a:txBody>
+                    <a:bodyPr/>
+                    <a:lstStyle/>
+                    <a:p>
+                      <a:pPr algn="l" fontAlgn="b"/>
+                      <a:endParaRPr lang="en-US" sz="1200" b="0" i="0" u="none" strike="noStrike">
+                        <a:solidFill>
+                          <a:srgbClr val="000000"/>
+                        </a:solidFill>
+                        <a:effectLst/>
+                        <a:latin typeface="Aptos Narrow" panose="020B0004020202020204" pitchFamily="34" charset="0"/>
+                      </a:endParaRPr>
+                    </a:p>
+                  </a:txBody>
+                  <a:tcPr marL="7298" marR="7298" marT="7298" marB="0" anchor="b"/>
+                </a:tc>
+                <a:tc>
+                  <a:txBody>
+                    <a:bodyPr/>
+                    <a:lstStyle/>
+                    <a:p>
+                      <a:pPr algn="l" fontAlgn="b"/>
+                      <a:endParaRPr lang="en-US" sz="1200" b="0" i="0" u="none" strike="noStrike">
+                        <a:solidFill>
+                          <a:srgbClr val="000000"/>
+                        </a:solidFill>
+                        <a:effectLst/>
+                        <a:latin typeface="Aptos Narrow" panose="020B0004020202020204" pitchFamily="34" charset="0"/>
+                      </a:endParaRPr>
+                    </a:p>
+                  </a:txBody>
+                  <a:tcPr marL="7298" marR="7298" marT="7298" marB="0" anchor="b"/>
+                </a:tc>
+                <a:tc>
+                  <a:txBody>
+                    <a:bodyPr/>
+                    <a:lstStyle/>
+                    <a:p>
+                      <a:pPr algn="l" fontAlgn="b"/>
+                      <a:endParaRPr lang="en-US" sz="1200" b="0" i="0" u="none" strike="noStrike" dirty="0">
+                        <a:solidFill>
+                          <a:srgbClr val="000000"/>
+                        </a:solidFill>
+                        <a:effectLst/>
+                        <a:latin typeface="Aptos Narrow" panose="020B0004020202020204" pitchFamily="34" charset="0"/>
+                      </a:endParaRPr>
+                    </a:p>
+                  </a:txBody>
+                  <a:tcPr marL="7298" marR="7298" marT="7298" marB="0" anchor="b"/>
+                </a:tc>
+                <a:tc>
+                  <a:txBody>
+                    <a:bodyPr/>
+                    <a:lstStyle/>
+                    <a:p>
+                      <a:pPr algn="l" fontAlgn="b"/>
+                      <a:endParaRPr lang="en-US" sz="1200" b="0" i="0" u="none" strike="noStrike">
+                        <a:solidFill>
+                          <a:srgbClr val="000000"/>
+                        </a:solidFill>
+                        <a:effectLst/>
+                        <a:latin typeface="Aptos Narrow" panose="020B0004020202020204" pitchFamily="34" charset="0"/>
+                      </a:endParaRPr>
+                    </a:p>
+                  </a:txBody>
+                  <a:tcPr marL="7298" marR="7298" marT="7298" marB="0" anchor="b"/>
+                </a:tc>
+                <a:extLst>
+                  <a:ext uri="{0D108BD9-81ED-4DB2-BD59-A6C34878D82A}">
+                    <a16:rowId xmlns:a16="http://schemas.microsoft.com/office/drawing/2014/main" val="3715830961"/>
+                  </a:ext>
+                </a:extLst>
+              </a:tr>
+              <a:tr h="206964">
+                <a:tc>
+                  <a:txBody>
+                    <a:bodyPr/>
+                    <a:lstStyle/>
+                    <a:p>
+                      <a:pPr algn="l" fontAlgn="b"/>
+                      <a:r>
+                        <a:rPr lang="pt-BR" sz="1200" b="0" u="none" strike="noStrike">
+                          <a:solidFill>
+                            <a:srgbClr val="000000"/>
+                          </a:solidFill>
+                          <a:effectLst/>
+                        </a:rPr>
+                        <a:t>ida=450nm r=1.5um radius=10um</a:t>
+                      </a:r>
+                      <a:endParaRPr lang="pt-BR" sz="1200" b="0" i="0" u="none" strike="noStrike">
+                        <a:solidFill>
+                          <a:srgbClr val="000000"/>
+                        </a:solidFill>
+                        <a:effectLst/>
+                        <a:latin typeface="Aptos Narrow" panose="020B0004020202020204" pitchFamily="34" charset="0"/>
+                      </a:endParaRPr>
+                    </a:p>
+                  </a:txBody>
+                  <a:tcPr marL="7298" marR="7298" marT="7298" marB="0" anchor="b"/>
+                </a:tc>
+                <a:tc>
+                  <a:txBody>
+                    <a:bodyPr/>
+                    <a:lstStyle/>
+                    <a:p>
+                      <a:pPr algn="r" fontAlgn="b"/>
+                      <a:r>
+                        <a:rPr lang="en-US" sz="1200" b="0" u="none" strike="noStrike">
+                          <a:solidFill>
+                            <a:srgbClr val="000000"/>
+                          </a:solidFill>
+                          <a:effectLst/>
+                        </a:rPr>
+                        <a:t>0.088392198</a:t>
+                      </a:r>
+                      <a:endParaRPr lang="en-US" sz="1200" b="0" i="0" u="none" strike="noStrike">
+                        <a:solidFill>
+                          <a:srgbClr val="000000"/>
+                        </a:solidFill>
+                        <a:effectLst/>
+                        <a:latin typeface="Aptos Narrow" panose="020B0004020202020204" pitchFamily="34" charset="0"/>
+                      </a:endParaRPr>
+                    </a:p>
+                  </a:txBody>
+                  <a:tcPr marL="7298" marR="7298" marT="7298" marB="0" anchor="b"/>
+                </a:tc>
+                <a:tc>
+                  <a:txBody>
+                    <a:bodyPr/>
+                    <a:lstStyle/>
+                    <a:p>
+                      <a:pPr algn="r" fontAlgn="b"/>
+                      <a:r>
+                        <a:rPr lang="en-US" sz="1200" b="0" u="none" strike="noStrike">
+                          <a:solidFill>
+                            <a:srgbClr val="000000"/>
+                          </a:solidFill>
+                          <a:effectLst/>
+                        </a:rPr>
+                        <a:t>0.016799</a:t>
+                      </a:r>
+                      <a:endParaRPr lang="en-US" sz="1200" b="0" i="0" u="none" strike="noStrike">
+                        <a:solidFill>
+                          <a:srgbClr val="000000"/>
+                        </a:solidFill>
+                        <a:effectLst/>
+                        <a:latin typeface="Aptos Narrow" panose="020B0004020202020204" pitchFamily="34" charset="0"/>
+                      </a:endParaRPr>
+                    </a:p>
+                  </a:txBody>
+                  <a:tcPr marL="7298" marR="7298" marT="7298" marB="0" anchor="b"/>
+                </a:tc>
+                <a:tc>
+                  <a:txBody>
+                    <a:bodyPr/>
+                    <a:lstStyle/>
+                    <a:p>
+                      <a:pPr algn="r" fontAlgn="b"/>
+                      <a:r>
+                        <a:rPr lang="en-US" sz="1200" b="0" u="none" strike="noStrike">
+                          <a:solidFill>
+                            <a:srgbClr val="000000"/>
+                          </a:solidFill>
+                          <a:effectLst/>
+                        </a:rPr>
+                        <a:t>1.94E+10</a:t>
+                      </a:r>
+                      <a:endParaRPr lang="en-US" sz="1200" b="0" i="0" u="none" strike="noStrike">
+                        <a:solidFill>
+                          <a:srgbClr val="000000"/>
+                        </a:solidFill>
+                        <a:effectLst/>
+                        <a:latin typeface="Aptos Narrow" panose="020B0004020202020204" pitchFamily="34" charset="0"/>
+                      </a:endParaRPr>
+                    </a:p>
+                  </a:txBody>
+                  <a:tcPr marL="7298" marR="7298" marT="7298" marB="0" anchor="b"/>
+                </a:tc>
+                <a:tc>
+                  <a:txBody>
+                    <a:bodyPr/>
+                    <a:lstStyle/>
+                    <a:p>
+                      <a:pPr algn="l" fontAlgn="b"/>
+                      <a:endParaRPr lang="en-US" sz="1200" b="0" i="0" u="none" strike="noStrike">
+                        <a:solidFill>
+                          <a:srgbClr val="000000"/>
+                        </a:solidFill>
+                        <a:effectLst/>
+                        <a:latin typeface="Aptos Narrow" panose="020B0004020202020204" pitchFamily="34" charset="0"/>
+                      </a:endParaRPr>
+                    </a:p>
+                  </a:txBody>
+                  <a:tcPr marL="7298" marR="7298" marT="7298" marB="0" anchor="b"/>
+                </a:tc>
+                <a:extLst>
+                  <a:ext uri="{0D108BD9-81ED-4DB2-BD59-A6C34878D82A}">
+                    <a16:rowId xmlns:a16="http://schemas.microsoft.com/office/drawing/2014/main" val="2950585021"/>
+                  </a:ext>
+                </a:extLst>
+              </a:tr>
+              <a:tr h="206964">
+                <a:tc>
+                  <a:txBody>
+                    <a:bodyPr/>
+                    <a:lstStyle/>
+                    <a:p>
+                      <a:pPr algn="l" fontAlgn="b"/>
+                      <a:r>
+                        <a:rPr lang="pt-BR" sz="1200" b="0" u="none" strike="noStrike" dirty="0">
+                          <a:solidFill>
+                            <a:srgbClr val="000000"/>
+                          </a:solidFill>
+                          <a:effectLst/>
+                          <a:highlight>
+                            <a:srgbClr val="FFFF00"/>
+                          </a:highlight>
+                        </a:rPr>
+                        <a:t>ida=450nm r=1.5um radius=3um</a:t>
+                      </a:r>
+                      <a:endParaRPr lang="pt-BR" sz="1200" b="0" i="0" u="none" strike="noStrike" dirty="0">
+                        <a:solidFill>
+                          <a:srgbClr val="000000"/>
+                        </a:solidFill>
+                        <a:effectLst/>
+                        <a:highlight>
+                          <a:srgbClr val="FFFF00"/>
+                        </a:highlight>
+                        <a:latin typeface="Aptos Narrow" panose="020B0004020202020204" pitchFamily="34" charset="0"/>
+                      </a:endParaRPr>
+                    </a:p>
+                  </a:txBody>
+                  <a:tcPr marL="7298" marR="7298" marT="7298" marB="0" anchor="b"/>
+                </a:tc>
+                <a:tc>
+                  <a:txBody>
+                    <a:bodyPr/>
+                    <a:lstStyle/>
+                    <a:p>
+                      <a:pPr algn="r" fontAlgn="b"/>
+                      <a:r>
+                        <a:rPr lang="en-US" sz="1200" b="0" u="none" strike="noStrike">
+                          <a:solidFill>
+                            <a:srgbClr val="000000"/>
+                          </a:solidFill>
+                          <a:effectLst/>
+                          <a:highlight>
+                            <a:srgbClr val="FFFF00"/>
+                          </a:highlight>
+                        </a:rPr>
+                        <a:t>0.074741296</a:t>
+                      </a:r>
+                      <a:endParaRPr lang="en-US" sz="1200" b="0" i="0" u="none" strike="noStrike">
+                        <a:solidFill>
+                          <a:srgbClr val="000000"/>
+                        </a:solidFill>
+                        <a:effectLst/>
+                        <a:highlight>
+                          <a:srgbClr val="FFFF00"/>
+                        </a:highlight>
+                        <a:latin typeface="Aptos Narrow" panose="020B0004020202020204" pitchFamily="34" charset="0"/>
+                      </a:endParaRPr>
+                    </a:p>
+                  </a:txBody>
+                  <a:tcPr marL="7298" marR="7298" marT="7298" marB="0" anchor="b"/>
+                </a:tc>
+                <a:tc>
+                  <a:txBody>
+                    <a:bodyPr/>
+                    <a:lstStyle/>
+                    <a:p>
+                      <a:pPr algn="r" fontAlgn="b"/>
+                      <a:r>
+                        <a:rPr lang="en-US" sz="1200" b="0" u="none" strike="noStrike">
+                          <a:solidFill>
+                            <a:srgbClr val="000000"/>
+                          </a:solidFill>
+                          <a:effectLst/>
+                          <a:highlight>
+                            <a:srgbClr val="FFFF00"/>
+                          </a:highlight>
+                        </a:rPr>
+                        <a:t>0.045627</a:t>
+                      </a:r>
+                      <a:endParaRPr lang="en-US" sz="1200" b="0" i="0" u="none" strike="noStrike">
+                        <a:solidFill>
+                          <a:srgbClr val="000000"/>
+                        </a:solidFill>
+                        <a:effectLst/>
+                        <a:highlight>
+                          <a:srgbClr val="FFFF00"/>
+                        </a:highlight>
+                        <a:latin typeface="Aptos Narrow" panose="020B0004020202020204" pitchFamily="34" charset="0"/>
+                      </a:endParaRPr>
+                    </a:p>
+                  </a:txBody>
+                  <a:tcPr marL="7298" marR="7298" marT="7298" marB="0" anchor="b"/>
+                </a:tc>
+                <a:tc>
+                  <a:txBody>
+                    <a:bodyPr/>
+                    <a:lstStyle/>
+                    <a:p>
+                      <a:pPr algn="r" fontAlgn="b"/>
+                      <a:r>
+                        <a:rPr lang="en-US" sz="1200" b="0" u="none" strike="noStrike" dirty="0">
+                          <a:solidFill>
+                            <a:srgbClr val="000000"/>
+                          </a:solidFill>
+                          <a:effectLst/>
+                          <a:highlight>
+                            <a:srgbClr val="FFFF00"/>
+                          </a:highlight>
+                        </a:rPr>
+                        <a:t>27023160</a:t>
+                      </a:r>
+                      <a:endParaRPr lang="en-US" sz="1200" b="0" i="0" u="none" strike="noStrike" dirty="0">
+                        <a:solidFill>
+                          <a:srgbClr val="000000"/>
+                        </a:solidFill>
+                        <a:effectLst/>
+                        <a:highlight>
+                          <a:srgbClr val="FFFF00"/>
+                        </a:highlight>
+                        <a:latin typeface="Aptos Narrow" panose="020B0004020202020204" pitchFamily="34" charset="0"/>
+                      </a:endParaRPr>
+                    </a:p>
+                  </a:txBody>
+                  <a:tcPr marL="7298" marR="7298" marT="7298" marB="0" anchor="b"/>
+                </a:tc>
+                <a:tc>
+                  <a:txBody>
+                    <a:bodyPr/>
+                    <a:lstStyle/>
+                    <a:p>
+                      <a:pPr algn="l" fontAlgn="b"/>
+                      <a:r>
+                        <a:rPr lang="en-US" sz="1200" b="0" u="none" strike="noStrike" dirty="0">
+                          <a:solidFill>
+                            <a:srgbClr val="000000"/>
+                          </a:solidFill>
+                          <a:effectLst/>
+                          <a:highlight>
+                            <a:srgbClr val="FFFF00"/>
+                          </a:highlight>
+                        </a:rPr>
+                        <a:t> </a:t>
+                      </a:r>
+                      <a:endParaRPr lang="en-US" sz="1200" b="0" i="0" u="none" strike="noStrike" dirty="0">
+                        <a:solidFill>
+                          <a:srgbClr val="000000"/>
+                        </a:solidFill>
+                        <a:effectLst/>
+                        <a:highlight>
+                          <a:srgbClr val="FFFF00"/>
+                        </a:highlight>
+                        <a:latin typeface="Aptos Narrow" panose="020B0004020202020204" pitchFamily="34" charset="0"/>
+                      </a:endParaRPr>
+                    </a:p>
+                  </a:txBody>
+                  <a:tcPr marL="7298" marR="7298" marT="7298" marB="0" anchor="b"/>
+                </a:tc>
+                <a:extLst>
+                  <a:ext uri="{0D108BD9-81ED-4DB2-BD59-A6C34878D82A}">
+                    <a16:rowId xmlns:a16="http://schemas.microsoft.com/office/drawing/2014/main" val="1982750803"/>
+                  </a:ext>
+                </a:extLst>
+              </a:tr>
+              <a:tr h="206964">
+                <a:tc>
+                  <a:txBody>
+                    <a:bodyPr/>
+                    <a:lstStyle/>
+                    <a:p>
+                      <a:pPr algn="l" fontAlgn="b"/>
+                      <a:r>
+                        <a:rPr lang="pt-BR" sz="1200" b="0" u="none" strike="noStrike" dirty="0">
+                          <a:solidFill>
+                            <a:srgbClr val="000000"/>
+                          </a:solidFill>
+                          <a:effectLst/>
+                        </a:rPr>
+                        <a:t>ida=450nm r=1.5um radius=6um</a:t>
+                      </a:r>
+                      <a:endParaRPr lang="pt-BR" sz="1200" b="0" i="0" u="none" strike="noStrike" dirty="0">
+                        <a:solidFill>
+                          <a:srgbClr val="000000"/>
+                        </a:solidFill>
+                        <a:effectLst/>
+                        <a:latin typeface="Aptos Narrow" panose="020B0004020202020204" pitchFamily="34" charset="0"/>
+                      </a:endParaRPr>
+                    </a:p>
+                  </a:txBody>
+                  <a:tcPr marL="7298" marR="7298" marT="7298" marB="0" anchor="b"/>
+                </a:tc>
+                <a:tc>
+                  <a:txBody>
+                    <a:bodyPr/>
+                    <a:lstStyle/>
+                    <a:p>
+                      <a:pPr algn="r" fontAlgn="b"/>
+                      <a:r>
+                        <a:rPr lang="en-US" sz="1200" b="0" u="none" strike="noStrike">
+                          <a:solidFill>
+                            <a:srgbClr val="000000"/>
+                          </a:solidFill>
+                          <a:effectLst/>
+                        </a:rPr>
+                        <a:t>0.080980529</a:t>
+                      </a:r>
+                      <a:endParaRPr lang="en-US" sz="1200" b="0" i="0" u="none" strike="noStrike">
+                        <a:solidFill>
+                          <a:srgbClr val="000000"/>
+                        </a:solidFill>
+                        <a:effectLst/>
+                        <a:latin typeface="Aptos Narrow" panose="020B0004020202020204" pitchFamily="34" charset="0"/>
+                      </a:endParaRPr>
+                    </a:p>
+                  </a:txBody>
+                  <a:tcPr marL="7298" marR="7298" marT="7298" marB="0" anchor="b"/>
+                </a:tc>
+                <a:tc>
+                  <a:txBody>
+                    <a:bodyPr/>
+                    <a:lstStyle/>
+                    <a:p>
+                      <a:pPr algn="r" fontAlgn="b"/>
+                      <a:r>
+                        <a:rPr lang="en-US" sz="1200" b="0" u="none" strike="noStrike">
+                          <a:solidFill>
+                            <a:srgbClr val="000000"/>
+                          </a:solidFill>
+                          <a:effectLst/>
+                        </a:rPr>
+                        <a:t>0.026309</a:t>
+                      </a:r>
+                      <a:endParaRPr lang="en-US" sz="1200" b="0" i="0" u="none" strike="noStrike">
+                        <a:solidFill>
+                          <a:srgbClr val="000000"/>
+                        </a:solidFill>
+                        <a:effectLst/>
+                        <a:latin typeface="Aptos Narrow" panose="020B0004020202020204" pitchFamily="34" charset="0"/>
+                      </a:endParaRPr>
+                    </a:p>
+                  </a:txBody>
+                  <a:tcPr marL="7298" marR="7298" marT="7298" marB="0" anchor="b"/>
+                </a:tc>
+                <a:tc>
+                  <a:txBody>
+                    <a:bodyPr/>
+                    <a:lstStyle/>
+                    <a:p>
+                      <a:pPr algn="r" fontAlgn="b"/>
+                      <a:r>
+                        <a:rPr lang="en-US" sz="1200" b="0" u="none" strike="noStrike">
+                          <a:solidFill>
+                            <a:srgbClr val="000000"/>
+                          </a:solidFill>
+                          <a:effectLst/>
+                        </a:rPr>
+                        <a:t>3.82E+09</a:t>
+                      </a:r>
+                      <a:endParaRPr lang="en-US" sz="1200" b="0" i="0" u="none" strike="noStrike">
+                        <a:solidFill>
+                          <a:srgbClr val="000000"/>
+                        </a:solidFill>
+                        <a:effectLst/>
+                        <a:latin typeface="Aptos Narrow" panose="020B0004020202020204" pitchFamily="34" charset="0"/>
+                      </a:endParaRPr>
+                    </a:p>
+                  </a:txBody>
+                  <a:tcPr marL="7298" marR="7298" marT="7298" marB="0" anchor="b"/>
+                </a:tc>
+                <a:tc>
+                  <a:txBody>
+                    <a:bodyPr/>
+                    <a:lstStyle/>
+                    <a:p>
+                      <a:pPr algn="l" fontAlgn="b"/>
+                      <a:endParaRPr lang="en-US" sz="1200" b="0" i="0" u="none" strike="noStrike">
+                        <a:solidFill>
+                          <a:srgbClr val="000000"/>
+                        </a:solidFill>
+                        <a:effectLst/>
+                        <a:latin typeface="Aptos Narrow" panose="020B0004020202020204" pitchFamily="34" charset="0"/>
+                      </a:endParaRPr>
+                    </a:p>
+                  </a:txBody>
+                  <a:tcPr marL="7298" marR="7298" marT="7298" marB="0" anchor="b"/>
+                </a:tc>
+                <a:extLst>
+                  <a:ext uri="{0D108BD9-81ED-4DB2-BD59-A6C34878D82A}">
+                    <a16:rowId xmlns:a16="http://schemas.microsoft.com/office/drawing/2014/main" val="521512252"/>
+                  </a:ext>
+                </a:extLst>
+              </a:tr>
+              <a:tr h="206964">
+                <a:tc>
+                  <a:txBody>
+                    <a:bodyPr/>
+                    <a:lstStyle/>
+                    <a:p>
+                      <a:pPr algn="l" fontAlgn="b"/>
+                      <a:r>
+                        <a:rPr lang="pt-BR" sz="1200" b="0" u="none" strike="noStrike">
+                          <a:solidFill>
+                            <a:srgbClr val="000000"/>
+                          </a:solidFill>
+                          <a:effectLst/>
+                        </a:rPr>
+                        <a:t>ida=450nm r=3.0um radius=10um</a:t>
+                      </a:r>
+                      <a:endParaRPr lang="pt-BR" sz="1200" b="0" i="0" u="none" strike="noStrike">
+                        <a:solidFill>
+                          <a:srgbClr val="000000"/>
+                        </a:solidFill>
+                        <a:effectLst/>
+                        <a:latin typeface="Aptos Narrow" panose="020B0004020202020204" pitchFamily="34" charset="0"/>
+                      </a:endParaRPr>
+                    </a:p>
+                  </a:txBody>
+                  <a:tcPr marL="7298" marR="7298" marT="7298" marB="0" anchor="b"/>
+                </a:tc>
+                <a:tc>
+                  <a:txBody>
+                    <a:bodyPr/>
+                    <a:lstStyle/>
+                    <a:p>
+                      <a:pPr algn="r" fontAlgn="b"/>
+                      <a:r>
+                        <a:rPr lang="en-US" sz="1200" b="0" u="none" strike="noStrike">
+                          <a:solidFill>
+                            <a:srgbClr val="000000"/>
+                          </a:solidFill>
+                          <a:effectLst/>
+                        </a:rPr>
+                        <a:t>0.102384638</a:t>
+                      </a:r>
+                      <a:endParaRPr lang="en-US" sz="1200" b="0" i="0" u="none" strike="noStrike">
+                        <a:solidFill>
+                          <a:srgbClr val="000000"/>
+                        </a:solidFill>
+                        <a:effectLst/>
+                        <a:latin typeface="Aptos Narrow" panose="020B0004020202020204" pitchFamily="34" charset="0"/>
+                      </a:endParaRPr>
+                    </a:p>
+                  </a:txBody>
+                  <a:tcPr marL="7298" marR="7298" marT="7298" marB="0" anchor="b"/>
+                </a:tc>
+                <a:tc>
+                  <a:txBody>
+                    <a:bodyPr/>
+                    <a:lstStyle/>
+                    <a:p>
+                      <a:pPr algn="r" fontAlgn="b"/>
+                      <a:r>
+                        <a:rPr lang="en-US" sz="1200" b="0" u="none" strike="noStrike">
+                          <a:solidFill>
+                            <a:srgbClr val="000000"/>
+                          </a:solidFill>
+                          <a:effectLst/>
+                        </a:rPr>
+                        <a:t>0.014692</a:t>
+                      </a:r>
+                      <a:endParaRPr lang="en-US" sz="1200" b="0" i="0" u="none" strike="noStrike">
+                        <a:solidFill>
+                          <a:srgbClr val="000000"/>
+                        </a:solidFill>
+                        <a:effectLst/>
+                        <a:latin typeface="Aptos Narrow" panose="020B0004020202020204" pitchFamily="34" charset="0"/>
+                      </a:endParaRPr>
+                    </a:p>
+                  </a:txBody>
+                  <a:tcPr marL="7298" marR="7298" marT="7298" marB="0" anchor="b"/>
+                </a:tc>
+                <a:tc>
+                  <a:txBody>
+                    <a:bodyPr/>
+                    <a:lstStyle/>
+                    <a:p>
+                      <a:pPr algn="r" fontAlgn="b"/>
+                      <a:r>
+                        <a:rPr lang="en-US" sz="1200" b="0" u="none" strike="noStrike" dirty="0">
+                          <a:solidFill>
+                            <a:srgbClr val="000000"/>
+                          </a:solidFill>
+                          <a:effectLst/>
+                        </a:rPr>
+                        <a:t>4.79E+09</a:t>
+                      </a:r>
+                      <a:endParaRPr lang="en-US" sz="1200" b="0" i="0" u="none" strike="noStrike" dirty="0">
+                        <a:solidFill>
+                          <a:srgbClr val="000000"/>
+                        </a:solidFill>
+                        <a:effectLst/>
+                        <a:latin typeface="Aptos Narrow" panose="020B0004020202020204" pitchFamily="34" charset="0"/>
+                      </a:endParaRPr>
+                    </a:p>
+                  </a:txBody>
+                  <a:tcPr marL="7298" marR="7298" marT="7298" marB="0" anchor="b"/>
+                </a:tc>
+                <a:tc>
+                  <a:txBody>
+                    <a:bodyPr/>
+                    <a:lstStyle/>
+                    <a:p>
+                      <a:pPr algn="l" fontAlgn="b"/>
+                      <a:endParaRPr lang="en-US" sz="1200" b="0" i="0" u="none" strike="noStrike">
+                        <a:solidFill>
+                          <a:srgbClr val="000000"/>
+                        </a:solidFill>
+                        <a:effectLst/>
+                        <a:latin typeface="Aptos Narrow" panose="020B0004020202020204" pitchFamily="34" charset="0"/>
+                      </a:endParaRPr>
+                    </a:p>
+                  </a:txBody>
+                  <a:tcPr marL="7298" marR="7298" marT="7298" marB="0" anchor="b"/>
+                </a:tc>
+                <a:extLst>
+                  <a:ext uri="{0D108BD9-81ED-4DB2-BD59-A6C34878D82A}">
+                    <a16:rowId xmlns:a16="http://schemas.microsoft.com/office/drawing/2014/main" val="2833393566"/>
+                  </a:ext>
+                </a:extLst>
+              </a:tr>
+              <a:tr h="206964">
+                <a:tc>
+                  <a:txBody>
+                    <a:bodyPr/>
+                    <a:lstStyle/>
+                    <a:p>
+                      <a:pPr algn="l" fontAlgn="b"/>
+                      <a:r>
+                        <a:rPr lang="pt-BR" sz="1200" b="0" u="none" strike="noStrike">
+                          <a:solidFill>
+                            <a:srgbClr val="000000"/>
+                          </a:solidFill>
+                          <a:effectLst/>
+                        </a:rPr>
+                        <a:t>ida=450nm r=3.0um radius=3um</a:t>
+                      </a:r>
+                      <a:endParaRPr lang="pt-BR" sz="1200" b="0" i="0" u="none" strike="noStrike">
+                        <a:solidFill>
+                          <a:srgbClr val="000000"/>
+                        </a:solidFill>
+                        <a:effectLst/>
+                        <a:latin typeface="Aptos Narrow" panose="020B0004020202020204" pitchFamily="34" charset="0"/>
+                      </a:endParaRPr>
+                    </a:p>
+                  </a:txBody>
+                  <a:tcPr marL="7298" marR="7298" marT="7298" marB="0" anchor="b"/>
+                </a:tc>
+                <a:tc>
+                  <a:txBody>
+                    <a:bodyPr/>
+                    <a:lstStyle/>
+                    <a:p>
+                      <a:pPr algn="r" fontAlgn="b"/>
+                      <a:r>
+                        <a:rPr lang="en-US" sz="1200" b="0" u="none" strike="noStrike">
+                          <a:solidFill>
+                            <a:srgbClr val="000000"/>
+                          </a:solidFill>
+                          <a:effectLst/>
+                        </a:rPr>
+                        <a:t>0.088982976</a:t>
+                      </a:r>
+                      <a:endParaRPr lang="en-US" sz="1200" b="0" i="0" u="none" strike="noStrike">
+                        <a:solidFill>
+                          <a:srgbClr val="000000"/>
+                        </a:solidFill>
+                        <a:effectLst/>
+                        <a:latin typeface="Aptos Narrow" panose="020B0004020202020204" pitchFamily="34" charset="0"/>
+                      </a:endParaRPr>
+                    </a:p>
+                  </a:txBody>
+                  <a:tcPr marL="7298" marR="7298" marT="7298" marB="0" anchor="b"/>
+                </a:tc>
+                <a:tc>
+                  <a:txBody>
+                    <a:bodyPr/>
+                    <a:lstStyle/>
+                    <a:p>
+                      <a:pPr algn="r" fontAlgn="b"/>
+                      <a:r>
+                        <a:rPr lang="en-US" sz="1200" b="0" u="none" strike="noStrike">
+                          <a:solidFill>
+                            <a:srgbClr val="000000"/>
+                          </a:solidFill>
+                          <a:effectLst/>
+                        </a:rPr>
+                        <a:t>0.033261</a:t>
+                      </a:r>
+                      <a:endParaRPr lang="en-US" sz="1200" b="0" i="0" u="none" strike="noStrike">
+                        <a:solidFill>
+                          <a:srgbClr val="000000"/>
+                        </a:solidFill>
+                        <a:effectLst/>
+                        <a:latin typeface="Aptos Narrow" panose="020B0004020202020204" pitchFamily="34" charset="0"/>
+                      </a:endParaRPr>
+                    </a:p>
+                  </a:txBody>
+                  <a:tcPr marL="7298" marR="7298" marT="7298" marB="0" anchor="b"/>
+                </a:tc>
+                <a:tc>
+                  <a:txBody>
+                    <a:bodyPr/>
+                    <a:lstStyle/>
+                    <a:p>
+                      <a:pPr algn="r" fontAlgn="b"/>
+                      <a:r>
+                        <a:rPr lang="en-US" sz="1200" b="0" u="none" strike="noStrike">
+                          <a:solidFill>
+                            <a:srgbClr val="000000"/>
+                          </a:solidFill>
+                          <a:effectLst/>
+                        </a:rPr>
+                        <a:t>3.35E+09</a:t>
+                      </a:r>
+                      <a:endParaRPr lang="en-US" sz="1200" b="0" i="0" u="none" strike="noStrike">
+                        <a:solidFill>
+                          <a:srgbClr val="000000"/>
+                        </a:solidFill>
+                        <a:effectLst/>
+                        <a:latin typeface="Aptos Narrow" panose="020B0004020202020204" pitchFamily="34" charset="0"/>
+                      </a:endParaRPr>
+                    </a:p>
+                  </a:txBody>
+                  <a:tcPr marL="7298" marR="7298" marT="7298" marB="0" anchor="b"/>
+                </a:tc>
+                <a:tc>
+                  <a:txBody>
+                    <a:bodyPr/>
+                    <a:lstStyle/>
+                    <a:p>
+                      <a:pPr algn="l" fontAlgn="b"/>
+                      <a:endParaRPr lang="en-US" sz="1200" b="0" i="0" u="none" strike="noStrike">
+                        <a:solidFill>
+                          <a:srgbClr val="000000"/>
+                        </a:solidFill>
+                        <a:effectLst/>
+                        <a:latin typeface="Aptos Narrow" panose="020B0004020202020204" pitchFamily="34" charset="0"/>
+                      </a:endParaRPr>
+                    </a:p>
+                  </a:txBody>
+                  <a:tcPr marL="7298" marR="7298" marT="7298" marB="0" anchor="b"/>
+                </a:tc>
+                <a:extLst>
+                  <a:ext uri="{0D108BD9-81ED-4DB2-BD59-A6C34878D82A}">
+                    <a16:rowId xmlns:a16="http://schemas.microsoft.com/office/drawing/2014/main" val="2513997767"/>
+                  </a:ext>
+                </a:extLst>
+              </a:tr>
+              <a:tr h="206964">
+                <a:tc>
+                  <a:txBody>
+                    <a:bodyPr/>
+                    <a:lstStyle/>
+                    <a:p>
+                      <a:pPr algn="l" fontAlgn="b"/>
+                      <a:r>
+                        <a:rPr lang="pt-BR" sz="1200" b="0" u="none" strike="noStrike">
+                          <a:solidFill>
+                            <a:srgbClr val="000000"/>
+                          </a:solidFill>
+                          <a:effectLst/>
+                        </a:rPr>
+                        <a:t>ida=450nm r=3.0um radius=6um</a:t>
+                      </a:r>
+                      <a:endParaRPr lang="pt-BR" sz="1200" b="0" i="0" u="none" strike="noStrike">
+                        <a:solidFill>
+                          <a:srgbClr val="000000"/>
+                        </a:solidFill>
+                        <a:effectLst/>
+                        <a:latin typeface="Aptos Narrow" panose="020B0004020202020204" pitchFamily="34" charset="0"/>
+                      </a:endParaRPr>
+                    </a:p>
+                  </a:txBody>
+                  <a:tcPr marL="7298" marR="7298" marT="7298" marB="0" anchor="b"/>
+                </a:tc>
+                <a:tc>
+                  <a:txBody>
+                    <a:bodyPr/>
+                    <a:lstStyle/>
+                    <a:p>
+                      <a:pPr algn="r" fontAlgn="b"/>
+                      <a:r>
+                        <a:rPr lang="en-US" sz="1200" b="0" u="none" strike="noStrike">
+                          <a:solidFill>
+                            <a:srgbClr val="000000"/>
+                          </a:solidFill>
+                          <a:effectLst/>
+                        </a:rPr>
+                        <a:t>0.09520921</a:t>
+                      </a:r>
+                      <a:endParaRPr lang="en-US" sz="1200" b="0" i="0" u="none" strike="noStrike">
+                        <a:solidFill>
+                          <a:srgbClr val="000000"/>
+                        </a:solidFill>
+                        <a:effectLst/>
+                        <a:latin typeface="Aptos Narrow" panose="020B0004020202020204" pitchFamily="34" charset="0"/>
+                      </a:endParaRPr>
+                    </a:p>
+                  </a:txBody>
+                  <a:tcPr marL="7298" marR="7298" marT="7298" marB="0" anchor="b"/>
+                </a:tc>
+                <a:tc>
+                  <a:txBody>
+                    <a:bodyPr/>
+                    <a:lstStyle/>
+                    <a:p>
+                      <a:pPr algn="r" fontAlgn="b"/>
+                      <a:r>
+                        <a:rPr lang="en-US" sz="1200" b="0" u="none" strike="noStrike">
+                          <a:solidFill>
+                            <a:srgbClr val="000000"/>
+                          </a:solidFill>
+                          <a:effectLst/>
+                        </a:rPr>
+                        <a:t>0.021593</a:t>
+                      </a:r>
+                      <a:endParaRPr lang="en-US" sz="1200" b="0" i="0" u="none" strike="noStrike">
+                        <a:solidFill>
+                          <a:srgbClr val="000000"/>
+                        </a:solidFill>
+                        <a:effectLst/>
+                        <a:latin typeface="Aptos Narrow" panose="020B0004020202020204" pitchFamily="34" charset="0"/>
+                      </a:endParaRPr>
+                    </a:p>
+                  </a:txBody>
+                  <a:tcPr marL="7298" marR="7298" marT="7298" marB="0" anchor="b"/>
+                </a:tc>
+                <a:tc>
+                  <a:txBody>
+                    <a:bodyPr/>
+                    <a:lstStyle/>
+                    <a:p>
+                      <a:pPr algn="r" fontAlgn="b"/>
+                      <a:r>
+                        <a:rPr lang="en-US" sz="1200" b="0" u="none" strike="noStrike">
+                          <a:solidFill>
+                            <a:srgbClr val="000000"/>
+                          </a:solidFill>
+                          <a:effectLst/>
+                        </a:rPr>
+                        <a:t>2.1E+10</a:t>
+                      </a:r>
+                      <a:endParaRPr lang="en-US" sz="1200" b="0" i="0" u="none" strike="noStrike">
+                        <a:solidFill>
+                          <a:srgbClr val="000000"/>
+                        </a:solidFill>
+                        <a:effectLst/>
+                        <a:latin typeface="Aptos Narrow" panose="020B0004020202020204" pitchFamily="34" charset="0"/>
+                      </a:endParaRPr>
+                    </a:p>
+                  </a:txBody>
+                  <a:tcPr marL="7298" marR="7298" marT="7298" marB="0" anchor="b"/>
+                </a:tc>
+                <a:tc>
+                  <a:txBody>
+                    <a:bodyPr/>
+                    <a:lstStyle/>
+                    <a:p>
+                      <a:pPr algn="l" fontAlgn="b"/>
+                      <a:endParaRPr lang="en-US" sz="1200" b="0" i="0" u="none" strike="noStrike" dirty="0">
+                        <a:solidFill>
+                          <a:srgbClr val="000000"/>
+                        </a:solidFill>
+                        <a:effectLst/>
+                        <a:latin typeface="Aptos Narrow" panose="020B0004020202020204" pitchFamily="34" charset="0"/>
+                      </a:endParaRPr>
+                    </a:p>
+                  </a:txBody>
+                  <a:tcPr marL="7298" marR="7298" marT="7298" marB="0" anchor="b"/>
+                </a:tc>
+                <a:extLst>
+                  <a:ext uri="{0D108BD9-81ED-4DB2-BD59-A6C34878D82A}">
+                    <a16:rowId xmlns:a16="http://schemas.microsoft.com/office/drawing/2014/main" val="4135873681"/>
+                  </a:ext>
+                </a:extLst>
+              </a:tr>
+            </a:tbl>
+          </a:graphicData>
+        </a:graphic>
+      </p:graphicFrame>
+      <p:sp>
+        <p:nvSpPr>
+          <p:cNvPr id="22" name="TextBox 21">
+            <a:extLst>
+              <a:ext uri="{FF2B5EF4-FFF2-40B4-BE49-F238E27FC236}">
+                <a16:creationId xmlns:a16="http://schemas.microsoft.com/office/drawing/2014/main" id="{9C7A8332-DC70-63ED-1E38-FD53EACE6A69}"/>
+              </a:ext>
+            </a:extLst>
+          </p:cNvPr>
+          <p:cNvSpPr txBox="1"/>
+          <p:nvPr/>
+        </p:nvSpPr>
+        <p:spPr>
+          <a:xfrm>
+            <a:off x="7648225" y="694944"/>
+            <a:ext cx="4675704" cy="1323439"/>
+          </a:xfrm>
+          <a:prstGeom prst="rect">
+            <a:avLst/>
+          </a:prstGeom>
+          <a:noFill/>
+        </p:spPr>
+        <p:txBody>
+          <a:bodyPr wrap="none" rtlCol="0">
+            <a:spAutoFit/>
+          </a:bodyPr>
+          <a:lstStyle/>
+          <a:p>
+            <a:r>
+              <a:rPr lang="en-US" sz="1600" dirty="0"/>
+              <a:t>By default, they are TE mode</a:t>
+            </a:r>
+          </a:p>
+          <a:p>
+            <a:endParaRPr lang="en-US" sz="1600" dirty="0"/>
+          </a:p>
+          <a:p>
+            <a:r>
+              <a:rPr lang="en-US" sz="1600" dirty="0"/>
+              <a:t>The Yellow one is the best for THG generation </a:t>
+            </a:r>
+          </a:p>
+          <a:p>
+            <a:r>
+              <a:rPr lang="en-US" sz="1600" dirty="0"/>
+              <a:t>among all of the parameters explored. </a:t>
+            </a:r>
+          </a:p>
+          <a:p>
+            <a:r>
+              <a:rPr lang="en-US" sz="1600" dirty="0"/>
+              <a:t>As it has the least </a:t>
+            </a:r>
+            <a:r>
+              <a:rPr lang="en-US" sz="1600" dirty="0" err="1"/>
+              <a:t>Aeff</a:t>
+            </a:r>
+            <a:r>
+              <a:rPr lang="en-US" sz="1600" dirty="0"/>
+              <a:t>, but the most power leak out</a:t>
+            </a:r>
+          </a:p>
+        </p:txBody>
+      </p:sp>
+      <p:pic>
+        <p:nvPicPr>
+          <p:cNvPr id="23" name="Picture 22">
+            <a:extLst>
+              <a:ext uri="{FF2B5EF4-FFF2-40B4-BE49-F238E27FC236}">
+                <a16:creationId xmlns:a16="http://schemas.microsoft.com/office/drawing/2014/main" id="{D3EA662F-18E8-B8F0-0851-69EB663F512B}"/>
+              </a:ext>
+            </a:extLst>
+          </p:cNvPr>
+          <p:cNvPicPr>
+            <a:picLocks noChangeAspect="1"/>
+          </p:cNvPicPr>
+          <p:nvPr/>
+        </p:nvPicPr>
+        <p:blipFill>
+          <a:blip r:embed="rId2"/>
+          <a:stretch>
+            <a:fillRect/>
+          </a:stretch>
+        </p:blipFill>
+        <p:spPr>
+          <a:xfrm>
+            <a:off x="7934494" y="2018383"/>
+            <a:ext cx="3837274" cy="2127184"/>
+          </a:xfrm>
+          <a:prstGeom prst="rect">
+            <a:avLst/>
+          </a:prstGeom>
+        </p:spPr>
+      </p:pic>
+      <p:pic>
+        <p:nvPicPr>
+          <p:cNvPr id="24" name="Picture 23">
+            <a:extLst>
+              <a:ext uri="{FF2B5EF4-FFF2-40B4-BE49-F238E27FC236}">
+                <a16:creationId xmlns:a16="http://schemas.microsoft.com/office/drawing/2014/main" id="{12696D46-D919-6C6B-3C9E-6A8D66801178}"/>
+              </a:ext>
+            </a:extLst>
+          </p:cNvPr>
+          <p:cNvPicPr>
+            <a:picLocks noChangeAspect="1"/>
+          </p:cNvPicPr>
+          <p:nvPr/>
+        </p:nvPicPr>
+        <p:blipFill>
+          <a:blip r:embed="rId3"/>
+          <a:stretch>
+            <a:fillRect/>
+          </a:stretch>
+        </p:blipFill>
+        <p:spPr>
+          <a:xfrm>
+            <a:off x="8067440" y="4073056"/>
+            <a:ext cx="3837274" cy="2703323"/>
+          </a:xfrm>
+          <a:prstGeom prst="rect">
+            <a:avLst/>
+          </a:prstGeom>
+        </p:spPr>
+      </p:pic>
+    </p:spTree>
+    <p:extLst>
+      <p:ext uri="{BB962C8B-B14F-4D97-AF65-F5344CB8AC3E}">
+        <p14:creationId xmlns:p14="http://schemas.microsoft.com/office/powerpoint/2010/main" val="3247194970"/>
+      </p:ext>
+    </p:extLst>
+  </p:cSld>
+  <p:clrMapOvr>
+    <a:masterClrMapping/>
+  </p:clrMapOvr>
+</p:sld>
+</file>
+
+<file path=ppt/slides/slide11.xml><?xml version="1.0" encoding="utf-8"?>
+<p:sld xmlns:a="http://schemas.openxmlformats.org/drawingml/2006/main" xmlns:r="http://schemas.openxmlformats.org/officeDocument/2006/relationships" xmlns:p="http://schemas.openxmlformats.org/presentationml/2006/main">
+  <p:cSld>
+    <p:spTree>
+      <p:nvGrpSpPr>
+        <p:cNvPr id="1" name=""/>
+        <p:cNvGrpSpPr/>
+        <p:nvPr/>
+      </p:nvGrpSpPr>
+      <p:grpSpPr>
+        <a:xfrm>
+          <a:off x="0" y="0"/>
+          <a:ext cx="0" cy="0"/>
+          <a:chOff x="0" y="0"/>
+          <a:chExt cx="0" cy="0"/>
+        </a:xfrm>
+      </p:grpSpPr>
+      <p:pic>
+        <p:nvPicPr>
+          <p:cNvPr id="29" name="Picture 28">
+            <a:extLst>
+              <a:ext uri="{FF2B5EF4-FFF2-40B4-BE49-F238E27FC236}">
+                <a16:creationId xmlns:a16="http://schemas.microsoft.com/office/drawing/2014/main" id="{9536939C-D182-5020-338A-7057D335E187}"/>
+              </a:ext>
+            </a:extLst>
+          </p:cNvPr>
+          <p:cNvPicPr>
+            <a:picLocks noChangeAspect="1"/>
+          </p:cNvPicPr>
+          <p:nvPr/>
+        </p:nvPicPr>
+        <p:blipFill>
+          <a:blip r:embed="rId2"/>
+          <a:stretch>
+            <a:fillRect/>
+          </a:stretch>
+        </p:blipFill>
+        <p:spPr>
+          <a:xfrm>
+            <a:off x="4372410" y="3929513"/>
+            <a:ext cx="3837274" cy="2127184"/>
+          </a:xfrm>
+          <a:prstGeom prst="rect">
+            <a:avLst/>
+          </a:prstGeom>
+        </p:spPr>
+      </p:pic>
+      <p:sp>
+        <p:nvSpPr>
+          <p:cNvPr id="30" name="TextBox 29">
+            <a:extLst>
+              <a:ext uri="{FF2B5EF4-FFF2-40B4-BE49-F238E27FC236}">
+                <a16:creationId xmlns:a16="http://schemas.microsoft.com/office/drawing/2014/main" id="{781358E5-2B12-A698-FA38-A394BB82A9EC}"/>
+              </a:ext>
+            </a:extLst>
+          </p:cNvPr>
+          <p:cNvSpPr txBox="1"/>
+          <p:nvPr/>
+        </p:nvSpPr>
+        <p:spPr>
+          <a:xfrm>
+            <a:off x="4372410" y="5783972"/>
+            <a:ext cx="5051822" cy="923330"/>
+          </a:xfrm>
+          <a:prstGeom prst="rect">
+            <a:avLst/>
+          </a:prstGeom>
+          <a:noFill/>
+        </p:spPr>
+        <p:txBody>
+          <a:bodyPr wrap="square" rtlCol="0">
+            <a:spAutoFit/>
+          </a:bodyPr>
+          <a:lstStyle/>
+          <a:p>
+            <a:r>
+              <a:rPr lang="en-US" dirty="0"/>
+              <a:t>Larger radius, larger </a:t>
+            </a:r>
+            <a:r>
+              <a:rPr lang="en-US" dirty="0" err="1"/>
+              <a:t>A_eff</a:t>
+            </a:r>
+            <a:r>
+              <a:rPr lang="en-US" dirty="0"/>
+              <a:t>, but lower leakage energy, and the energy are more </a:t>
+            </a:r>
+            <a:r>
+              <a:rPr lang="en-US" dirty="0" err="1"/>
+              <a:t>spreaded</a:t>
+            </a:r>
+            <a:r>
+              <a:rPr lang="en-US" dirty="0"/>
+              <a:t>(not favorable for THG)</a:t>
+            </a:r>
+          </a:p>
+        </p:txBody>
+      </p:sp>
+      <p:sp>
+        <p:nvSpPr>
+          <p:cNvPr id="31" name="TextBox 30">
+            <a:extLst>
+              <a:ext uri="{FF2B5EF4-FFF2-40B4-BE49-F238E27FC236}">
+                <a16:creationId xmlns:a16="http://schemas.microsoft.com/office/drawing/2014/main" id="{65D794D7-5BB7-C677-5065-1A372655A73A}"/>
+              </a:ext>
+            </a:extLst>
+          </p:cNvPr>
+          <p:cNvSpPr txBox="1"/>
+          <p:nvPr/>
+        </p:nvSpPr>
+        <p:spPr>
+          <a:xfrm>
+            <a:off x="139921" y="61723"/>
+            <a:ext cx="4806983" cy="523220"/>
+          </a:xfrm>
+          <a:prstGeom prst="rect">
+            <a:avLst/>
+          </a:prstGeom>
+          <a:noFill/>
+        </p:spPr>
+        <p:txBody>
+          <a:bodyPr wrap="square" rtlCol="0">
+            <a:spAutoFit/>
+          </a:bodyPr>
+          <a:lstStyle/>
+          <a:p>
+            <a:r>
+              <a:rPr lang="en-US" sz="2800" b="1" dirty="0"/>
+              <a:t>LOG SCALE</a:t>
+            </a:r>
+          </a:p>
+        </p:txBody>
+      </p:sp>
+      <p:pic>
+        <p:nvPicPr>
+          <p:cNvPr id="33" name="Picture 32">
+            <a:extLst>
+              <a:ext uri="{FF2B5EF4-FFF2-40B4-BE49-F238E27FC236}">
+                <a16:creationId xmlns:a16="http://schemas.microsoft.com/office/drawing/2014/main" id="{E22A7655-C8BD-F290-FBF9-896A3D641316}"/>
+              </a:ext>
+            </a:extLst>
+          </p:cNvPr>
+          <p:cNvPicPr>
+            <a:picLocks noChangeAspect="1"/>
+          </p:cNvPicPr>
+          <p:nvPr/>
+        </p:nvPicPr>
+        <p:blipFill>
+          <a:blip r:embed="rId3"/>
+          <a:stretch>
+            <a:fillRect/>
+          </a:stretch>
+        </p:blipFill>
+        <p:spPr>
+          <a:xfrm>
+            <a:off x="0" y="497348"/>
+            <a:ext cx="4372410" cy="3243224"/>
+          </a:xfrm>
+          <a:prstGeom prst="rect">
+            <a:avLst/>
+          </a:prstGeom>
+        </p:spPr>
+      </p:pic>
+      <p:pic>
+        <p:nvPicPr>
+          <p:cNvPr id="35" name="Picture 34">
+            <a:extLst>
+              <a:ext uri="{FF2B5EF4-FFF2-40B4-BE49-F238E27FC236}">
+                <a16:creationId xmlns:a16="http://schemas.microsoft.com/office/drawing/2014/main" id="{B2B35E01-797E-1CA1-EFA0-B1DCE82278D6}"/>
+              </a:ext>
+            </a:extLst>
+          </p:cNvPr>
+          <p:cNvPicPr>
+            <a:picLocks noChangeAspect="1"/>
+          </p:cNvPicPr>
+          <p:nvPr/>
+        </p:nvPicPr>
+        <p:blipFill>
+          <a:blip r:embed="rId4"/>
+          <a:stretch>
+            <a:fillRect/>
+          </a:stretch>
+        </p:blipFill>
+        <p:spPr>
+          <a:xfrm>
+            <a:off x="4372410" y="497349"/>
+            <a:ext cx="4229565" cy="3243224"/>
+          </a:xfrm>
+          <a:prstGeom prst="rect">
+            <a:avLst/>
+          </a:prstGeom>
+        </p:spPr>
+      </p:pic>
+      <p:pic>
+        <p:nvPicPr>
+          <p:cNvPr id="37" name="Picture 36">
+            <a:extLst>
+              <a:ext uri="{FF2B5EF4-FFF2-40B4-BE49-F238E27FC236}">
+                <a16:creationId xmlns:a16="http://schemas.microsoft.com/office/drawing/2014/main" id="{B49D9334-C07F-6AC6-ACB1-82D58A91A61F}"/>
+              </a:ext>
+            </a:extLst>
+          </p:cNvPr>
+          <p:cNvPicPr>
+            <a:picLocks noChangeAspect="1"/>
+          </p:cNvPicPr>
+          <p:nvPr/>
+        </p:nvPicPr>
+        <p:blipFill>
+          <a:blip r:embed="rId5"/>
+          <a:stretch>
+            <a:fillRect/>
+          </a:stretch>
+        </p:blipFill>
+        <p:spPr>
+          <a:xfrm>
+            <a:off x="0" y="3740572"/>
+            <a:ext cx="3977141" cy="3055705"/>
+          </a:xfrm>
+          <a:prstGeom prst="rect">
+            <a:avLst/>
+          </a:prstGeom>
+        </p:spPr>
+      </p:pic>
+    </p:spTree>
+    <p:extLst>
+      <p:ext uri="{BB962C8B-B14F-4D97-AF65-F5344CB8AC3E}">
+        <p14:creationId xmlns:p14="http://schemas.microsoft.com/office/powerpoint/2010/main" val="2886846160"/>
+      </p:ext>
+    </p:extLst>
+  </p:cSld>
+  <p:clrMapOvr>
+    <a:masterClrMapping/>
+  </p:clrMapOvr>
+</p:sld>
+</file>
+
+<file path=ppt/slides/slide12.xml><?xml version="1.0" encoding="utf-8"?>
+<p:sld xmlns:a="http://schemas.openxmlformats.org/drawingml/2006/main" xmlns:r="http://schemas.openxmlformats.org/officeDocument/2006/relationships" xmlns:p="http://schemas.openxmlformats.org/presentationml/2006/main">
+  <p:cSld>
+    <p:spTree>
+      <p:nvGrpSpPr>
+        <p:cNvPr id="1" name=""/>
+        <p:cNvGrpSpPr/>
+        <p:nvPr/>
+      </p:nvGrpSpPr>
+      <p:grpSpPr>
+        <a:xfrm>
+          <a:off x="0" y="0"/>
+          <a:ext cx="0" cy="0"/>
+          <a:chOff x="0" y="0"/>
+          <a:chExt cx="0" cy="0"/>
+        </a:xfrm>
+      </p:grpSpPr>
+      <p:sp>
+        <p:nvSpPr>
+          <p:cNvPr id="2" name="Title 1">
+            <a:extLst>
+              <a:ext uri="{FF2B5EF4-FFF2-40B4-BE49-F238E27FC236}">
+                <a16:creationId xmlns:a16="http://schemas.microsoft.com/office/drawing/2014/main" id="{57A1A89A-31C5-6DBD-DA67-FBB3459DE212}"/>
+              </a:ext>
+            </a:extLst>
+          </p:cNvPr>
+          <p:cNvSpPr>
+            <a:spLocks noGrp="1"/>
+          </p:cNvSpPr>
+          <p:nvPr>
+            <p:ph type="title"/>
+          </p:nvPr>
+        </p:nvSpPr>
+        <p:spPr/>
+        <p:txBody>
+          <a:bodyPr>
+            <a:normAutofit fontScale="90000"/>
+          </a:bodyPr>
+          <a:lstStyle/>
+          <a:p>
+            <a:endParaRPr lang="en-US"/>
+          </a:p>
+        </p:txBody>
+      </p:sp>
+      <p:sp>
+        <p:nvSpPr>
+          <p:cNvPr id="3" name="Content Placeholder 2">
+            <a:extLst>
+              <a:ext uri="{FF2B5EF4-FFF2-40B4-BE49-F238E27FC236}">
+                <a16:creationId xmlns:a16="http://schemas.microsoft.com/office/drawing/2014/main" id="{C484D9A9-5875-A493-89D0-3444EE126747}"/>
+              </a:ext>
+            </a:extLst>
+          </p:cNvPr>
+          <p:cNvSpPr>
+            <a:spLocks noGrp="1"/>
+          </p:cNvSpPr>
+          <p:nvPr>
+            <p:ph idx="1"/>
+          </p:nvPr>
+        </p:nvSpPr>
+        <p:spPr/>
+        <p:txBody>
+          <a:bodyPr/>
+          <a:lstStyle/>
+          <a:p>
+            <a:endParaRPr lang="en-US"/>
+          </a:p>
+        </p:txBody>
+      </p:sp>
+    </p:spTree>
+    <p:extLst>
+      <p:ext uri="{BB962C8B-B14F-4D97-AF65-F5344CB8AC3E}">
+        <p14:creationId xmlns:p14="http://schemas.microsoft.com/office/powerpoint/2010/main" val="2624471267"/>
+      </p:ext>
+    </p:extLst>
+  </p:cSld>
+  <p:clrMapOvr>
+    <a:masterClrMapping/>
+  </p:clrMapOvr>
+</p:sld>
+</file>
+
 <file path=ppt/slides/slide2.xml><?xml version="1.0" encoding="utf-8"?>
 <p:sld xmlns:a="http://schemas.openxmlformats.org/drawingml/2006/main" xmlns:r="http://schemas.openxmlformats.org/officeDocument/2006/relationships" xmlns:p="http://schemas.openxmlformats.org/presentationml/2006/main">
   <p:cSld>
@@ -4339,6 +8652,1082 @@
     <p:extLst>
       <p:ext uri="{BB962C8B-B14F-4D97-AF65-F5344CB8AC3E}">
         <p14:creationId xmlns:p14="http://schemas.microsoft.com/office/powerpoint/2010/main" val="460890430"/>
+      </p:ext>
+    </p:extLst>
+  </p:cSld>
+  <p:clrMapOvr>
+    <a:masterClrMapping/>
+  </p:clrMapOvr>
+</p:sld>
+</file>
+
+<file path=ppt/slides/slide4.xml><?xml version="1.0" encoding="utf-8"?>
+<p:sld xmlns:a="http://schemas.openxmlformats.org/drawingml/2006/main" xmlns:r="http://schemas.openxmlformats.org/officeDocument/2006/relationships" xmlns:p="http://schemas.openxmlformats.org/presentationml/2006/main">
+  <p:cSld>
+    <p:spTree>
+      <p:nvGrpSpPr>
+        <p:cNvPr id="1" name=""/>
+        <p:cNvGrpSpPr/>
+        <p:nvPr/>
+      </p:nvGrpSpPr>
+      <p:grpSpPr>
+        <a:xfrm>
+          <a:off x="0" y="0"/>
+          <a:ext cx="0" cy="0"/>
+          <a:chOff x="0" y="0"/>
+          <a:chExt cx="0" cy="0"/>
+        </a:xfrm>
+      </p:grpSpPr>
+      <p:sp>
+        <p:nvSpPr>
+          <p:cNvPr id="2" name="Title 1">
+            <a:extLst>
+              <a:ext uri="{FF2B5EF4-FFF2-40B4-BE49-F238E27FC236}">
+                <a16:creationId xmlns:a16="http://schemas.microsoft.com/office/drawing/2014/main" id="{0D1658C4-19D2-E75C-3054-6905114F6017}"/>
+              </a:ext>
+            </a:extLst>
+          </p:cNvPr>
+          <p:cNvSpPr>
+            <a:spLocks noGrp="1"/>
+          </p:cNvSpPr>
+          <p:nvPr>
+            <p:ph type="title"/>
+          </p:nvPr>
+        </p:nvSpPr>
+        <p:spPr/>
+        <p:txBody>
+          <a:bodyPr>
+            <a:normAutofit fontScale="90000"/>
+          </a:bodyPr>
+          <a:lstStyle/>
+          <a:p>
+            <a:endParaRPr lang="en-US"/>
+          </a:p>
+        </p:txBody>
+      </p:sp>
+      <p:pic>
+        <p:nvPicPr>
+          <p:cNvPr id="7" name="Picture 6">
+            <a:extLst>
+              <a:ext uri="{FF2B5EF4-FFF2-40B4-BE49-F238E27FC236}">
+                <a16:creationId xmlns:a16="http://schemas.microsoft.com/office/drawing/2014/main" id="{B647DDDB-AD07-F31F-3C67-8D724F113227}"/>
+              </a:ext>
+            </a:extLst>
+          </p:cNvPr>
+          <p:cNvPicPr>
+            <a:picLocks noChangeAspect="1"/>
+          </p:cNvPicPr>
+          <p:nvPr/>
+        </p:nvPicPr>
+        <p:blipFill>
+          <a:blip r:embed="rId2"/>
+          <a:stretch>
+            <a:fillRect/>
+          </a:stretch>
+        </p:blipFill>
+        <p:spPr>
+          <a:xfrm>
+            <a:off x="34706" y="2821165"/>
+            <a:ext cx="10288436" cy="4448796"/>
+          </a:xfrm>
+          <a:prstGeom prst="rect">
+            <a:avLst/>
+          </a:prstGeom>
+        </p:spPr>
+      </p:pic>
+      <p:pic>
+        <p:nvPicPr>
+          <p:cNvPr id="5" name="Picture 4">
+            <a:extLst>
+              <a:ext uri="{FF2B5EF4-FFF2-40B4-BE49-F238E27FC236}">
+                <a16:creationId xmlns:a16="http://schemas.microsoft.com/office/drawing/2014/main" id="{21982712-C046-27BA-D0C5-B3937BBE1BED}"/>
+              </a:ext>
+            </a:extLst>
+          </p:cNvPr>
+          <p:cNvPicPr>
+            <a:picLocks noChangeAspect="1"/>
+          </p:cNvPicPr>
+          <p:nvPr/>
+        </p:nvPicPr>
+        <p:blipFill>
+          <a:blip r:embed="rId3"/>
+          <a:stretch>
+            <a:fillRect/>
+          </a:stretch>
+        </p:blipFill>
+        <p:spPr>
+          <a:xfrm>
+            <a:off x="1364" y="-375385"/>
+            <a:ext cx="10355120" cy="4267796"/>
+          </a:xfrm>
+          <a:prstGeom prst="rect">
+            <a:avLst/>
+          </a:prstGeom>
+        </p:spPr>
+      </p:pic>
+    </p:spTree>
+    <p:extLst>
+      <p:ext uri="{BB962C8B-B14F-4D97-AF65-F5344CB8AC3E}">
+        <p14:creationId xmlns:p14="http://schemas.microsoft.com/office/powerpoint/2010/main" val="3597370284"/>
+      </p:ext>
+    </p:extLst>
+  </p:cSld>
+  <p:clrMapOvr>
+    <a:masterClrMapping/>
+  </p:clrMapOvr>
+</p:sld>
+</file>
+
+<file path=ppt/slides/slide5.xml><?xml version="1.0" encoding="utf-8"?>
+<p:sld xmlns:a="http://schemas.openxmlformats.org/drawingml/2006/main" xmlns:r="http://schemas.openxmlformats.org/officeDocument/2006/relationships" xmlns:p="http://schemas.openxmlformats.org/presentationml/2006/main">
+  <p:cSld>
+    <p:spTree>
+      <p:nvGrpSpPr>
+        <p:cNvPr id="1" name=""/>
+        <p:cNvGrpSpPr/>
+        <p:nvPr/>
+      </p:nvGrpSpPr>
+      <p:grpSpPr>
+        <a:xfrm>
+          <a:off x="0" y="0"/>
+          <a:ext cx="0" cy="0"/>
+          <a:chOff x="0" y="0"/>
+          <a:chExt cx="0" cy="0"/>
+        </a:xfrm>
+      </p:grpSpPr>
+      <p:sp>
+        <p:nvSpPr>
+          <p:cNvPr id="2" name="Title 1">
+            <a:extLst>
+              <a:ext uri="{FF2B5EF4-FFF2-40B4-BE49-F238E27FC236}">
+                <a16:creationId xmlns:a16="http://schemas.microsoft.com/office/drawing/2014/main" id="{C639AA93-53A3-5F54-5B7F-FF3DAD642787}"/>
+              </a:ext>
+            </a:extLst>
+          </p:cNvPr>
+          <p:cNvSpPr>
+            <a:spLocks noGrp="1"/>
+          </p:cNvSpPr>
+          <p:nvPr>
+            <p:ph type="title"/>
+          </p:nvPr>
+        </p:nvSpPr>
+        <p:spPr/>
+        <p:txBody>
+          <a:bodyPr>
+            <a:normAutofit fontScale="90000"/>
+          </a:bodyPr>
+          <a:lstStyle/>
+          <a:p>
+            <a:r>
+              <a:rPr lang="en-US" dirty="0"/>
+              <a:t>Personal Education Of Coupler</a:t>
+            </a:r>
+          </a:p>
+        </p:txBody>
+      </p:sp>
+      <p:pic>
+        <p:nvPicPr>
+          <p:cNvPr id="7" name="Picture 6">
+            <a:extLst>
+              <a:ext uri="{FF2B5EF4-FFF2-40B4-BE49-F238E27FC236}">
+                <a16:creationId xmlns:a16="http://schemas.microsoft.com/office/drawing/2014/main" id="{B78CC646-3F21-668F-60C9-BF2314EBB931}"/>
+              </a:ext>
+            </a:extLst>
+          </p:cNvPr>
+          <p:cNvPicPr>
+            <a:picLocks noChangeAspect="1"/>
+          </p:cNvPicPr>
+          <p:nvPr/>
+        </p:nvPicPr>
+        <p:blipFill>
+          <a:blip r:embed="rId2"/>
+          <a:stretch>
+            <a:fillRect/>
+          </a:stretch>
+        </p:blipFill>
+        <p:spPr>
+          <a:xfrm>
+            <a:off x="69453" y="750498"/>
+            <a:ext cx="5885119" cy="4379768"/>
+          </a:xfrm>
+          <a:prstGeom prst="rect">
+            <a:avLst/>
+          </a:prstGeom>
+        </p:spPr>
+      </p:pic>
+      <p:pic>
+        <p:nvPicPr>
+          <p:cNvPr id="9" name="Picture 8">
+            <a:extLst>
+              <a:ext uri="{FF2B5EF4-FFF2-40B4-BE49-F238E27FC236}">
+                <a16:creationId xmlns:a16="http://schemas.microsoft.com/office/drawing/2014/main" id="{097BE52F-0460-57D6-CF1A-0697A8C17044}"/>
+              </a:ext>
+            </a:extLst>
+          </p:cNvPr>
+          <p:cNvPicPr>
+            <a:picLocks noChangeAspect="1"/>
+          </p:cNvPicPr>
+          <p:nvPr/>
+        </p:nvPicPr>
+        <p:blipFill>
+          <a:blip r:embed="rId3"/>
+          <a:stretch>
+            <a:fillRect/>
+          </a:stretch>
+        </p:blipFill>
+        <p:spPr>
+          <a:xfrm>
+            <a:off x="6006384" y="750498"/>
+            <a:ext cx="6116163" cy="5659540"/>
+          </a:xfrm>
+          <a:prstGeom prst="rect">
+            <a:avLst/>
+          </a:prstGeom>
+        </p:spPr>
+      </p:pic>
+    </p:spTree>
+    <p:extLst>
+      <p:ext uri="{BB962C8B-B14F-4D97-AF65-F5344CB8AC3E}">
+        <p14:creationId xmlns:p14="http://schemas.microsoft.com/office/powerpoint/2010/main" val="1320940613"/>
+      </p:ext>
+    </p:extLst>
+  </p:cSld>
+  <p:clrMapOvr>
+    <a:masterClrMapping/>
+  </p:clrMapOvr>
+</p:sld>
+</file>
+
+<file path=ppt/slides/slide6.xml><?xml version="1.0" encoding="utf-8"?>
+<p:sld xmlns:a="http://schemas.openxmlformats.org/drawingml/2006/main" xmlns:r="http://schemas.openxmlformats.org/officeDocument/2006/relationships" xmlns:p="http://schemas.openxmlformats.org/presentationml/2006/main">
+  <p:cSld>
+    <p:spTree>
+      <p:nvGrpSpPr>
+        <p:cNvPr id="1" name=""/>
+        <p:cNvGrpSpPr/>
+        <p:nvPr/>
+      </p:nvGrpSpPr>
+      <p:grpSpPr>
+        <a:xfrm>
+          <a:off x="0" y="0"/>
+          <a:ext cx="0" cy="0"/>
+          <a:chOff x="0" y="0"/>
+          <a:chExt cx="0" cy="0"/>
+        </a:xfrm>
+      </p:grpSpPr>
+      <p:pic>
+        <p:nvPicPr>
+          <p:cNvPr id="5" name="Picture 4">
+            <a:extLst>
+              <a:ext uri="{FF2B5EF4-FFF2-40B4-BE49-F238E27FC236}">
+                <a16:creationId xmlns:a16="http://schemas.microsoft.com/office/drawing/2014/main" id="{E9BF26F3-9F44-AC6D-4AAF-0165E25D8130}"/>
+              </a:ext>
+            </a:extLst>
+          </p:cNvPr>
+          <p:cNvPicPr>
+            <a:picLocks noChangeAspect="1"/>
+          </p:cNvPicPr>
+          <p:nvPr/>
+        </p:nvPicPr>
+        <p:blipFill>
+          <a:blip r:embed="rId2"/>
+          <a:stretch>
+            <a:fillRect/>
+          </a:stretch>
+        </p:blipFill>
+        <p:spPr>
+          <a:xfrm>
+            <a:off x="151383" y="0"/>
+            <a:ext cx="7411316" cy="6858000"/>
+          </a:xfrm>
+          <a:prstGeom prst="rect">
+            <a:avLst/>
+          </a:prstGeom>
+        </p:spPr>
+      </p:pic>
+      <p:sp>
+        <p:nvSpPr>
+          <p:cNvPr id="6" name="TextBox 5">
+            <a:extLst>
+              <a:ext uri="{FF2B5EF4-FFF2-40B4-BE49-F238E27FC236}">
+                <a16:creationId xmlns:a16="http://schemas.microsoft.com/office/drawing/2014/main" id="{8E7ADE99-5BE6-0A26-8B0E-F0877DA4A2BA}"/>
+              </a:ext>
+            </a:extLst>
+          </p:cNvPr>
+          <p:cNvSpPr txBox="1"/>
+          <p:nvPr/>
+        </p:nvSpPr>
+        <p:spPr>
+          <a:xfrm>
+            <a:off x="7946136" y="676656"/>
+            <a:ext cx="4059936" cy="2308324"/>
+          </a:xfrm>
+          <a:prstGeom prst="rect">
+            <a:avLst/>
+          </a:prstGeom>
+          <a:noFill/>
+        </p:spPr>
+        <p:txBody>
+          <a:bodyPr wrap="square" rtlCol="0">
+            <a:spAutoFit/>
+          </a:bodyPr>
+          <a:lstStyle/>
+          <a:p>
+            <a:r>
+              <a:rPr lang="en-US" dirty="0"/>
+              <a:t>Spiral is 9um width, 4um height</a:t>
+            </a:r>
+          </a:p>
+          <a:p>
+            <a:endParaRPr lang="en-US" dirty="0"/>
+          </a:p>
+          <a:p>
+            <a:r>
+              <a:rPr lang="en-US" dirty="0"/>
+              <a:t>Kappa ~ 0.0013</a:t>
+            </a:r>
+          </a:p>
+          <a:p>
+            <a:endParaRPr lang="en-US" dirty="0"/>
+          </a:p>
+          <a:p>
+            <a:r>
+              <a:rPr lang="en-US" dirty="0"/>
+              <a:t>Take z = 3m, </a:t>
+            </a:r>
+          </a:p>
+          <a:p>
+            <a:endParaRPr lang="en-US" dirty="0"/>
+          </a:p>
+          <a:p>
+            <a:r>
+              <a:rPr lang="en-US" dirty="0" err="1"/>
+              <a:t>P_couple</a:t>
+            </a:r>
+            <a:r>
+              <a:rPr lang="en-US" dirty="0"/>
+              <a:t>/</a:t>
+            </a:r>
+            <a:r>
+              <a:rPr lang="en-US" dirty="0" err="1"/>
+              <a:t>P_input</a:t>
+            </a:r>
+            <a:r>
+              <a:rPr lang="en-US" dirty="0"/>
+              <a:t> = 0.0017%</a:t>
+            </a:r>
+          </a:p>
+          <a:p>
+            <a:endParaRPr lang="en-US" dirty="0"/>
+          </a:p>
+        </p:txBody>
+      </p:sp>
+      <p:pic>
+        <p:nvPicPr>
+          <p:cNvPr id="8" name="Picture 7">
+            <a:extLst>
+              <a:ext uri="{FF2B5EF4-FFF2-40B4-BE49-F238E27FC236}">
+                <a16:creationId xmlns:a16="http://schemas.microsoft.com/office/drawing/2014/main" id="{1FBFF185-4B74-510F-D933-28BED1E0164F}"/>
+              </a:ext>
+            </a:extLst>
+          </p:cNvPr>
+          <p:cNvPicPr>
+            <a:picLocks noChangeAspect="1"/>
+          </p:cNvPicPr>
+          <p:nvPr/>
+        </p:nvPicPr>
+        <p:blipFill>
+          <a:blip r:embed="rId3"/>
+          <a:stretch>
+            <a:fillRect/>
+          </a:stretch>
+        </p:blipFill>
+        <p:spPr>
+          <a:xfrm>
+            <a:off x="7562699" y="3429000"/>
+            <a:ext cx="4321005" cy="2134402"/>
+          </a:xfrm>
+          <a:prstGeom prst="rect">
+            <a:avLst/>
+          </a:prstGeom>
+        </p:spPr>
+      </p:pic>
+      <mc:AlternateContent xmlns:mc="http://schemas.openxmlformats.org/markup-compatibility/2006" xmlns:p14="http://schemas.microsoft.com/office/powerpoint/2010/main">
+        <mc:Choice Requires="p14">
+          <p:contentPart p14:bwMode="auto" r:id="rId4">
+            <p14:nvContentPartPr>
+              <p14:cNvPr id="9" name="Ink 8">
+                <a:extLst>
+                  <a:ext uri="{FF2B5EF4-FFF2-40B4-BE49-F238E27FC236}">
+                    <a16:creationId xmlns:a16="http://schemas.microsoft.com/office/drawing/2014/main" id="{A81C517F-6F3A-15B8-2ED5-B0D2F13D328B}"/>
+                  </a:ext>
+                </a:extLst>
+              </p14:cNvPr>
+              <p14:cNvContentPartPr/>
+              <p14:nvPr/>
+            </p14:nvContentPartPr>
+            <p14:xfrm>
+              <a:off x="11896128" y="4297536"/>
+              <a:ext cx="216360" cy="259200"/>
+            </p14:xfrm>
+          </p:contentPart>
+        </mc:Choice>
+        <mc:Fallback xmlns="">
+          <p:pic>
+            <p:nvPicPr>
+              <p:cNvPr id="9" name="Ink 8">
+                <a:extLst>
+                  <a:ext uri="{FF2B5EF4-FFF2-40B4-BE49-F238E27FC236}">
+                    <a16:creationId xmlns:a16="http://schemas.microsoft.com/office/drawing/2014/main" id="{A81C517F-6F3A-15B8-2ED5-B0D2F13D328B}"/>
+                  </a:ext>
+                </a:extLst>
+              </p:cNvPr>
+              <p:cNvPicPr/>
+              <p:nvPr/>
+            </p:nvPicPr>
+            <p:blipFill>
+              <a:blip r:embed="rId5"/>
+              <a:stretch>
+                <a:fillRect/>
+              </a:stretch>
+            </p:blipFill>
+            <p:spPr>
+              <a:xfrm>
+                <a:off x="11878488" y="4279536"/>
+                <a:ext cx="252000" cy="294840"/>
+              </a:xfrm>
+              <a:prstGeom prst="rect">
+                <a:avLst/>
+              </a:prstGeom>
+            </p:spPr>
+          </p:pic>
+        </mc:Fallback>
+      </mc:AlternateContent>
+    </p:spTree>
+    <p:extLst>
+      <p:ext uri="{BB962C8B-B14F-4D97-AF65-F5344CB8AC3E}">
+        <p14:creationId xmlns:p14="http://schemas.microsoft.com/office/powerpoint/2010/main" val="2424125334"/>
+      </p:ext>
+    </p:extLst>
+  </p:cSld>
+  <p:clrMapOvr>
+    <a:masterClrMapping/>
+  </p:clrMapOvr>
+</p:sld>
+</file>
+
+<file path=ppt/slides/slide7.xml><?xml version="1.0" encoding="utf-8"?>
+<p:sld xmlns:a="http://schemas.openxmlformats.org/drawingml/2006/main" xmlns:r="http://schemas.openxmlformats.org/officeDocument/2006/relationships" xmlns:p="http://schemas.openxmlformats.org/presentationml/2006/main">
+  <p:cSld>
+    <p:spTree>
+      <p:nvGrpSpPr>
+        <p:cNvPr id="1" name=""/>
+        <p:cNvGrpSpPr/>
+        <p:nvPr/>
+      </p:nvGrpSpPr>
+      <p:grpSpPr>
+        <a:xfrm>
+          <a:off x="0" y="0"/>
+          <a:ext cx="0" cy="0"/>
+          <a:chOff x="0" y="0"/>
+          <a:chExt cx="0" cy="0"/>
+        </a:xfrm>
+      </p:grpSpPr>
+      <p:sp>
+        <p:nvSpPr>
+          <p:cNvPr id="2" name="Title 1">
+            <a:extLst>
+              <a:ext uri="{FF2B5EF4-FFF2-40B4-BE49-F238E27FC236}">
+                <a16:creationId xmlns:a16="http://schemas.microsoft.com/office/drawing/2014/main" id="{D3E61C51-E01A-DB38-27F8-AEB6A68AFF77}"/>
+              </a:ext>
+            </a:extLst>
+          </p:cNvPr>
+          <p:cNvSpPr>
+            <a:spLocks noGrp="1"/>
+          </p:cNvSpPr>
+          <p:nvPr>
+            <p:ph type="title"/>
+          </p:nvPr>
+        </p:nvSpPr>
+        <p:spPr>
+          <a:xfrm flipH="1">
+            <a:off x="7244161" y="734317"/>
+            <a:ext cx="4765246" cy="1226434"/>
+          </a:xfrm>
+        </p:spPr>
+        <p:txBody>
+          <a:bodyPr>
+            <a:normAutofit fontScale="90000"/>
+          </a:bodyPr>
+          <a:lstStyle/>
+          <a:p>
+            <a:r>
+              <a:rPr lang="en-US" dirty="0"/>
+              <a:t>To do:</a:t>
+            </a:r>
+            <a:br>
+              <a:rPr lang="en-US" dirty="0"/>
+            </a:br>
+            <a:r>
+              <a:rPr lang="en-US" dirty="0"/>
+              <a:t>Scan group dispersion</a:t>
+            </a:r>
+            <a:br>
+              <a:rPr lang="en-US" dirty="0"/>
+            </a:br>
+            <a:r>
+              <a:rPr lang="en-US" dirty="0"/>
+              <a:t>2x10</a:t>
+            </a:r>
+          </a:p>
+        </p:txBody>
+      </p:sp>
+      <p:pic>
+        <p:nvPicPr>
+          <p:cNvPr id="5" name="Picture 4">
+            <a:extLst>
+              <a:ext uri="{FF2B5EF4-FFF2-40B4-BE49-F238E27FC236}">
+                <a16:creationId xmlns:a16="http://schemas.microsoft.com/office/drawing/2014/main" id="{89C9FCFF-21C6-DC2C-EAE7-FA6371802E01}"/>
+              </a:ext>
+            </a:extLst>
+          </p:cNvPr>
+          <p:cNvPicPr>
+            <a:picLocks noChangeAspect="1"/>
+          </p:cNvPicPr>
+          <p:nvPr/>
+        </p:nvPicPr>
+        <p:blipFill>
+          <a:blip r:embed="rId2"/>
+          <a:stretch>
+            <a:fillRect/>
+          </a:stretch>
+        </p:blipFill>
+        <p:spPr>
+          <a:xfrm>
+            <a:off x="0" y="309489"/>
+            <a:ext cx="6904147" cy="5676314"/>
+          </a:xfrm>
+          <a:prstGeom prst="rect">
+            <a:avLst/>
+          </a:prstGeom>
+        </p:spPr>
+      </p:pic>
+    </p:spTree>
+    <p:extLst>
+      <p:ext uri="{BB962C8B-B14F-4D97-AF65-F5344CB8AC3E}">
+        <p14:creationId xmlns:p14="http://schemas.microsoft.com/office/powerpoint/2010/main" val="2752568815"/>
+      </p:ext>
+    </p:extLst>
+  </p:cSld>
+  <p:clrMapOvr>
+    <a:masterClrMapping/>
+  </p:clrMapOvr>
+</p:sld>
+</file>
+
+<file path=ppt/slides/slide8.xml><?xml version="1.0" encoding="utf-8"?>
+<p:sld xmlns:a="http://schemas.openxmlformats.org/drawingml/2006/main" xmlns:r="http://schemas.openxmlformats.org/officeDocument/2006/relationships" xmlns:p="http://schemas.openxmlformats.org/presentationml/2006/main">
+  <p:cSld>
+    <p:spTree>
+      <p:nvGrpSpPr>
+        <p:cNvPr id="1" name=""/>
+        <p:cNvGrpSpPr/>
+        <p:nvPr/>
+      </p:nvGrpSpPr>
+      <p:grpSpPr>
+        <a:xfrm>
+          <a:off x="0" y="0"/>
+          <a:ext cx="0" cy="0"/>
+          <a:chOff x="0" y="0"/>
+          <a:chExt cx="0" cy="0"/>
+        </a:xfrm>
+      </p:grpSpPr>
+      <p:sp>
+        <p:nvSpPr>
+          <p:cNvPr id="2" name="Title 1">
+            <a:extLst>
+              <a:ext uri="{FF2B5EF4-FFF2-40B4-BE49-F238E27FC236}">
+                <a16:creationId xmlns:a16="http://schemas.microsoft.com/office/drawing/2014/main" id="{4F42A232-5BBA-847E-0DFA-D59D2AAF0F16}"/>
+              </a:ext>
+            </a:extLst>
+          </p:cNvPr>
+          <p:cNvSpPr>
+            <a:spLocks noGrp="1"/>
+          </p:cNvSpPr>
+          <p:nvPr>
+            <p:ph type="title"/>
+          </p:nvPr>
+        </p:nvSpPr>
+        <p:spPr/>
+        <p:txBody>
+          <a:bodyPr>
+            <a:normAutofit fontScale="90000"/>
+          </a:bodyPr>
+          <a:lstStyle/>
+          <a:p>
+            <a:endParaRPr lang="en-US" dirty="0"/>
+          </a:p>
+        </p:txBody>
+      </p:sp>
+      <p:sp>
+        <p:nvSpPr>
+          <p:cNvPr id="3" name="Content Placeholder 2">
+            <a:extLst>
+              <a:ext uri="{FF2B5EF4-FFF2-40B4-BE49-F238E27FC236}">
+                <a16:creationId xmlns:a16="http://schemas.microsoft.com/office/drawing/2014/main" id="{44775258-CEFF-6598-4A12-EE150CA884F5}"/>
+              </a:ext>
+            </a:extLst>
+          </p:cNvPr>
+          <p:cNvSpPr>
+            <a:spLocks noGrp="1"/>
+          </p:cNvSpPr>
+          <p:nvPr>
+            <p:ph idx="1"/>
+          </p:nvPr>
+        </p:nvSpPr>
+        <p:spPr/>
+        <p:txBody>
+          <a:bodyPr/>
+          <a:lstStyle/>
+          <a:p>
+            <a:r>
+              <a:rPr lang="en-US" dirty="0"/>
+              <a:t>2 % Long Anneal</a:t>
+            </a:r>
+          </a:p>
+          <a:p>
+            <a:r>
+              <a:rPr lang="en-US" dirty="0"/>
+              <a:t>Sub 15 um THOX</a:t>
+            </a:r>
+          </a:p>
+          <a:p>
+            <a:r>
+              <a:rPr lang="en-US" dirty="0"/>
+              <a:t>Air clad</a:t>
+            </a:r>
+          </a:p>
+        </p:txBody>
+      </p:sp>
+    </p:spTree>
+    <p:extLst>
+      <p:ext uri="{BB962C8B-B14F-4D97-AF65-F5344CB8AC3E}">
+        <p14:creationId xmlns:p14="http://schemas.microsoft.com/office/powerpoint/2010/main" val="1769685690"/>
+      </p:ext>
+    </p:extLst>
+  </p:cSld>
+  <p:clrMapOvr>
+    <a:masterClrMapping/>
+  </p:clrMapOvr>
+</p:sld>
+</file>
+
+<file path=ppt/slides/slide9.xml><?xml version="1.0" encoding="utf-8"?>
+<p:sld xmlns:a="http://schemas.openxmlformats.org/drawingml/2006/main" xmlns:r="http://schemas.openxmlformats.org/officeDocument/2006/relationships" xmlns:p="http://schemas.openxmlformats.org/presentationml/2006/main">
+  <p:cSld>
+    <p:spTree>
+      <p:nvGrpSpPr>
+        <p:cNvPr id="1" name=""/>
+        <p:cNvGrpSpPr/>
+        <p:nvPr/>
+      </p:nvGrpSpPr>
+      <p:grpSpPr>
+        <a:xfrm>
+          <a:off x="0" y="0"/>
+          <a:ext cx="0" cy="0"/>
+          <a:chOff x="0" y="0"/>
+          <a:chExt cx="0" cy="0"/>
+        </a:xfrm>
+      </p:grpSpPr>
+      <p:pic>
+        <p:nvPicPr>
+          <p:cNvPr id="1026" name="Picture 2">
+            <a:extLst>
+              <a:ext uri="{FF2B5EF4-FFF2-40B4-BE49-F238E27FC236}">
+                <a16:creationId xmlns:a16="http://schemas.microsoft.com/office/drawing/2014/main" id="{F72C00A3-A1E4-89F3-56BE-93B7C89EDC68}"/>
+              </a:ext>
+            </a:extLst>
+          </p:cNvPr>
+          <p:cNvPicPr>
+            <a:picLocks noChangeAspect="1" noChangeArrowheads="1"/>
+          </p:cNvPicPr>
+          <p:nvPr/>
+        </p:nvPicPr>
+        <p:blipFill>
+          <a:blip r:embed="rId2">
+            <a:extLst>
+              <a:ext uri="{28A0092B-C50C-407E-A947-70E740481C1C}">
+                <a14:useLocalDpi xmlns:a14="http://schemas.microsoft.com/office/drawing/2010/main" val="0"/>
+              </a:ext>
+            </a:extLst>
+          </a:blip>
+          <a:srcRect/>
+          <a:stretch>
+            <a:fillRect/>
+          </a:stretch>
+        </p:blipFill>
+        <p:spPr bwMode="auto">
+          <a:xfrm>
+            <a:off x="3948986" y="857250"/>
+            <a:ext cx="8363706" cy="4581525"/>
+          </a:xfrm>
+          <a:prstGeom prst="rect">
+            <a:avLst/>
+          </a:prstGeom>
+          <a:noFill/>
+          <a:extLst>
+            <a:ext uri="{909E8E84-426E-40DD-AFC4-6F175D3DCCD1}">
+              <a14:hiddenFill xmlns:a14="http://schemas.microsoft.com/office/drawing/2010/main">
+                <a:solidFill>
+                  <a:srgbClr val="FFFFFF"/>
+                </a:solidFill>
+              </a14:hiddenFill>
+            </a:ext>
+          </a:extLst>
+        </p:spPr>
+      </p:pic>
+      <p:sp>
+        <p:nvSpPr>
+          <p:cNvPr id="2" name="Title 1">
+            <a:extLst>
+              <a:ext uri="{FF2B5EF4-FFF2-40B4-BE49-F238E27FC236}">
+                <a16:creationId xmlns:a16="http://schemas.microsoft.com/office/drawing/2014/main" id="{872E2B05-BAF5-37D6-C806-5E341A06180C}"/>
+              </a:ext>
+            </a:extLst>
+          </p:cNvPr>
+          <p:cNvSpPr>
+            <a:spLocks noGrp="1"/>
+          </p:cNvSpPr>
+          <p:nvPr>
+            <p:ph type="title"/>
+          </p:nvPr>
+        </p:nvSpPr>
+        <p:spPr/>
+        <p:txBody>
+          <a:bodyPr>
+            <a:normAutofit fontScale="90000"/>
+          </a:bodyPr>
+          <a:lstStyle/>
+          <a:p>
+            <a:r>
+              <a:rPr lang="en-US" dirty="0"/>
+              <a:t>2025/4/20 THG</a:t>
+            </a:r>
+          </a:p>
+        </p:txBody>
+      </p:sp>
+      <p:sp>
+        <p:nvSpPr>
+          <p:cNvPr id="3" name="Content Placeholder 2">
+            <a:extLst>
+              <a:ext uri="{FF2B5EF4-FFF2-40B4-BE49-F238E27FC236}">
+                <a16:creationId xmlns:a16="http://schemas.microsoft.com/office/drawing/2014/main" id="{ACBE95EB-1DAE-142B-F0A3-5616DC0C5539}"/>
+              </a:ext>
+            </a:extLst>
+          </p:cNvPr>
+          <p:cNvSpPr>
+            <a:spLocks noGrp="1"/>
+          </p:cNvSpPr>
+          <p:nvPr>
+            <p:ph idx="1"/>
+          </p:nvPr>
+        </p:nvSpPr>
+        <p:spPr>
+          <a:xfrm>
+            <a:off x="182593" y="951122"/>
+            <a:ext cx="4423913" cy="5049628"/>
+          </a:xfrm>
+        </p:spPr>
+        <p:txBody>
+          <a:bodyPr/>
+          <a:lstStyle/>
+          <a:p>
+            <a:r>
+              <a:rPr lang="en-US" dirty="0"/>
+              <a:t>THG</a:t>
+            </a:r>
+          </a:p>
+          <a:p>
+            <a:r>
+              <a:rPr lang="en-US" dirty="0"/>
+              <a:t>3</a:t>
+            </a:r>
+            <a:r>
+              <a:rPr lang="en-US" baseline="30000" dirty="0"/>
+              <a:t>rd</a:t>
+            </a:r>
+            <a:r>
+              <a:rPr lang="en-US" dirty="0"/>
+              <a:t> 450</a:t>
+            </a:r>
+            <a:r>
+              <a:rPr lang="en-US" dirty="0">
+                <a:sym typeface="Wingdings" panose="05000000000000000000" pitchFamily="2" charset="2"/>
+              </a:rPr>
+              <a:t>150</a:t>
+            </a:r>
+          </a:p>
+          <a:p>
+            <a:r>
+              <a:rPr lang="en-US" dirty="0" err="1">
+                <a:sym typeface="Wingdings" panose="05000000000000000000" pitchFamily="2" charset="2"/>
+              </a:rPr>
+              <a:t>Aeff</a:t>
+            </a:r>
+            <a:endParaRPr lang="en-US" dirty="0">
+              <a:sym typeface="Wingdings" panose="05000000000000000000" pitchFamily="2" charset="2"/>
+            </a:endParaRPr>
+          </a:p>
+          <a:p>
+            <a:r>
+              <a:rPr lang="en-US" dirty="0">
+                <a:sym typeface="Wingdings" panose="05000000000000000000" pitchFamily="2" charset="2"/>
+              </a:rPr>
+              <a:t>Large Device:</a:t>
+            </a:r>
+          </a:p>
+          <a:p>
+            <a:pPr lvl="1"/>
+            <a:r>
+              <a:rPr lang="en-US" dirty="0">
+                <a:sym typeface="Wingdings" panose="05000000000000000000" pitchFamily="2" charset="2"/>
+              </a:rPr>
+              <a:t>radius = 6,10, 15,20, 30 </a:t>
+            </a:r>
+          </a:p>
+          <a:p>
+            <a:pPr lvl="1"/>
+            <a:r>
+              <a:rPr lang="en-US" dirty="0">
+                <a:sym typeface="Wingdings" panose="05000000000000000000" pitchFamily="2" charset="2"/>
+              </a:rPr>
+              <a:t>r= 3 4 5 6</a:t>
+            </a:r>
+          </a:p>
+          <a:p>
+            <a:r>
+              <a:rPr lang="en-US" dirty="0">
+                <a:sym typeface="Wingdings" panose="05000000000000000000" pitchFamily="2" charset="2"/>
+              </a:rPr>
+              <a:t>Small Device:</a:t>
+            </a:r>
+          </a:p>
+          <a:p>
+            <a:pPr lvl="1"/>
+            <a:r>
+              <a:rPr lang="en-US" dirty="0">
+                <a:sym typeface="Wingdings" panose="05000000000000000000" pitchFamily="2" charset="2"/>
+              </a:rPr>
+              <a:t>radius = 3,6,10</a:t>
+            </a:r>
+          </a:p>
+          <a:p>
+            <a:pPr lvl="1"/>
+            <a:r>
+              <a:rPr lang="en-US" dirty="0">
+                <a:sym typeface="Wingdings" panose="05000000000000000000" pitchFamily="2" charset="2"/>
+              </a:rPr>
+              <a:t>r= 1.5,3</a:t>
+            </a:r>
+            <a:endParaRPr lang="en-US" dirty="0"/>
+          </a:p>
+          <a:p>
+            <a:endParaRPr lang="en-US" dirty="0"/>
+          </a:p>
+        </p:txBody>
+      </p:sp>
+      <p:cxnSp>
+        <p:nvCxnSpPr>
+          <p:cNvPr id="5" name="Straight Arrow Connector 4">
+            <a:extLst>
+              <a:ext uri="{FF2B5EF4-FFF2-40B4-BE49-F238E27FC236}">
+                <a16:creationId xmlns:a16="http://schemas.microsoft.com/office/drawing/2014/main" id="{37F935B0-B7BD-F803-DF42-F39F2017B51C}"/>
+              </a:ext>
+            </a:extLst>
+          </p:cNvPr>
+          <p:cNvCxnSpPr/>
+          <p:nvPr/>
+        </p:nvCxnSpPr>
+        <p:spPr>
+          <a:xfrm>
+            <a:off x="7915275" y="2457450"/>
+            <a:ext cx="3100388" cy="0"/>
+          </a:xfrm>
+          <a:prstGeom prst="straightConnector1">
+            <a:avLst/>
+          </a:prstGeom>
+          <a:ln w="38100">
+            <a:tailEnd type="triangle"/>
+          </a:ln>
+        </p:spPr>
+        <p:style>
+          <a:lnRef idx="2">
+            <a:schemeClr val="dk1"/>
+          </a:lnRef>
+          <a:fillRef idx="0">
+            <a:schemeClr val="dk1"/>
+          </a:fillRef>
+          <a:effectRef idx="1">
+            <a:schemeClr val="dk1"/>
+          </a:effectRef>
+          <a:fontRef idx="minor">
+            <a:schemeClr val="tx1"/>
+          </a:fontRef>
+        </p:style>
+      </p:cxnSp>
+      <p:sp>
+        <p:nvSpPr>
+          <p:cNvPr id="6" name="Title 1">
+            <a:extLst>
+              <a:ext uri="{FF2B5EF4-FFF2-40B4-BE49-F238E27FC236}">
+                <a16:creationId xmlns:a16="http://schemas.microsoft.com/office/drawing/2014/main" id="{20F17016-4173-FFCA-ABF4-DD978D1D272A}"/>
+              </a:ext>
+            </a:extLst>
+          </p:cNvPr>
+          <p:cNvSpPr txBox="1">
+            <a:spLocks/>
+          </p:cNvSpPr>
+          <p:nvPr/>
+        </p:nvSpPr>
+        <p:spPr>
+          <a:xfrm>
+            <a:off x="8372899" y="1914314"/>
+            <a:ext cx="2408207" cy="514769"/>
+          </a:xfrm>
+          <a:prstGeom prst="rect">
+            <a:avLst/>
+          </a:prstGeom>
+        </p:spPr>
+        <p:txBody>
+          <a:bodyPr vert="horz" lIns="91440" tIns="45720" rIns="91440" bIns="45720" rtlCol="0" anchor="ctr">
+            <a:normAutofit fontScale="82500" lnSpcReduction="20000"/>
+          </a:bodyPr>
+          <a:lstStyle>
+            <a:lvl1pPr algn="l" defTabSz="914400" rtl="0" eaLnBrk="1" latinLnBrk="0" hangingPunct="1">
+              <a:lnSpc>
+                <a:spcPct val="90000"/>
+              </a:lnSpc>
+              <a:spcBef>
+                <a:spcPct val="0"/>
+              </a:spcBef>
+              <a:buNone/>
+              <a:defRPr sz="4400" kern="1200">
+                <a:solidFill>
+                  <a:schemeClr val="tx1"/>
+                </a:solidFill>
+                <a:latin typeface="+mj-lt"/>
+                <a:ea typeface="+mj-ea"/>
+                <a:cs typeface="+mj-cs"/>
+              </a:defRPr>
+            </a:lvl1pPr>
+          </a:lstStyle>
+          <a:p>
+            <a:r>
+              <a:rPr lang="en-US" dirty="0"/>
+              <a:t>radius</a:t>
+            </a:r>
+          </a:p>
+        </p:txBody>
+      </p:sp>
+      <p:cxnSp>
+        <p:nvCxnSpPr>
+          <p:cNvPr id="7" name="Straight Arrow Connector 6">
+            <a:extLst>
+              <a:ext uri="{FF2B5EF4-FFF2-40B4-BE49-F238E27FC236}">
+                <a16:creationId xmlns:a16="http://schemas.microsoft.com/office/drawing/2014/main" id="{34C7C718-6B0E-2623-C813-DB81C9D7F7C9}"/>
+              </a:ext>
+            </a:extLst>
+          </p:cNvPr>
+          <p:cNvCxnSpPr>
+            <a:cxnSpLocks/>
+          </p:cNvCxnSpPr>
+          <p:nvPr/>
+        </p:nvCxnSpPr>
+        <p:spPr>
+          <a:xfrm>
+            <a:off x="11015663" y="3148012"/>
+            <a:ext cx="555820" cy="0"/>
+          </a:xfrm>
+          <a:prstGeom prst="straightConnector1">
+            <a:avLst/>
+          </a:prstGeom>
+          <a:ln w="38100">
+            <a:tailEnd type="triangle"/>
+          </a:ln>
+        </p:spPr>
+        <p:style>
+          <a:lnRef idx="2">
+            <a:schemeClr val="dk1"/>
+          </a:lnRef>
+          <a:fillRef idx="0">
+            <a:schemeClr val="dk1"/>
+          </a:fillRef>
+          <a:effectRef idx="1">
+            <a:schemeClr val="dk1"/>
+          </a:effectRef>
+          <a:fontRef idx="minor">
+            <a:schemeClr val="tx1"/>
+          </a:fontRef>
+        </p:style>
+      </p:cxnSp>
+      <p:sp>
+        <p:nvSpPr>
+          <p:cNvPr id="9" name="Title 1">
+            <a:extLst>
+              <a:ext uri="{FF2B5EF4-FFF2-40B4-BE49-F238E27FC236}">
+                <a16:creationId xmlns:a16="http://schemas.microsoft.com/office/drawing/2014/main" id="{6D6A6F47-0093-3445-0099-8F85A5D2093B}"/>
+              </a:ext>
+            </a:extLst>
+          </p:cNvPr>
+          <p:cNvSpPr txBox="1">
+            <a:spLocks/>
+          </p:cNvSpPr>
+          <p:nvPr/>
+        </p:nvSpPr>
+        <p:spPr>
+          <a:xfrm>
+            <a:off x="11086709" y="3148012"/>
+            <a:ext cx="413727" cy="514769"/>
+          </a:xfrm>
+          <a:prstGeom prst="rect">
+            <a:avLst/>
+          </a:prstGeom>
+        </p:spPr>
+        <p:txBody>
+          <a:bodyPr vert="horz" lIns="91440" tIns="45720" rIns="91440" bIns="45720" rtlCol="0" anchor="ctr">
+            <a:normAutofit fontScale="82500" lnSpcReduction="20000"/>
+          </a:bodyPr>
+          <a:lstStyle>
+            <a:lvl1pPr algn="l" defTabSz="914400" rtl="0" eaLnBrk="1" latinLnBrk="0" hangingPunct="1">
+              <a:lnSpc>
+                <a:spcPct val="90000"/>
+              </a:lnSpc>
+              <a:spcBef>
+                <a:spcPct val="0"/>
+              </a:spcBef>
+              <a:buNone/>
+              <a:defRPr sz="4400" kern="1200">
+                <a:solidFill>
+                  <a:schemeClr val="tx1"/>
+                </a:solidFill>
+                <a:latin typeface="+mj-lt"/>
+                <a:ea typeface="+mj-ea"/>
+                <a:cs typeface="+mj-cs"/>
+              </a:defRPr>
+            </a:lvl1pPr>
+          </a:lstStyle>
+          <a:p>
+            <a:r>
+              <a:rPr lang="en-US" dirty="0"/>
+              <a:t>r</a:t>
+            </a:r>
+          </a:p>
+        </p:txBody>
+      </p:sp>
+    </p:spTree>
+    <p:extLst>
+      <p:ext uri="{BB962C8B-B14F-4D97-AF65-F5344CB8AC3E}">
+        <p14:creationId xmlns:p14="http://schemas.microsoft.com/office/powerpoint/2010/main" val="3095297903"/>
       </p:ext>
     </p:extLst>
   </p:cSld>
